--- a/docs/presentation_slides/RoboWarsPresentation.pptx
+++ b/docs/presentation_slides/RoboWarsPresentation.pptx
@@ -5,10 +5,10 @@
     <p:sldMasterId id="2147483648" r:id="rId1"/>
   </p:sldMasterIdLst>
   <p:notesMasterIdLst>
-    <p:notesMasterId r:id="rId53"/>
+    <p:notesMasterId r:id="rId51"/>
   </p:notesMasterIdLst>
   <p:handoutMasterIdLst>
-    <p:handoutMasterId r:id="rId54"/>
+    <p:handoutMasterId r:id="rId52"/>
   </p:handoutMasterIdLst>
   <p:sldIdLst>
     <p:sldId id="256" r:id="rId2"/>
@@ -35,33 +35,31 @@
     <p:sldId id="282" r:id="rId23"/>
     <p:sldId id="283" r:id="rId24"/>
     <p:sldId id="284" r:id="rId25"/>
-    <p:sldId id="285" r:id="rId26"/>
-    <p:sldId id="286" r:id="rId27"/>
-    <p:sldId id="287" r:id="rId28"/>
-    <p:sldId id="288" r:id="rId29"/>
-    <p:sldId id="289" r:id="rId30"/>
-    <p:sldId id="290" r:id="rId31"/>
-    <p:sldId id="291" r:id="rId32"/>
-    <p:sldId id="292" r:id="rId33"/>
-    <p:sldId id="293" r:id="rId34"/>
-    <p:sldId id="294" r:id="rId35"/>
-    <p:sldId id="295" r:id="rId36"/>
-    <p:sldId id="296" r:id="rId37"/>
-    <p:sldId id="297" r:id="rId38"/>
-    <p:sldId id="298" r:id="rId39"/>
-    <p:sldId id="299" r:id="rId40"/>
-    <p:sldId id="300" r:id="rId41"/>
-    <p:sldId id="301" r:id="rId42"/>
-    <p:sldId id="302" r:id="rId43"/>
-    <p:sldId id="303" r:id="rId44"/>
-    <p:sldId id="304" r:id="rId45"/>
-    <p:sldId id="305" r:id="rId46"/>
-    <p:sldId id="306" r:id="rId47"/>
-    <p:sldId id="307" r:id="rId48"/>
-    <p:sldId id="308" r:id="rId49"/>
-    <p:sldId id="312" r:id="rId50"/>
-    <p:sldId id="263" r:id="rId51"/>
-    <p:sldId id="311" r:id="rId52"/>
+    <p:sldId id="313" r:id="rId26"/>
+    <p:sldId id="314" r:id="rId27"/>
+    <p:sldId id="315" r:id="rId28"/>
+    <p:sldId id="316" r:id="rId29"/>
+    <p:sldId id="317" r:id="rId30"/>
+    <p:sldId id="318" r:id="rId31"/>
+    <p:sldId id="319" r:id="rId32"/>
+    <p:sldId id="320" r:id="rId33"/>
+    <p:sldId id="321" r:id="rId34"/>
+    <p:sldId id="322" r:id="rId35"/>
+    <p:sldId id="323" r:id="rId36"/>
+    <p:sldId id="324" r:id="rId37"/>
+    <p:sldId id="299" r:id="rId38"/>
+    <p:sldId id="300" r:id="rId39"/>
+    <p:sldId id="301" r:id="rId40"/>
+    <p:sldId id="302" r:id="rId41"/>
+    <p:sldId id="303" r:id="rId42"/>
+    <p:sldId id="304" r:id="rId43"/>
+    <p:sldId id="305" r:id="rId44"/>
+    <p:sldId id="306" r:id="rId45"/>
+    <p:sldId id="307" r:id="rId46"/>
+    <p:sldId id="308" r:id="rId47"/>
+    <p:sldId id="312" r:id="rId48"/>
+    <p:sldId id="263" r:id="rId49"/>
+    <p:sldId id="311" r:id="rId50"/>
   </p:sldIdLst>
   <p:sldSz cx="9144000" cy="6858000" type="screen4x3"/>
   <p:notesSz cx="6858000" cy="9144000"/>
@@ -974,7 +972,7 @@
         <p:nvSpPr>
           <p:cNvPr id="17411" name="Rectangle 1"/>
           <p:cNvSpPr>
-            <a:spLocks noChangeArrowheads="1" noTextEdit="1"/>
+            <a:spLocks noGrp="1" noRot="1" noChangeAspect="1" noChangeArrowheads="1" noTextEdit="1"/>
           </p:cNvSpPr>
           <p:nvPr>
             <p:ph type="sldImg"/>
@@ -1000,7 +998,7 @@
         <p:nvSpPr>
           <p:cNvPr id="17412" name="Rectangle 2"/>
           <p:cNvSpPr>
-            <a:spLocks noChangeArrowheads="1"/>
+            <a:spLocks noGrp="1" noChangeArrowheads="1"/>
           </p:cNvSpPr>
           <p:nvPr>
             <p:ph type="body" idx="1"/>
@@ -1089,7 +1087,7 @@
         <p:nvSpPr>
           <p:cNvPr id="18435" name="Rectangle 1"/>
           <p:cNvSpPr>
-            <a:spLocks noChangeArrowheads="1" noTextEdit="1"/>
+            <a:spLocks noGrp="1" noRot="1" noChangeAspect="1" noChangeArrowheads="1" noTextEdit="1"/>
           </p:cNvSpPr>
           <p:nvPr>
             <p:ph type="sldImg"/>
@@ -1115,7 +1113,7 @@
         <p:nvSpPr>
           <p:cNvPr id="18436" name="Rectangle 2"/>
           <p:cNvSpPr>
-            <a:spLocks noChangeArrowheads="1"/>
+            <a:spLocks noGrp="1" noChangeArrowheads="1"/>
           </p:cNvSpPr>
           <p:nvPr>
             <p:ph type="body" idx="1"/>
@@ -1204,7 +1202,7 @@
         <p:nvSpPr>
           <p:cNvPr id="19459" name="Rectangle 1"/>
           <p:cNvSpPr>
-            <a:spLocks noChangeArrowheads="1" noTextEdit="1"/>
+            <a:spLocks noGrp="1" noRot="1" noChangeAspect="1" noChangeArrowheads="1" noTextEdit="1"/>
           </p:cNvSpPr>
           <p:nvPr>
             <p:ph type="sldImg"/>
@@ -1230,7 +1228,7 @@
         <p:nvSpPr>
           <p:cNvPr id="19460" name="Rectangle 2"/>
           <p:cNvSpPr>
-            <a:spLocks noChangeArrowheads="1"/>
+            <a:spLocks noGrp="1" noChangeArrowheads="1"/>
           </p:cNvSpPr>
           <p:nvPr>
             <p:ph type="body" idx="1"/>
@@ -1278,19 +1276,21 @@
       </p:grpSpPr>
       <p:sp>
         <p:nvSpPr>
-          <p:cNvPr id="2" name="Slide Image Placeholder 1"/>
-          <p:cNvSpPr>
-            <a:spLocks noGrp="1" noRot="1" noChangeAspect="1"/>
+          <p:cNvPr id="16386" name="Slide Image Placeholder 1"/>
+          <p:cNvSpPr>
+            <a:spLocks noGrp="1" noRot="1" noChangeAspect="1" noTextEdit="1"/>
           </p:cNvSpPr>
           <p:nvPr>
             <p:ph type="sldImg"/>
           </p:nvPr>
         </p:nvSpPr>
-        <p:spPr/>
-      </p:sp>
-      <p:sp>
-        <p:nvSpPr>
-          <p:cNvPr id="3" name="Notes Placeholder 2"/>
+        <p:spPr>
+          <a:ln/>
+        </p:spPr>
+      </p:sp>
+      <p:sp>
+        <p:nvSpPr>
+          <p:cNvPr id="16387" name="Notes Placeholder 2"/>
           <p:cNvSpPr>
             <a:spLocks noGrp="1"/>
           </p:cNvSpPr>
@@ -1298,38 +1298,88 @@
             <p:ph type="body" idx="1"/>
           </p:nvPr>
         </p:nvSpPr>
-        <p:spPr/>
-        <p:txBody>
-          <a:bodyPr>
-            <a:normAutofit/>
-          </a:bodyPr>
-          <a:lstStyle/>
-          <a:p>
-            <a:endParaRPr lang="en-CA" dirty="0"/>
-          </a:p>
-        </p:txBody>
-      </p:sp>
-      <p:sp>
-        <p:nvSpPr>
-          <p:cNvPr id="4" name="Slide Number Placeholder 3"/>
+        <p:spPr>
+          <a:noFill/>
+          <a:ln/>
+        </p:spPr>
+        <p:txBody>
+          <a:bodyPr/>
+          <a:lstStyle/>
+          <a:p>
+            <a:pPr>
+              <a:buFontTx/>
+              <a:buChar char="•"/>
+            </a:pPr>
+            <a:r>
+              <a:rPr lang="en-US" smtClean="0"/>
+              <a:t>Robots goals</a:t>
+            </a:r>
+          </a:p>
+          <a:p>
+            <a:pPr>
+              <a:buFontTx/>
+              <a:buChar char="•"/>
+            </a:pPr>
+            <a:r>
+              <a:rPr lang="en-US" smtClean="0"/>
+              <a:t>Introduce mindstorm</a:t>
+            </a:r>
+          </a:p>
+          <a:p>
+            <a:pPr>
+              <a:buFontTx/>
+              <a:buChar char="•"/>
+            </a:pPr>
+            <a:r>
+              <a:rPr lang="en-US" smtClean="0"/>
+              <a:t>Mention the firmware</a:t>
+            </a:r>
+          </a:p>
+          <a:p>
+            <a:pPr>
+              <a:buFontTx/>
+              <a:buChar char="•"/>
+            </a:pPr>
+            <a:r>
+              <a:rPr lang="en-US" smtClean="0"/>
+              <a:t>Controls and positioning</a:t>
+            </a:r>
+          </a:p>
+          <a:p>
+            <a:pPr>
+              <a:buFontTx/>
+              <a:buChar char="•"/>
+            </a:pPr>
+            <a:r>
+              <a:rPr lang="en-US" smtClean="0"/>
+              <a:t>Error correction</a:t>
+            </a:r>
+          </a:p>
+        </p:txBody>
+      </p:sp>
+      <p:sp>
+        <p:nvSpPr>
+          <p:cNvPr id="16388" name="Slide Number Placeholder 3"/>
           <p:cNvSpPr>
             <a:spLocks noGrp="1"/>
           </p:cNvSpPr>
           <p:nvPr>
-            <p:ph type="sldNum" sz="quarter" idx="10"/>
-          </p:nvPr>
-        </p:nvSpPr>
-        <p:spPr/>
+            <p:ph type="sldNum" sz="quarter" idx="5"/>
+          </p:nvPr>
+        </p:nvSpPr>
+        <p:spPr>
+          <a:noFill/>
+        </p:spPr>
         <p:txBody>
           <a:bodyPr/>
           <a:lstStyle/>
           <a:p>
-            <a:fld id="{E00E7371-80A2-4894-A71A-E39284D7ECA2}" type="slidenum">
+            <a:fld id="{410EE8A4-045C-4538-809B-CF866558E966}" type="slidenum">
               <a:rPr lang="en-US" smtClean="0"/>
               <a:pPr/>
-              <a:t>26</a:t>
+              <a:t>37</a:t>
             </a:fld>
-            <a:endParaRPr lang="en-US"/>
+            <a:endParaRPr lang="en-US" smtClean="0"/>
           </a:p>
         </p:txBody>
       </p:sp>
@@ -1360,7 +1410,7 @@
       </p:grpSpPr>
       <p:sp>
         <p:nvSpPr>
-          <p:cNvPr id="16386" name="Slide Image Placeholder 1"/>
+          <p:cNvPr id="17410" name="Slide Image Placeholder 1"/>
           <p:cNvSpPr>
             <a:spLocks noGrp="1" noRot="1" noChangeAspect="1" noTextEdit="1"/>
           </p:cNvSpPr>
@@ -1374,7 +1424,7 @@
       </p:sp>
       <p:sp>
         <p:nvSpPr>
-          <p:cNvPr id="16387" name="Notes Placeholder 2"/>
+          <p:cNvPr id="17411" name="Notes Placeholder 2"/>
           <p:cNvSpPr>
             <a:spLocks noGrp="1"/>
           </p:cNvSpPr>
@@ -1396,7 +1446,7 @@
             </a:pPr>
             <a:r>
               <a:rPr lang="en-US" smtClean="0"/>
-              <a:t>Robots goals</a:t>
+              <a:t>Need on the spot game turning</a:t>
             </a:r>
           </a:p>
           <a:p>
@@ -1406,7 +1456,7 @@
             </a:pPr>
             <a:r>
               <a:rPr lang="en-US" smtClean="0"/>
-              <a:t>Introduce mindstorm</a:t>
+              <a:t>Independent wheel control:not building a gearbased turning</a:t>
             </a:r>
           </a:p>
           <a:p>
@@ -1416,7 +1466,7 @@
             </a:pPr>
             <a:r>
               <a:rPr lang="en-US" smtClean="0"/>
-              <a:t>Mention the firmware</a:t>
+              <a:t>Wireless</a:t>
             </a:r>
           </a:p>
           <a:p>
@@ -1426,24 +1476,14 @@
             </a:pPr>
             <a:r>
               <a:rPr lang="en-US" smtClean="0"/>
-              <a:t>Controls and positioning</a:t>
-            </a:r>
-          </a:p>
-          <a:p>
-            <a:pPr>
-              <a:buFontTx/>
-              <a:buChar char="•"/>
-            </a:pPr>
-            <a:r>
-              <a:rPr lang="en-US" smtClean="0"/>
-              <a:t>Error correction</a:t>
-            </a:r>
-          </a:p>
-        </p:txBody>
-      </p:sp>
-      <p:sp>
-        <p:nvSpPr>
-          <p:cNvPr id="16388" name="Slide Number Placeholder 3"/>
+              <a:t>Need local position tracking to ensure that even when packets are dropped the state remains consistant</a:t>
+            </a:r>
+          </a:p>
+        </p:txBody>
+      </p:sp>
+      <p:sp>
+        <p:nvSpPr>
+          <p:cNvPr id="17412" name="Slide Number Placeholder 3"/>
           <p:cNvSpPr>
             <a:spLocks noGrp="1"/>
           </p:cNvSpPr>
@@ -1458,10 +1498,10 @@
           <a:bodyPr/>
           <a:lstStyle/>
           <a:p>
-            <a:fld id="{410EE8A4-045C-4538-809B-CF866558E966}" type="slidenum">
+            <a:fld id="{8EA19455-577B-407B-90FD-95ACA7E921E2}" type="slidenum">
               <a:rPr lang="en-US" smtClean="0"/>
               <a:pPr/>
-              <a:t>39</a:t>
+              <a:t>38</a:t>
             </a:fld>
             <a:endParaRPr lang="en-US" smtClean="0"/>
           </a:p>
@@ -1494,7 +1534,7 @@
       </p:grpSpPr>
       <p:sp>
         <p:nvSpPr>
-          <p:cNvPr id="17410" name="Slide Image Placeholder 1"/>
+          <p:cNvPr id="18434" name="Slide Image Placeholder 1"/>
           <p:cNvSpPr>
             <a:spLocks noGrp="1" noRot="1" noChangeAspect="1" noTextEdit="1"/>
           </p:cNvSpPr>
@@ -1508,7 +1548,7 @@
       </p:sp>
       <p:sp>
         <p:nvSpPr>
-          <p:cNvPr id="17411" name="Notes Placeholder 2"/>
+          <p:cNvPr id="18435" name="Notes Placeholder 2"/>
           <p:cNvSpPr>
             <a:spLocks noGrp="1"/>
           </p:cNvSpPr>
@@ -1530,7 +1570,7 @@
             </a:pPr>
             <a:r>
               <a:rPr lang="en-US" smtClean="0"/>
-              <a:t>Need on the spot game turning</a:t>
+              <a:t>Lego allows easy to build</a:t>
             </a:r>
           </a:p>
           <a:p>
@@ -1540,7 +1580,7 @@
             </a:pPr>
             <a:r>
               <a:rPr lang="en-US" smtClean="0"/>
-              <a:t>Independent wheel control:not building a gearbased turning</a:t>
+              <a:t>Well supported libraries</a:t>
             </a:r>
           </a:p>
           <a:p>
@@ -1550,7 +1590,7 @@
             </a:pPr>
             <a:r>
               <a:rPr lang="en-US" smtClean="0"/>
-              <a:t>Wireless</a:t>
+              <a:t>Infinite possibilities</a:t>
             </a:r>
           </a:p>
           <a:p>
@@ -1560,14 +1600,21 @@
             </a:pPr>
             <a:r>
               <a:rPr lang="en-US" smtClean="0"/>
-              <a:t>Need local position tracking to ensure that even when packets are dropped the state remains consistant</a:t>
-            </a:r>
-          </a:p>
-        </p:txBody>
-      </p:sp>
-      <p:sp>
-        <p:nvSpPr>
-          <p:cNvPr id="17412" name="Slide Number Placeholder 3"/>
+              <a:t>Lots of external hardware (cameras, compasses’)</a:t>
+            </a:r>
+          </a:p>
+          <a:p>
+            <a:pPr>
+              <a:buFontTx/>
+              <a:buChar char="•"/>
+            </a:pPr>
+            <a:endParaRPr lang="en-US" smtClean="0"/>
+          </a:p>
+        </p:txBody>
+      </p:sp>
+      <p:sp>
+        <p:nvSpPr>
+          <p:cNvPr id="18436" name="Slide Number Placeholder 3"/>
           <p:cNvSpPr>
             <a:spLocks noGrp="1"/>
           </p:cNvSpPr>
@@ -1582,10 +1629,10 @@
           <a:bodyPr/>
           <a:lstStyle/>
           <a:p>
-            <a:fld id="{8EA19455-577B-407B-90FD-95ACA7E921E2}" type="slidenum">
+            <a:fld id="{FB3F8B20-4ACA-44CA-8F83-77D72F2E1404}" type="slidenum">
               <a:rPr lang="en-US" smtClean="0"/>
               <a:pPr/>
-              <a:t>40</a:t>
+              <a:t>39</a:t>
             </a:fld>
             <a:endParaRPr lang="en-US" smtClean="0"/>
           </a:p>
@@ -1618,7 +1665,7 @@
       </p:grpSpPr>
       <p:sp>
         <p:nvSpPr>
-          <p:cNvPr id="18434" name="Slide Image Placeholder 1"/>
+          <p:cNvPr id="19458" name="Slide Image Placeholder 1"/>
           <p:cNvSpPr>
             <a:spLocks noGrp="1" noRot="1" noChangeAspect="1" noTextEdit="1"/>
           </p:cNvSpPr>
@@ -1632,7 +1679,7 @@
       </p:sp>
       <p:sp>
         <p:nvSpPr>
-          <p:cNvPr id="18435" name="Notes Placeholder 2"/>
+          <p:cNvPr id="19459" name="Notes Placeholder 2"/>
           <p:cNvSpPr>
             <a:spLocks noGrp="1"/>
           </p:cNvSpPr>
@@ -1654,7 +1701,7 @@
             </a:pPr>
             <a:r>
               <a:rPr lang="en-US" smtClean="0"/>
-              <a:t>Lego allows easy to build</a:t>
+              <a:t>Up to 7 peripherals</a:t>
             </a:r>
           </a:p>
           <a:p>
@@ -1664,7 +1711,7 @@
             </a:pPr>
             <a:r>
               <a:rPr lang="en-US" smtClean="0"/>
-              <a:t>Well supported libraries</a:t>
+              <a:t>Can communicate with other robots to ensure no collisions</a:t>
             </a:r>
           </a:p>
           <a:p>
@@ -1674,7 +1721,7 @@
             </a:pPr>
             <a:r>
               <a:rPr lang="en-US" smtClean="0"/>
-              <a:t>Infinite possibilities</a:t>
+              <a:t>48MHz processor</a:t>
             </a:r>
           </a:p>
           <a:p>
@@ -1684,7 +1731,7 @@
             </a:pPr>
             <a:r>
               <a:rPr lang="en-US" smtClean="0"/>
-              <a:t>Lots of external hardware (cameras, compasses’)</a:t>
+              <a:t>64KB SRAM</a:t>
             </a:r>
           </a:p>
           <a:p>
@@ -1692,13 +1739,16 @@
               <a:buFontTx/>
               <a:buChar char="•"/>
             </a:pPr>
-            <a:endParaRPr lang="en-US" smtClean="0"/>
-          </a:p>
-        </p:txBody>
-      </p:sp>
-      <p:sp>
-        <p:nvSpPr>
-          <p:cNvPr id="18436" name="Slide Number Placeholder 3"/>
+            <a:r>
+              <a:rPr lang="en-US" smtClean="0"/>
+              <a:t>Has embedded microphone and speaker</a:t>
+            </a:r>
+          </a:p>
+        </p:txBody>
+      </p:sp>
+      <p:sp>
+        <p:nvSpPr>
+          <p:cNvPr id="19460" name="Slide Number Placeholder 3"/>
           <p:cNvSpPr>
             <a:spLocks noGrp="1"/>
           </p:cNvSpPr>
@@ -1713,10 +1763,10 @@
           <a:bodyPr/>
           <a:lstStyle/>
           <a:p>
-            <a:fld id="{FB3F8B20-4ACA-44CA-8F83-77D72F2E1404}" type="slidenum">
+            <a:fld id="{35960EFB-AFE6-4BE8-8FDB-A119644708F5}" type="slidenum">
               <a:rPr lang="en-US" smtClean="0"/>
               <a:pPr/>
-              <a:t>41</a:t>
+              <a:t>40</a:t>
             </a:fld>
             <a:endParaRPr lang="en-US" smtClean="0"/>
           </a:p>
@@ -1749,7 +1799,7 @@
       </p:grpSpPr>
       <p:sp>
         <p:nvSpPr>
-          <p:cNvPr id="19458" name="Slide Image Placeholder 1"/>
+          <p:cNvPr id="20482" name="Slide Image Placeholder 1"/>
           <p:cNvSpPr>
             <a:spLocks noGrp="1" noRot="1" noChangeAspect="1" noTextEdit="1"/>
           </p:cNvSpPr>
@@ -1763,7 +1813,7 @@
       </p:sp>
       <p:sp>
         <p:nvSpPr>
-          <p:cNvPr id="19459" name="Notes Placeholder 2"/>
+          <p:cNvPr id="20483" name="Notes Placeholder 2"/>
           <p:cNvSpPr>
             <a:spLocks noGrp="1"/>
           </p:cNvSpPr>
@@ -1779,60 +1829,35 @@
           <a:bodyPr/>
           <a:lstStyle/>
           <a:p>
-            <a:pPr>
-              <a:buFontTx/>
-              <a:buChar char="•"/>
-            </a:pPr>
-            <a:r>
-              <a:rPr lang="en-US" smtClean="0"/>
-              <a:t>Up to 7 peripherals</a:t>
-            </a:r>
-          </a:p>
-          <a:p>
-            <a:pPr>
-              <a:buFontTx/>
-              <a:buChar char="•"/>
-            </a:pPr>
-            <a:r>
-              <a:rPr lang="en-US" smtClean="0"/>
-              <a:t>Can communicate with other robots to ensure no collisions</a:t>
-            </a:r>
-          </a:p>
-          <a:p>
-            <a:pPr>
-              <a:buFontTx/>
-              <a:buChar char="•"/>
-            </a:pPr>
-            <a:r>
-              <a:rPr lang="en-US" smtClean="0"/>
-              <a:t>48MHz processor</a:t>
-            </a:r>
-          </a:p>
-          <a:p>
-            <a:pPr>
-              <a:buFontTx/>
-              <a:buChar char="•"/>
-            </a:pPr>
-            <a:r>
-              <a:rPr lang="en-US" smtClean="0"/>
-              <a:t>64KB SRAM</a:t>
-            </a:r>
-          </a:p>
-          <a:p>
-            <a:pPr>
-              <a:buFontTx/>
-              <a:buChar char="•"/>
-            </a:pPr>
-            <a:r>
-              <a:rPr lang="en-US" smtClean="0"/>
-              <a:t>Has embedded microphone and speaker</a:t>
-            </a:r>
-          </a:p>
-        </p:txBody>
-      </p:sp>
-      <p:sp>
-        <p:nvSpPr>
-          <p:cNvPr id="19460" name="Slide Number Placeholder 3"/>
+            <a:pPr eaLnBrk="1" hangingPunct="1"/>
+            <a:r>
+              <a:rPr lang="en-CA" smtClean="0"/>
+              <a:t>Ultra sonic sensor can see objects and estimate its proximity with in a centimetre </a:t>
+            </a:r>
+          </a:p>
+          <a:p>
+            <a:pPr eaLnBrk="1" hangingPunct="1"/>
+            <a:r>
+              <a:rPr lang="en-CA" smtClean="0"/>
+              <a:t>Touch sensors are NOT used</a:t>
+            </a:r>
+          </a:p>
+          <a:p>
+            <a:pPr eaLnBrk="1" hangingPunct="1"/>
+            <a:r>
+              <a:rPr lang="en-CA" smtClean="0"/>
+              <a:t>Colour sensor has radius of about a dime, and also contains a floodlight and infrared detection</a:t>
+            </a:r>
+          </a:p>
+          <a:p>
+            <a:pPr eaLnBrk="1" hangingPunct="1"/>
+            <a:endParaRPr lang="en-CA" smtClean="0"/>
+          </a:p>
+        </p:txBody>
+      </p:sp>
+      <p:sp>
+        <p:nvSpPr>
+          <p:cNvPr id="20484" name="Slide Number Placeholder 3"/>
           <p:cNvSpPr>
             <a:spLocks noGrp="1"/>
           </p:cNvSpPr>
@@ -1847,10 +1872,10 @@
           <a:bodyPr/>
           <a:lstStyle/>
           <a:p>
-            <a:fld id="{35960EFB-AFE6-4BE8-8FDB-A119644708F5}" type="slidenum">
+            <a:fld id="{8A2B1FDE-18ED-415D-814C-2A27D63D5F1E}" type="slidenum">
               <a:rPr lang="en-US" smtClean="0"/>
               <a:pPr/>
-              <a:t>42</a:t>
+              <a:t>41</a:t>
             </a:fld>
             <a:endParaRPr lang="en-US" smtClean="0"/>
           </a:p>
@@ -1883,7 +1908,7 @@
       </p:grpSpPr>
       <p:sp>
         <p:nvSpPr>
-          <p:cNvPr id="20482" name="Slide Image Placeholder 1"/>
+          <p:cNvPr id="21506" name="Slide Image Placeholder 1"/>
           <p:cNvSpPr>
             <a:spLocks noGrp="1" noRot="1" noChangeAspect="1" noTextEdit="1"/>
           </p:cNvSpPr>
@@ -1897,7 +1922,7 @@
       </p:sp>
       <p:sp>
         <p:nvSpPr>
-          <p:cNvPr id="20483" name="Notes Placeholder 2"/>
+          <p:cNvPr id="21507" name="Notes Placeholder 2"/>
           <p:cNvSpPr>
             <a:spLocks noGrp="1"/>
           </p:cNvSpPr>
@@ -1916,21 +1941,42 @@
             <a:pPr eaLnBrk="1" hangingPunct="1"/>
             <a:r>
               <a:rPr lang="en-CA" smtClean="0"/>
-              <a:t>Ultra sonic sensor can see objects and estimate its proximity with in a centimetre </a:t>
+              <a:t>Started in 1999, switched to NXT and RCX in 2001</a:t>
             </a:r>
           </a:p>
           <a:p>
             <a:pPr eaLnBrk="1" hangingPunct="1"/>
             <a:r>
               <a:rPr lang="en-CA" smtClean="0"/>
-              <a:t>Touch sensors are NOT used</a:t>
+              <a:t>Still many problems</a:t>
             </a:r>
           </a:p>
           <a:p>
             <a:pPr eaLnBrk="1" hangingPunct="1"/>
             <a:r>
               <a:rPr lang="en-CA" smtClean="0"/>
-              <a:t>Colour sensor has radius of about a dime, and also contains a floodlight and infrared detection</a:t>
+              <a:t>Custom IO was had to be redone.</a:t>
+            </a:r>
+          </a:p>
+          <a:p>
+            <a:pPr eaLnBrk="1" hangingPunct="1"/>
+            <a:r>
+              <a:rPr lang="en-CA" smtClean="0"/>
+              <a:t>Adds local JVM using a section of the java library and their own libraries</a:t>
+            </a:r>
+          </a:p>
+          <a:p>
+            <a:pPr eaLnBrk="1" hangingPunct="1"/>
+            <a:r>
+              <a:rPr lang="en-CA" smtClean="0"/>
+              <a:t>Provides easy access to USB and Bluetooth</a:t>
+            </a:r>
+          </a:p>
+          <a:p>
+            <a:pPr eaLnBrk="1" hangingPunct="1"/>
+            <a:r>
+              <a:rPr lang="en-CA" smtClean="0"/>
+              <a:t>By having the jvm awe avoid having to do our own context switches while having the entire system be thread based</a:t>
             </a:r>
           </a:p>
           <a:p>
@@ -1941,7 +1987,7 @@
       </p:sp>
       <p:sp>
         <p:nvSpPr>
-          <p:cNvPr id="20484" name="Slide Number Placeholder 3"/>
+          <p:cNvPr id="21508" name="Slide Number Placeholder 3"/>
           <p:cNvSpPr>
             <a:spLocks noGrp="1"/>
           </p:cNvSpPr>
@@ -1956,10 +2002,10 @@
           <a:bodyPr/>
           <a:lstStyle/>
           <a:p>
-            <a:fld id="{8A2B1FDE-18ED-415D-814C-2A27D63D5F1E}" type="slidenum">
+            <a:fld id="{75ACE562-6E55-4277-9734-1B31A04AFDC4}" type="slidenum">
               <a:rPr lang="en-US" smtClean="0"/>
               <a:pPr/>
-              <a:t>43</a:t>
+              <a:t>42</a:t>
             </a:fld>
             <a:endParaRPr lang="en-US" smtClean="0"/>
           </a:p>
@@ -1992,7 +2038,7 @@
       </p:grpSpPr>
       <p:sp>
         <p:nvSpPr>
-          <p:cNvPr id="21506" name="Slide Image Placeholder 1"/>
+          <p:cNvPr id="22530" name="Slide Image Placeholder 1"/>
           <p:cNvSpPr>
             <a:spLocks noGrp="1" noRot="1" noChangeAspect="1" noTextEdit="1"/>
           </p:cNvSpPr>
@@ -2006,7 +2052,7 @@
       </p:sp>
       <p:sp>
         <p:nvSpPr>
-          <p:cNvPr id="21507" name="Notes Placeholder 2"/>
+          <p:cNvPr id="22531" name="Notes Placeholder 2"/>
           <p:cNvSpPr>
             <a:spLocks noGrp="1"/>
           </p:cNvSpPr>
@@ -2022,45 +2068,53 @@
           <a:bodyPr/>
           <a:lstStyle/>
           <a:p>
-            <a:pPr eaLnBrk="1" hangingPunct="1"/>
+            <a:pPr eaLnBrk="1" hangingPunct="1">
+              <a:buFontTx/>
+              <a:buChar char="•"/>
+            </a:pPr>
             <a:r>
               <a:rPr lang="en-CA" smtClean="0"/>
-              <a:t>Started in 1999, switched to NXT and RCX in 2001</a:t>
-            </a:r>
-          </a:p>
-          <a:p>
-            <a:pPr eaLnBrk="1" hangingPunct="1"/>
+              <a:t>Navigator provides the basic movement, and turning and position control</a:t>
+            </a:r>
+          </a:p>
+          <a:p>
+            <a:pPr eaLnBrk="1" hangingPunct="1">
+              <a:buFontTx/>
+              <a:buChar char="•"/>
+            </a:pPr>
             <a:r>
               <a:rPr lang="en-CA" smtClean="0"/>
-              <a:t>Still many problems</a:t>
-            </a:r>
-          </a:p>
-          <a:p>
-            <a:pPr eaLnBrk="1" hangingPunct="1"/>
+              <a:t>These are then implemented using concrete interfaces, the most common being Compass and Tachonavigator</a:t>
+            </a:r>
+          </a:p>
+          <a:p>
+            <a:pPr eaLnBrk="1" hangingPunct="1">
+              <a:buFontTx/>
+              <a:buChar char="•"/>
+            </a:pPr>
             <a:r>
               <a:rPr lang="en-CA" smtClean="0"/>
-              <a:t>Custom IO was had to be redone.</a:t>
-            </a:r>
-          </a:p>
-          <a:p>
-            <a:pPr eaLnBrk="1" hangingPunct="1"/>
+              <a:t>These are named after their pilots</a:t>
+            </a:r>
+          </a:p>
+          <a:p>
+            <a:pPr eaLnBrk="1" hangingPunct="1">
+              <a:buFontTx/>
+              <a:buChar char="•"/>
+            </a:pPr>
             <a:r>
               <a:rPr lang="en-CA" smtClean="0"/>
-              <a:t>Adds local JVM using a section of the java library and their own libraries</a:t>
-            </a:r>
-          </a:p>
-          <a:p>
-            <a:pPr eaLnBrk="1" hangingPunct="1"/>
+              <a:t>Tachonavigator uses deadreconing on the servo motor tachometers where compass uses extra hardware to get heading information</a:t>
+            </a:r>
+          </a:p>
+          <a:p>
+            <a:pPr eaLnBrk="1" hangingPunct="1">
+              <a:buFontTx/>
+              <a:buChar char="•"/>
+            </a:pPr>
             <a:r>
               <a:rPr lang="en-CA" smtClean="0"/>
-              <a:t>Provides easy access to USB and Bluetooth</a:t>
-            </a:r>
-          </a:p>
-          <a:p>
-            <a:pPr eaLnBrk="1" hangingPunct="1"/>
-            <a:r>
-              <a:rPr lang="en-CA" smtClean="0"/>
-              <a:t>By having the jvm awe avoid having to do our own context switches while having the entire system be thread based</a:t>
+              <a:t>Pilots are used to directly interact with the motors</a:t>
             </a:r>
           </a:p>
           <a:p>
@@ -2071,7 +2125,7 @@
       </p:sp>
       <p:sp>
         <p:nvSpPr>
-          <p:cNvPr id="21508" name="Slide Number Placeholder 3"/>
+          <p:cNvPr id="22532" name="Slide Number Placeholder 3"/>
           <p:cNvSpPr>
             <a:spLocks noGrp="1"/>
           </p:cNvSpPr>
@@ -2086,10 +2140,10 @@
           <a:bodyPr/>
           <a:lstStyle/>
           <a:p>
-            <a:fld id="{75ACE562-6E55-4277-9734-1B31A04AFDC4}" type="slidenum">
+            <a:fld id="{A878CAB2-45D9-4D32-A047-7DBB896D82EF}" type="slidenum">
               <a:rPr lang="en-US" smtClean="0"/>
               <a:pPr/>
-              <a:t>44</a:t>
+              <a:t>43</a:t>
             </a:fld>
             <a:endParaRPr lang="en-US" smtClean="0"/>
           </a:p>
@@ -2250,7 +2304,7 @@
       </p:grpSpPr>
       <p:sp>
         <p:nvSpPr>
-          <p:cNvPr id="22530" name="Slide Image Placeholder 1"/>
+          <p:cNvPr id="23554" name="Slide Image Placeholder 1"/>
           <p:cNvSpPr>
             <a:spLocks noGrp="1" noRot="1" noChangeAspect="1" noTextEdit="1"/>
           </p:cNvSpPr>
@@ -2264,7 +2318,7 @@
       </p:sp>
       <p:sp>
         <p:nvSpPr>
-          <p:cNvPr id="22531" name="Notes Placeholder 2"/>
+          <p:cNvPr id="23555" name="Notes Placeholder 2"/>
           <p:cNvSpPr>
             <a:spLocks noGrp="1"/>
           </p:cNvSpPr>
@@ -2286,7 +2340,7 @@
             </a:pPr>
             <a:r>
               <a:rPr lang="en-CA" smtClean="0"/>
-              <a:t>Navigator provides the basic movement, and turning and position control</a:t>
+              <a:t>Receives a command</a:t>
             </a:r>
           </a:p>
           <a:p>
@@ -2296,7 +2350,7 @@
             </a:pPr>
             <a:r>
               <a:rPr lang="en-CA" smtClean="0"/>
-              <a:t>These are then implemented using concrete interfaces, the most common being Compass and Tachonavigator</a:t>
+              <a:t>Uses the thread safe IO</a:t>
             </a:r>
           </a:p>
           <a:p>
@@ -2306,7 +2360,7 @@
             </a:pPr>
             <a:r>
               <a:rPr lang="en-CA" smtClean="0"/>
-              <a:t>These are named after their pilots</a:t>
+              <a:t>Provides the command to the thread-safe robot movement</a:t>
             </a:r>
           </a:p>
           <a:p>
@@ -2316,7 +2370,7 @@
             </a:pPr>
             <a:r>
               <a:rPr lang="en-CA" smtClean="0"/>
-              <a:t>Tachonavigator uses deadreconing on the servo motor tachometers where compass uses extra hardware to get heading information</a:t>
+              <a:t>Which then interacts with the navigator</a:t>
             </a:r>
           </a:p>
           <a:p>
@@ -2326,18 +2380,29 @@
             </a:pPr>
             <a:r>
               <a:rPr lang="en-CA" smtClean="0"/>
-              <a:t>Pilots are used to directly interact with the motors</a:t>
-            </a:r>
+              <a:t>Positions are tracked using a custom data structure (Pose)</a:t>
+            </a:r>
+          </a:p>
+          <a:p>
+            <a:pPr eaLnBrk="1" hangingPunct="1">
+              <a:buFontTx/>
+              <a:buChar char="•"/>
+            </a:pPr>
+            <a:endParaRPr lang="en-CA" smtClean="0"/>
           </a:p>
           <a:p>
             <a:pPr eaLnBrk="1" hangingPunct="1"/>
             <a:endParaRPr lang="en-CA" smtClean="0"/>
           </a:p>
-        </p:txBody>
-      </p:sp>
-      <p:sp>
-        <p:nvSpPr>
-          <p:cNvPr id="22532" name="Slide Number Placeholder 3"/>
+          <a:p>
+            <a:pPr eaLnBrk="1" hangingPunct="1"/>
+            <a:endParaRPr lang="en-CA" smtClean="0"/>
+          </a:p>
+        </p:txBody>
+      </p:sp>
+      <p:sp>
+        <p:nvSpPr>
+          <p:cNvPr id="23556" name="Slide Number Placeholder 3"/>
           <p:cNvSpPr>
             <a:spLocks noGrp="1"/>
           </p:cNvSpPr>
@@ -2352,10 +2417,10 @@
           <a:bodyPr/>
           <a:lstStyle/>
           <a:p>
-            <a:fld id="{A878CAB2-45D9-4D32-A047-7DBB896D82EF}" type="slidenum">
+            <a:fld id="{5988A30C-D518-4CE3-A38F-F24FC918AE51}" type="slidenum">
               <a:rPr lang="en-US" smtClean="0"/>
               <a:pPr/>
-              <a:t>45</a:t>
+              <a:t>44</a:t>
             </a:fld>
             <a:endParaRPr lang="en-US" smtClean="0"/>
           </a:p>
@@ -2388,7 +2453,7 @@
       </p:grpSpPr>
       <p:sp>
         <p:nvSpPr>
-          <p:cNvPr id="23554" name="Slide Image Placeholder 1"/>
+          <p:cNvPr id="24578" name="Slide Image Placeholder 1"/>
           <p:cNvSpPr>
             <a:spLocks noGrp="1" noRot="1" noChangeAspect="1" noTextEdit="1"/>
           </p:cNvSpPr>
@@ -2402,7 +2467,7 @@
       </p:sp>
       <p:sp>
         <p:nvSpPr>
-          <p:cNvPr id="23555" name="Notes Placeholder 2"/>
+          <p:cNvPr id="24579" name="Notes Placeholder 2"/>
           <p:cNvSpPr>
             <a:spLocks noGrp="1"/>
           </p:cNvSpPr>
@@ -2424,7 +2489,7 @@
             </a:pPr>
             <a:r>
               <a:rPr lang="en-CA" smtClean="0"/>
-              <a:t>Receives a command</a:t>
+              <a:t>Travels over grid sampling the colours should the robot detect a dot it snaps its location to the nearest point</a:t>
             </a:r>
           </a:p>
           <a:p>
@@ -2434,7 +2499,7 @@
             </a:pPr>
             <a:r>
               <a:rPr lang="en-CA" smtClean="0"/>
-              <a:t>Uses the thread safe IO</a:t>
+              <a:t>Samples 3/s</a:t>
             </a:r>
           </a:p>
           <a:p>
@@ -2444,7 +2509,7 @@
             </a:pPr>
             <a:r>
               <a:rPr lang="en-CA" smtClean="0"/>
-              <a:t>Provides the command to the thread-safe robot movement</a:t>
+              <a:t>Grid is programmed and saved in the system, the representation is provided by the server.</a:t>
             </a:r>
           </a:p>
           <a:p>
@@ -2454,7 +2519,7 @@
             </a:pPr>
             <a:r>
               <a:rPr lang="en-CA" smtClean="0"/>
-              <a:t>Which then interacts with the navigator</a:t>
+              <a:t>Dots on grid are spaced 2cm apart</a:t>
             </a:r>
           </a:p>
           <a:p>
@@ -2464,29 +2529,18 @@
             </a:pPr>
             <a:r>
               <a:rPr lang="en-CA" smtClean="0"/>
-              <a:t>Positions are tracked using a custom data structure (Pose)</a:t>
-            </a:r>
-          </a:p>
-          <a:p>
-            <a:pPr eaLnBrk="1" hangingPunct="1">
-              <a:buFontTx/>
-              <a:buChar char="•"/>
-            </a:pPr>
-            <a:endParaRPr lang="en-CA" smtClean="0"/>
+              <a:t>Heading error cannot be fixed without additional hardware.</a:t>
+            </a:r>
           </a:p>
           <a:p>
             <a:pPr eaLnBrk="1" hangingPunct="1"/>
             <a:endParaRPr lang="en-CA" smtClean="0"/>
           </a:p>
-          <a:p>
-            <a:pPr eaLnBrk="1" hangingPunct="1"/>
-            <a:endParaRPr lang="en-CA" smtClean="0"/>
-          </a:p>
-        </p:txBody>
-      </p:sp>
-      <p:sp>
-        <p:nvSpPr>
-          <p:cNvPr id="23556" name="Slide Number Placeholder 3"/>
+        </p:txBody>
+      </p:sp>
+      <p:sp>
+        <p:nvSpPr>
+          <p:cNvPr id="24580" name="Slide Number Placeholder 3"/>
           <p:cNvSpPr>
             <a:spLocks noGrp="1"/>
           </p:cNvSpPr>
@@ -2501,10 +2555,10 @@
           <a:bodyPr/>
           <a:lstStyle/>
           <a:p>
-            <a:fld id="{5988A30C-D518-4CE3-A38F-F24FC918AE51}" type="slidenum">
+            <a:fld id="{9330D6B2-0B8E-4252-827D-FFB622A801F3}" type="slidenum">
               <a:rPr lang="en-US" smtClean="0"/>
               <a:pPr/>
-              <a:t>46</a:t>
+              <a:t>45</a:t>
             </a:fld>
             <a:endParaRPr lang="en-US" smtClean="0"/>
           </a:p>
@@ -2537,144 +2591,6 @@
       </p:grpSpPr>
       <p:sp>
         <p:nvSpPr>
-          <p:cNvPr id="24578" name="Slide Image Placeholder 1"/>
-          <p:cNvSpPr>
-            <a:spLocks noGrp="1" noRot="1" noChangeAspect="1" noTextEdit="1"/>
-          </p:cNvSpPr>
-          <p:nvPr>
-            <p:ph type="sldImg"/>
-          </p:nvPr>
-        </p:nvSpPr>
-        <p:spPr>
-          <a:ln/>
-        </p:spPr>
-      </p:sp>
-      <p:sp>
-        <p:nvSpPr>
-          <p:cNvPr id="24579" name="Notes Placeholder 2"/>
-          <p:cNvSpPr>
-            <a:spLocks noGrp="1"/>
-          </p:cNvSpPr>
-          <p:nvPr>
-            <p:ph type="body" idx="1"/>
-          </p:nvPr>
-        </p:nvSpPr>
-        <p:spPr>
-          <a:noFill/>
-          <a:ln/>
-        </p:spPr>
-        <p:txBody>
-          <a:bodyPr/>
-          <a:lstStyle/>
-          <a:p>
-            <a:pPr eaLnBrk="1" hangingPunct="1">
-              <a:buFontTx/>
-              <a:buChar char="•"/>
-            </a:pPr>
-            <a:r>
-              <a:rPr lang="en-CA" smtClean="0"/>
-              <a:t>Travels over grid sampling the colours should the robot detect a dot it snaps its location to the nearest point</a:t>
-            </a:r>
-          </a:p>
-          <a:p>
-            <a:pPr eaLnBrk="1" hangingPunct="1">
-              <a:buFontTx/>
-              <a:buChar char="•"/>
-            </a:pPr>
-            <a:r>
-              <a:rPr lang="en-CA" smtClean="0"/>
-              <a:t>Samples 3/s</a:t>
-            </a:r>
-          </a:p>
-          <a:p>
-            <a:pPr eaLnBrk="1" hangingPunct="1">
-              <a:buFontTx/>
-              <a:buChar char="•"/>
-            </a:pPr>
-            <a:r>
-              <a:rPr lang="en-CA" smtClean="0"/>
-              <a:t>Grid is programmed and saved in the system, the representation is provided by the server.</a:t>
-            </a:r>
-          </a:p>
-          <a:p>
-            <a:pPr eaLnBrk="1" hangingPunct="1">
-              <a:buFontTx/>
-              <a:buChar char="•"/>
-            </a:pPr>
-            <a:r>
-              <a:rPr lang="en-CA" smtClean="0"/>
-              <a:t>Dots on grid are spaced 2cm apart</a:t>
-            </a:r>
-          </a:p>
-          <a:p>
-            <a:pPr eaLnBrk="1" hangingPunct="1">
-              <a:buFontTx/>
-              <a:buChar char="•"/>
-            </a:pPr>
-            <a:r>
-              <a:rPr lang="en-CA" smtClean="0"/>
-              <a:t>Heading error cannot be fixed without additional hardware.</a:t>
-            </a:r>
-          </a:p>
-          <a:p>
-            <a:pPr eaLnBrk="1" hangingPunct="1"/>
-            <a:endParaRPr lang="en-CA" smtClean="0"/>
-          </a:p>
-        </p:txBody>
-      </p:sp>
-      <p:sp>
-        <p:nvSpPr>
-          <p:cNvPr id="24580" name="Slide Number Placeholder 3"/>
-          <p:cNvSpPr>
-            <a:spLocks noGrp="1"/>
-          </p:cNvSpPr>
-          <p:nvPr>
-            <p:ph type="sldNum" sz="quarter" idx="5"/>
-          </p:nvPr>
-        </p:nvSpPr>
-        <p:spPr>
-          <a:noFill/>
-        </p:spPr>
-        <p:txBody>
-          <a:bodyPr/>
-          <a:lstStyle/>
-          <a:p>
-            <a:fld id="{9330D6B2-0B8E-4252-827D-FFB622A801F3}" type="slidenum">
-              <a:rPr lang="en-US" smtClean="0"/>
-              <a:pPr/>
-              <a:t>47</a:t>
-            </a:fld>
-            <a:endParaRPr lang="en-US" smtClean="0"/>
-          </a:p>
-        </p:txBody>
-      </p:sp>
-    </p:spTree>
-  </p:cSld>
-  <p:clrMapOvr>
-    <a:masterClrMapping/>
-  </p:clrMapOvr>
-</p:notes>
-</file>
-
-<file path=ppt/notesSlides/notesSlide23.xml><?xml version="1.0" encoding="utf-8"?>
-<p:notes xmlns:a="http://schemas.openxmlformats.org/drawingml/2006/main" xmlns:r="http://schemas.openxmlformats.org/officeDocument/2006/relationships" xmlns:p="http://schemas.openxmlformats.org/presentationml/2006/main">
-  <p:cSld>
-    <p:spTree>
-      <p:nvGrpSpPr>
-        <p:cNvPr id="1" name=""/>
-        <p:cNvGrpSpPr/>
-        <p:nvPr/>
-      </p:nvGrpSpPr>
-      <p:grpSpPr>
-        <a:xfrm>
-          <a:off x="0" y="0"/>
-          <a:ext cx="0" cy="0"/>
-          <a:chOff x="0" y="0"/>
-          <a:chExt cx="0" cy="0"/>
-        </a:xfrm>
-      </p:grpSpPr>
-      <p:sp>
-        <p:nvSpPr>
           <p:cNvPr id="25602" name="Slide Image Placeholder 1"/>
           <p:cNvSpPr>
             <a:spLocks noGrp="1" noRot="1" noChangeAspect="1" noTextEdit="1"/>
@@ -2779,7 +2695,7 @@
             <a:fld id="{2271B21D-7555-49E2-9109-642F468A0664}" type="slidenum">
               <a:rPr lang="en-US" smtClean="0"/>
               <a:pPr/>
-              <a:t>48</a:t>
+              <a:t>46</a:t>
             </a:fld>
             <a:endParaRPr lang="en-US" smtClean="0"/>
           </a:p>
@@ -3029,7 +2945,7 @@
         <p:nvSpPr>
           <p:cNvPr id="12291" name="Rectangle 1"/>
           <p:cNvSpPr>
-            <a:spLocks noChangeArrowheads="1" noTextEdit="1"/>
+            <a:spLocks noGrp="1" noRot="1" noChangeAspect="1" noChangeArrowheads="1" noTextEdit="1"/>
           </p:cNvSpPr>
           <p:nvPr>
             <p:ph type="sldImg"/>
@@ -3055,7 +2971,7 @@
         <p:nvSpPr>
           <p:cNvPr id="12292" name="Rectangle 2"/>
           <p:cNvSpPr>
-            <a:spLocks noChangeArrowheads="1"/>
+            <a:spLocks noGrp="1" noChangeArrowheads="1"/>
           </p:cNvSpPr>
           <p:nvPr>
             <p:ph type="body" idx="1"/>
@@ -3144,7 +3060,7 @@
         <p:nvSpPr>
           <p:cNvPr id="13315" name="Rectangle 1"/>
           <p:cNvSpPr>
-            <a:spLocks noChangeArrowheads="1" noTextEdit="1"/>
+            <a:spLocks noGrp="1" noRot="1" noChangeAspect="1" noChangeArrowheads="1" noTextEdit="1"/>
           </p:cNvSpPr>
           <p:nvPr>
             <p:ph type="sldImg"/>
@@ -3170,7 +3086,7 @@
         <p:nvSpPr>
           <p:cNvPr id="13316" name="Rectangle 2"/>
           <p:cNvSpPr>
-            <a:spLocks noChangeArrowheads="1"/>
+            <a:spLocks noGrp="1" noChangeArrowheads="1"/>
           </p:cNvSpPr>
           <p:nvPr>
             <p:ph type="body" idx="1"/>
@@ -3259,7 +3175,7 @@
         <p:nvSpPr>
           <p:cNvPr id="14339" name="Rectangle 1"/>
           <p:cNvSpPr>
-            <a:spLocks noChangeArrowheads="1" noTextEdit="1"/>
+            <a:spLocks noGrp="1" noRot="1" noChangeAspect="1" noChangeArrowheads="1" noTextEdit="1"/>
           </p:cNvSpPr>
           <p:nvPr>
             <p:ph type="sldImg"/>
@@ -3285,7 +3201,7 @@
         <p:nvSpPr>
           <p:cNvPr id="14340" name="Rectangle 2"/>
           <p:cNvSpPr>
-            <a:spLocks noChangeArrowheads="1"/>
+            <a:spLocks noGrp="1" noChangeArrowheads="1"/>
           </p:cNvSpPr>
           <p:nvPr>
             <p:ph type="body" idx="1"/>
@@ -3374,7 +3290,7 @@
         <p:nvSpPr>
           <p:cNvPr id="15363" name="Rectangle 1"/>
           <p:cNvSpPr>
-            <a:spLocks noChangeArrowheads="1" noTextEdit="1"/>
+            <a:spLocks noGrp="1" noRot="1" noChangeAspect="1" noChangeArrowheads="1" noTextEdit="1"/>
           </p:cNvSpPr>
           <p:nvPr>
             <p:ph type="sldImg"/>
@@ -3400,7 +3316,7 @@
         <p:nvSpPr>
           <p:cNvPr id="15364" name="Rectangle 2"/>
           <p:cNvSpPr>
-            <a:spLocks noChangeArrowheads="1"/>
+            <a:spLocks noGrp="1" noChangeArrowheads="1"/>
           </p:cNvSpPr>
           <p:nvPr>
             <p:ph type="body" idx="1"/>
@@ -3489,7 +3405,7 @@
         <p:nvSpPr>
           <p:cNvPr id="16387" name="Rectangle 1"/>
           <p:cNvSpPr>
-            <a:spLocks noChangeArrowheads="1" noTextEdit="1"/>
+            <a:spLocks noGrp="1" noRot="1" noChangeAspect="1" noChangeArrowheads="1" noTextEdit="1"/>
           </p:cNvSpPr>
           <p:nvPr>
             <p:ph type="sldImg"/>
@@ -3515,7 +3431,7 @@
         <p:nvSpPr>
           <p:cNvPr id="16388" name="Rectangle 2"/>
           <p:cNvSpPr>
-            <a:spLocks noChangeArrowheads="1"/>
+            <a:spLocks noGrp="1" noChangeArrowheads="1"/>
           </p:cNvSpPr>
           <p:nvPr>
             <p:ph type="body" idx="1"/>
@@ -4261,7 +4177,7 @@
             <a:pPr>
               <a:defRPr/>
             </a:pPr>
-            <a:fld id="{AE5C536A-7770-4A1F-946E-053F34589ED6}" type="slidenum">
+            <a:fld id="{60E27454-81CC-4D96-9B0E-4407836DB729}" type="slidenum">
               <a:rPr lang="en-US"/>
               <a:pPr>
                 <a:defRPr/>
@@ -4294,7 +4210,7 @@
             <a:pPr>
               <a:defRPr/>
             </a:pPr>
-            <a:fld id="{120B1174-1C1B-4ED8-9CFD-D699B1ADD5A3}" type="slidenum">
+            <a:fld id="{25D378DE-105D-4BCD-B9AB-DBDDA611EA1A}" type="slidenum">
               <a:rPr lang="en-US"/>
               <a:pPr>
                 <a:defRPr/>
@@ -4491,7 +4407,7 @@
             <a:pPr>
               <a:defRPr/>
             </a:pPr>
-            <a:fld id="{7C9ACC75-6063-46E2-86DA-4D6E5636F9FF}" type="slidenum">
+            <a:fld id="{028A7932-D217-49DF-9F31-9CED7ED58346}" type="slidenum">
               <a:rPr lang="en-US"/>
               <a:pPr>
                 <a:defRPr/>
@@ -4524,7 +4440,7 @@
             <a:pPr>
               <a:defRPr/>
             </a:pPr>
-            <a:fld id="{C99B8883-6E3E-4CB7-9C75-1489B9E0108E}" type="slidenum">
+            <a:fld id="{5A7A23DB-CB0E-490A-8AC4-6DE5B3B1DFED}" type="slidenum">
               <a:rPr lang="en-US"/>
               <a:pPr>
                 <a:defRPr/>
@@ -8519,7 +8435,7 @@
   <p:timing>
     <p:tnLst>
       <p:par>
-        <p:cTn id="1" dur="indefinite" nodeType="tmRoot">
+        <p:cTn id="1" dur="indefinite" restart="never" nodeType="tmRoot">
           <p:childTnLst>
             <p:seq concurrent="1" nextAc="seek">
               <p:cTn id="2" dur="0" nodeType="mainSeq"/>
@@ -8688,7 +8604,7 @@
   <p:timing>
     <p:tnLst>
       <p:par>
-        <p:cTn id="1" dur="indefinite" nodeType="tmRoot">
+        <p:cTn id="1" dur="indefinite" restart="never" nodeType="tmRoot">
           <p:childTnLst>
             <p:seq concurrent="1" nextAc="seek">
               <p:cTn id="2" dur="0" nodeType="mainSeq"/>
@@ -9339,7 +9255,7 @@
   <p:timing>
     <p:tnLst>
       <p:par>
-        <p:cTn id="1" dur="indefinite" nodeType="tmRoot">
+        <p:cTn id="1" dur="indefinite" restart="never" nodeType="tmRoot">
           <p:childTnLst>
             <p:seq concurrent="1" nextAc="seek">
               <p:cTn id="2" dur="0" nodeType="mainSeq"/>
@@ -9640,7 +9556,7 @@
   <p:timing>
     <p:tnLst>
       <p:par>
-        <p:cTn id="1" dur="indefinite" nodeType="tmRoot">
+        <p:cTn id="1" dur="indefinite" restart="never" nodeType="tmRoot">
           <p:childTnLst>
             <p:seq concurrent="1" nextAc="seek">
               <p:cTn id="2" dur="0" nodeType="mainSeq"/>
@@ -9938,7 +9854,7 @@
   <p:timing>
     <p:tnLst>
       <p:par>
-        <p:cTn id="1" dur="indefinite" nodeType="tmRoot">
+        <p:cTn id="1" dur="indefinite" restart="never" nodeType="tmRoot">
           <p:childTnLst>
             <p:seq concurrent="1" nextAc="seek">
               <p:cTn id="2" dur="0" nodeType="mainSeq"/>
@@ -10074,7 +9990,7 @@
   <p:timing>
     <p:tnLst>
       <p:par>
-        <p:cTn id="1" dur="indefinite" nodeType="tmRoot">
+        <p:cTn id="1" dur="indefinite" restart="never" nodeType="tmRoot">
           <p:childTnLst>
             <p:seq concurrent="1" nextAc="seek">
               <p:cTn id="2" dur="0" nodeType="mainSeq"/>
@@ -10300,7 +10216,7 @@
   <p:timing>
     <p:tnLst>
       <p:par>
-        <p:cTn id="1" dur="indefinite" nodeType="tmRoot">
+        <p:cTn id="1" dur="indefinite" restart="never" nodeType="tmRoot">
           <p:childTnLst>
             <p:seq concurrent="1" nextAc="seek">
               <p:cTn id="2" dur="0" nodeType="mainSeq"/>
@@ -10361,7 +10277,7 @@
           <a:bodyPr/>
           <a:lstStyle/>
           <a:p>
-            <a:fld id="{E6456843-D061-4CA7-A753-E18045C70C69}" type="slidenum">
+            <a:fld id="{6DF5BA93-4BD6-4381-93CD-9684B524EBEC}" type="slidenum">
               <a:rPr lang="en-US" smtClean="0">
                 <a:latin typeface="Egyptienne F Bold"/>
                 <a:cs typeface="Arial" charset="0"/>
@@ -10782,6 +10698,85 @@
           <a:chExt cx="0" cy="0"/>
         </a:xfrm>
       </p:grpSpPr>
+      <p:sp>
+        <p:nvSpPr>
+          <p:cNvPr id="17409" name="Rectangle 2"/>
+          <p:cNvSpPr>
+            <a:spLocks noGrp="1" noChangeArrowheads="1"/>
+          </p:cNvSpPr>
+          <p:nvPr>
+            <p:ph type="title"/>
+          </p:nvPr>
+        </p:nvSpPr>
+        <p:spPr/>
+        <p:txBody>
+          <a:bodyPr/>
+          <a:lstStyle/>
+          <a:p>
+            <a:r>
+              <a:rPr lang="en-CA" smtClean="0"/>
+              <a:t>Augmented Reality</a:t>
+            </a:r>
+          </a:p>
+        </p:txBody>
+      </p:sp>
+      <p:sp>
+        <p:nvSpPr>
+          <p:cNvPr id="17410" name="Rectangle 4"/>
+          <p:cNvSpPr>
+            <a:spLocks noGrp="1" noChangeArrowheads="1"/>
+          </p:cNvSpPr>
+          <p:nvPr>
+            <p:ph type="body" sz="half" idx="1"/>
+          </p:nvPr>
+        </p:nvSpPr>
+        <p:spPr>
+          <a:xfrm>
+            <a:off x="1981200" y="1981200"/>
+            <a:ext cx="6781800" cy="990600"/>
+          </a:xfrm>
+        </p:spPr>
+        <p:txBody>
+          <a:bodyPr/>
+          <a:lstStyle/>
+          <a:p>
+            <a:r>
+              <a:rPr lang="en-CA" sz="2100" smtClean="0"/>
+              <a:t>A fast growing area of research and development with never before thought of everyday applications.</a:t>
+            </a:r>
+          </a:p>
+          <a:p>
+            <a:endParaRPr lang="en-CA" sz="2100" smtClean="0"/>
+          </a:p>
+        </p:txBody>
+      </p:sp>
+      <p:sp>
+        <p:nvSpPr>
+          <p:cNvPr id="17416" name="Rectangle 8"/>
+          <p:cNvSpPr>
+            <a:spLocks noGrp="1" noChangeArrowheads="1"/>
+          </p:cNvSpPr>
+          <p:nvPr>
+            <p:ph type="body" sz="half" idx="4294967295"/>
+          </p:nvPr>
+        </p:nvSpPr>
+        <p:spPr>
+          <a:xfrm>
+            <a:off x="2209800" y="5486400"/>
+            <a:ext cx="6629400" cy="1371600"/>
+          </a:xfrm>
+        </p:spPr>
+        <p:txBody>
+          <a:bodyPr/>
+          <a:lstStyle/>
+          <a:p>
+            <a:r>
+              <a:rPr lang="en-CA" sz="2100" smtClean="0"/>
+              <a:t>Applications made possible largely thanks to easily searchable data in the internet, combined with wireless technology.</a:t>
+            </a:r>
+          </a:p>
+        </p:txBody>
+      </p:sp>
       <p:pic>
         <p:nvPicPr>
           <p:cNvPr id="17411" name="Picture 6" descr="augmented_reality"/>
@@ -10793,7 +10788,7 @@
           </p:nvPr>
         </p:nvPicPr>
         <p:blipFill>
-          <a:blip r:embed="rId3" cstate="print"/>
+          <a:blip r:embed="rId2" cstate="print"/>
           <a:srcRect/>
           <a:stretch>
             <a:fillRect/>
@@ -10801,85 +10796,56 @@
         </p:blipFill>
         <p:spPr>
           <a:xfrm>
-            <a:off x="3429000" y="2706555"/>
-            <a:ext cx="3962400" cy="2932245"/>
+            <a:off x="3352800" y="2895600"/>
+            <a:ext cx="3657600" cy="2706688"/>
           </a:xfrm>
         </p:spPr>
       </p:pic>
       <p:sp>
         <p:nvSpPr>
-          <p:cNvPr id="17409" name="Rectangle 2"/>
-          <p:cNvSpPr>
-            <a:spLocks noGrp="1" noChangeArrowheads="1"/>
-          </p:cNvSpPr>
-          <p:nvPr>
-            <p:ph type="title"/>
-          </p:nvPr>
-        </p:nvSpPr>
-        <p:spPr/>
-        <p:txBody>
-          <a:bodyPr/>
-          <a:lstStyle/>
-          <a:p>
-            <a:r>
-              <a:rPr lang="en-CA" dirty="0" smtClean="0"/>
-              <a:t>Augmented Reality</a:t>
-            </a:r>
-          </a:p>
-        </p:txBody>
-      </p:sp>
-      <p:sp>
-        <p:nvSpPr>
-          <p:cNvPr id="17410" name="Rectangle 4"/>
-          <p:cNvSpPr>
-            <a:spLocks noGrp="1" noChangeArrowheads="1"/>
-          </p:cNvSpPr>
-          <p:nvPr>
-            <p:ph type="body" sz="half" idx="1"/>
-          </p:nvPr>
-        </p:nvSpPr>
-        <p:spPr>
+          <p:cNvPr id="17413" name="Text Box 5"/>
+          <p:cNvSpPr txBox="1">
+            <a:spLocks noChangeArrowheads="1"/>
+          </p:cNvSpPr>
+          <p:nvPr/>
+        </p:nvSpPr>
+        <p:spPr bwMode="auto">
           <a:xfrm>
-            <a:off x="1981200" y="1905000"/>
-            <a:ext cx="7010400" cy="4800600"/>
+            <a:off x="6934200" y="3962400"/>
+            <a:ext cx="914400" cy="307777"/>
           </a:xfrm>
-        </p:spPr>
-        <p:txBody>
-          <a:bodyPr/>
-          <a:lstStyle/>
-          <a:p>
-            <a:r>
-              <a:rPr lang="en-CA" sz="2100" dirty="0" smtClean="0"/>
-              <a:t>A fast growing area of research and development with never before thought of everyday applications</a:t>
-            </a:r>
-            <a:r>
-              <a:rPr lang="en-CA" sz="2100" dirty="0" smtClean="0"/>
-              <a:t>.</a:t>
-            </a:r>
-          </a:p>
-          <a:p>
-            <a:endParaRPr lang="en-CA" sz="2100" dirty="0" smtClean="0"/>
-          </a:p>
-          <a:p>
-            <a:endParaRPr lang="en-CA" sz="2100" dirty="0" smtClean="0"/>
-          </a:p>
-          <a:p>
-            <a:endParaRPr lang="en-CA" sz="2100" dirty="0" smtClean="0"/>
-          </a:p>
-          <a:p>
-            <a:endParaRPr lang="en-CA" sz="2100" dirty="0" smtClean="0"/>
-          </a:p>
-          <a:p>
-            <a:endParaRPr lang="en-CA" sz="2100" dirty="0" smtClean="0"/>
-          </a:p>
-          <a:p>
-            <a:endParaRPr lang="en-CA" sz="2100" dirty="0" smtClean="0"/>
-          </a:p>
-          <a:p>
-            <a:r>
-              <a:rPr lang="en-CA" sz="2100" dirty="0" smtClean="0"/>
-              <a:t>Applications made possible largely thanks to easily searchable data in the internet, combined with wireless technology.</a:t>
-            </a:r>
+          <a:prstGeom prst="rect">
+            <a:avLst/>
+          </a:prstGeom>
+          <a:noFill/>
+          <a:ln w="9525">
+            <a:noFill/>
+            <a:miter lim="800000"/>
+            <a:headEnd/>
+            <a:tailEnd/>
+          </a:ln>
+          <a:effectLst/>
+        </p:spPr>
+        <p:txBody>
+          <a:bodyPr>
+            <a:spAutoFit/>
+          </a:bodyPr>
+          <a:lstStyle/>
+          <a:p>
+            <a:pPr>
+              <a:spcBef>
+                <a:spcPct val="50000"/>
+              </a:spcBef>
+            </a:pPr>
+            <a:r>
+              <a:rPr lang="en-CA" sz="1400" dirty="0" smtClean="0">
+                <a:latin typeface="+mn-lt"/>
+              </a:rPr>
+              <a:t>[8]</a:t>
+            </a:r>
+            <a:endParaRPr lang="en-CA" sz="1400" dirty="0">
+              <a:latin typeface="+mn-lt"/>
+            </a:endParaRPr>
           </a:p>
         </p:txBody>
       </p:sp>
@@ -11022,6 +10988,54 @@
           </a:ln>
         </p:spPr>
       </p:pic>
+      <p:sp>
+        <p:nvSpPr>
+          <p:cNvPr id="18438" name="Text Box 6"/>
+          <p:cNvSpPr txBox="1">
+            <a:spLocks noChangeArrowheads="1"/>
+          </p:cNvSpPr>
+          <p:nvPr/>
+        </p:nvSpPr>
+        <p:spPr bwMode="auto">
+          <a:xfrm>
+            <a:off x="8382000" y="6248400"/>
+            <a:ext cx="914400" cy="307777"/>
+          </a:xfrm>
+          <a:prstGeom prst="rect">
+            <a:avLst/>
+          </a:prstGeom>
+          <a:noFill/>
+          <a:ln w="9525">
+            <a:noFill/>
+            <a:miter lim="800000"/>
+            <a:headEnd/>
+            <a:tailEnd/>
+          </a:ln>
+          <a:effectLst/>
+        </p:spPr>
+        <p:txBody>
+          <a:bodyPr>
+            <a:spAutoFit/>
+          </a:bodyPr>
+          <a:lstStyle/>
+          <a:p>
+            <a:pPr>
+              <a:spcBef>
+                <a:spcPct val="50000"/>
+              </a:spcBef>
+            </a:pPr>
+            <a:r>
+              <a:rPr lang="en-CA" sz="1400" dirty="0" smtClean="0">
+                <a:latin typeface="+mn-lt"/>
+              </a:rPr>
+              <a:t>[9]</a:t>
+            </a:r>
+            <a:endParaRPr lang="en-CA" sz="1400" dirty="0">
+              <a:latin typeface="+mn-lt"/>
+            </a:endParaRPr>
+          </a:p>
+        </p:txBody>
+      </p:sp>
     </p:spTree>
   </p:cSld>
   <p:clrMapOvr>
@@ -11110,11 +11124,59 @@
         </p:blipFill>
         <p:spPr>
           <a:xfrm>
-            <a:off x="2065337" y="2766270"/>
-            <a:ext cx="6392863" cy="3939330"/>
+            <a:off x="2286000" y="2971800"/>
+            <a:ext cx="5935663" cy="3657600"/>
           </a:xfrm>
         </p:spPr>
       </p:pic>
+      <p:sp>
+        <p:nvSpPr>
+          <p:cNvPr id="19461" name="Text Box 5"/>
+          <p:cNvSpPr txBox="1">
+            <a:spLocks noChangeArrowheads="1"/>
+          </p:cNvSpPr>
+          <p:nvPr/>
+        </p:nvSpPr>
+        <p:spPr bwMode="auto">
+          <a:xfrm>
+            <a:off x="7543800" y="6248400"/>
+            <a:ext cx="914400" cy="307777"/>
+          </a:xfrm>
+          <a:prstGeom prst="rect">
+            <a:avLst/>
+          </a:prstGeom>
+          <a:noFill/>
+          <a:ln w="9525">
+            <a:noFill/>
+            <a:miter lim="800000"/>
+            <a:headEnd/>
+            <a:tailEnd/>
+          </a:ln>
+          <a:effectLst/>
+        </p:spPr>
+        <p:txBody>
+          <a:bodyPr>
+            <a:spAutoFit/>
+          </a:bodyPr>
+          <a:lstStyle/>
+          <a:p>
+            <a:pPr>
+              <a:spcBef>
+                <a:spcPct val="50000"/>
+              </a:spcBef>
+            </a:pPr>
+            <a:r>
+              <a:rPr lang="en-CA" sz="1400" dirty="0" smtClean="0">
+                <a:latin typeface="+mn-lt"/>
+              </a:rPr>
+              <a:t>[10]</a:t>
+            </a:r>
+            <a:endParaRPr lang="en-CA" sz="1400" dirty="0">
+              <a:latin typeface="+mn-lt"/>
+            </a:endParaRPr>
+          </a:p>
+        </p:txBody>
+      </p:sp>
     </p:spTree>
   </p:cSld>
   <p:clrMapOvr>
@@ -11142,7 +11204,7 @@
       </p:grpSpPr>
       <p:sp>
         <p:nvSpPr>
-          <p:cNvPr id="22529" name="Rectangle 2"/>
+          <p:cNvPr id="20481" name="Rectangle 2"/>
           <p:cNvSpPr>
             <a:spLocks noGrp="1" noChangeArrowheads="1"/>
           </p:cNvSpPr>
@@ -11169,7 +11231,7 @@
       </p:sp>
       <p:pic>
         <p:nvPicPr>
-          <p:cNvPr id="22530" name="Picture 4" descr="slidesPic1"/>
+          <p:cNvPr id="20484" name="Picture 4" descr="slidesPic1"/>
           <p:cNvPicPr>
             <a:picLocks noChangeAspect="1" noChangeArrowheads="1"/>
           </p:cNvPicPr>
@@ -11184,19 +11246,13 @@
         </p:blipFill>
         <p:spPr bwMode="auto">
           <a:xfrm>
-            <a:off x="1828800" y="2135187"/>
-            <a:ext cx="7086600" cy="3884613"/>
+            <a:off x="1905000" y="1974850"/>
+            <a:ext cx="7239000" cy="3968750"/>
           </a:xfrm>
           <a:prstGeom prst="rect">
             <a:avLst/>
           </a:prstGeom>
           <a:noFill/>
-          <a:ln w="9525">
-            <a:noFill/>
-            <a:miter lim="800000"/>
-            <a:headEnd/>
-            <a:tailEnd/>
-          </a:ln>
         </p:spPr>
       </p:pic>
     </p:spTree>
@@ -11429,7 +11485,7 @@
       </p:grpSpPr>
       <p:sp>
         <p:nvSpPr>
-          <p:cNvPr id="41986" name="Rectangle 2"/>
+          <p:cNvPr id="23556" name="Rectangle 4"/>
           <p:cNvSpPr>
             <a:spLocks noGrp="1" noChangeArrowheads="1"/>
           </p:cNvSpPr>
@@ -11444,61 +11500,37 @@
           <a:p>
             <a:r>
               <a:rPr lang="en-CA" smtClean="0"/>
-              <a:t>The Server Controller</a:t>
-            </a:r>
-          </a:p>
-        </p:txBody>
-      </p:sp>
-      <p:sp>
-        <p:nvSpPr>
-          <p:cNvPr id="41987" name="Rectangle 3"/>
-          <p:cNvSpPr>
-            <a:spLocks noGrp="1" noChangeArrowheads="1"/>
-          </p:cNvSpPr>
-          <p:nvPr>
-            <p:ph type="body" idx="4294967295"/>
-          </p:nvPr>
-        </p:nvSpPr>
-        <p:spPr/>
-        <p:txBody>
-          <a:bodyPr/>
-          <a:lstStyle/>
-          <a:p>
-            <a:r>
-              <a:rPr lang="en-CA" smtClean="0"/>
-              <a:t>Responsibilities:</a:t>
-            </a:r>
-          </a:p>
-          <a:p>
-            <a:pPr lvl="1"/>
-            <a:r>
-              <a:rPr lang="en-CA" smtClean="0"/>
-              <a:t>Routing of commands and signals</a:t>
-            </a:r>
-          </a:p>
-          <a:p>
-            <a:pPr lvl="1"/>
-            <a:r>
-              <a:rPr lang="en-CA" smtClean="0"/>
-              <a:t>Maintaining network connection between clients and robots</a:t>
-            </a:r>
-          </a:p>
-          <a:p>
-            <a:pPr lvl="1"/>
-            <a:r>
-              <a:rPr lang="en-CA" smtClean="0"/>
-              <a:t>Encoding video to stream to mobile clients</a:t>
-            </a:r>
-          </a:p>
-          <a:p>
-            <a:pPr lvl="1"/>
-            <a:r>
-              <a:rPr lang="en-CA" smtClean="0"/>
-              <a:t>Lobby system and chat room</a:t>
-            </a:r>
-          </a:p>
-        </p:txBody>
-      </p:sp>
+              <a:t>Responsibilities of the Server</a:t>
+            </a:r>
+          </a:p>
+        </p:txBody>
+      </p:sp>
+      <p:pic>
+        <p:nvPicPr>
+          <p:cNvPr id="23558" name="Picture 6" descr="slide pic 4"/>
+          <p:cNvPicPr>
+            <a:picLocks noChangeAspect="1" noChangeArrowheads="1"/>
+          </p:cNvPicPr>
+          <p:nvPr/>
+        </p:nvPicPr>
+        <p:blipFill>
+          <a:blip r:embed="rId2" cstate="print"/>
+          <a:srcRect/>
+          <a:stretch>
+            <a:fillRect/>
+          </a:stretch>
+        </p:blipFill>
+        <p:spPr bwMode="auto">
+          <a:xfrm>
+            <a:off x="1981200" y="1828800"/>
+            <a:ext cx="6934200" cy="4576763"/>
+          </a:xfrm>
+          <a:prstGeom prst="rect">
+            <a:avLst/>
+          </a:prstGeom>
+          <a:noFill/>
+        </p:spPr>
+      </p:pic>
     </p:spTree>
   </p:cSld>
   <p:clrMapOvr>
@@ -11529,7 +11561,7 @@
       </p:grpSpPr>
       <p:sp>
         <p:nvSpPr>
-          <p:cNvPr id="20481" name="Rectangle 2"/>
+          <p:cNvPr id="24577" name="Rectangle 2"/>
           <p:cNvSpPr>
             <a:spLocks noGrp="1" noChangeArrowheads="1"/>
           </p:cNvSpPr>
@@ -11544,14 +11576,14 @@
           <a:p>
             <a:r>
               <a:rPr lang="en-CA" smtClean="0"/>
-              <a:t>The Server Model</a:t>
-            </a:r>
-          </a:p>
-        </p:txBody>
-      </p:sp>
-      <p:sp>
-        <p:nvSpPr>
-          <p:cNvPr id="20482" name="Rectangle 3"/>
+              <a:t>Structure of System</a:t>
+            </a:r>
+          </a:p>
+        </p:txBody>
+      </p:sp>
+      <p:sp>
+        <p:nvSpPr>
+          <p:cNvPr id="24578" name="Rectangle 3"/>
           <p:cNvSpPr>
             <a:spLocks noGrp="1" noChangeArrowheads="1"/>
           </p:cNvSpPr>
@@ -11565,34 +11597,26 @@
           <a:lstStyle/>
           <a:p>
             <a:r>
-              <a:rPr lang="en-CA" dirty="0" smtClean="0"/>
-              <a:t>Stores the logical representation of the robots and their position and heading, and the game state</a:t>
-            </a:r>
-            <a:r>
-              <a:rPr lang="en-CA" dirty="0" smtClean="0"/>
-              <a:t>.</a:t>
-            </a:r>
-          </a:p>
-          <a:p>
-            <a:endParaRPr lang="en-CA" dirty="0" smtClean="0"/>
-          </a:p>
-          <a:p>
-            <a:r>
-              <a:rPr lang="en-CA" dirty="0" smtClean="0"/>
-              <a:t>Uses the representation of the robots to interact with the virtual elements of the game</a:t>
-            </a:r>
-            <a:r>
-              <a:rPr lang="en-CA" dirty="0" smtClean="0"/>
-              <a:t>.</a:t>
-            </a:r>
-          </a:p>
-          <a:p>
-            <a:endParaRPr lang="en-CA" dirty="0" smtClean="0"/>
-          </a:p>
-          <a:p>
-            <a:r>
-              <a:rPr lang="en-CA" dirty="0" smtClean="0"/>
-              <a:t>Accepts incoming position updates and robot commands from the controller.</a:t>
+              <a:rPr lang="en-CA" smtClean="0"/>
+              <a:t>Discrete modules with rigidly defined responsibilities.</a:t>
+            </a:r>
+          </a:p>
+          <a:p>
+            <a:r>
+              <a:rPr lang="en-CA" smtClean="0"/>
+              <a:t>Easy to test with unit testing (internal functionality only).</a:t>
+            </a:r>
+          </a:p>
+          <a:p>
+            <a:r>
+              <a:rPr lang="en-CA" smtClean="0"/>
+              <a:t>For functionality that depend on signals passed in from other modules, stubbing is required for ease of testing.</a:t>
+            </a:r>
+          </a:p>
+          <a:p>
+            <a:r>
+              <a:rPr lang="en-CA" smtClean="0"/>
+              <a:t>No unrelated functionality of stub is needed, only meant for injecting all possible signals for given module to process.</a:t>
             </a:r>
           </a:p>
         </p:txBody>
@@ -11627,69 +11651,89 @@
       </p:grpSpPr>
       <p:sp>
         <p:nvSpPr>
-          <p:cNvPr id="21505" name="Rectangle 2"/>
+          <p:cNvPr id="25601" name="Rectangle 2"/>
           <p:cNvSpPr>
             <a:spLocks noGrp="1" noChangeArrowheads="1"/>
           </p:cNvSpPr>
           <p:nvPr>
-            <p:ph type="title"/>
-          </p:nvPr>
-        </p:nvSpPr>
-        <p:spPr/>
+            <p:ph type="title" idx="4294967295"/>
+          </p:nvPr>
+        </p:nvSpPr>
+        <p:spPr>
+          <a:xfrm>
+            <a:off x="2286000" y="1143000"/>
+            <a:ext cx="6858000" cy="914400"/>
+          </a:xfrm>
+        </p:spPr>
         <p:txBody>
           <a:bodyPr/>
           <a:lstStyle/>
           <a:p>
             <a:r>
               <a:rPr lang="en-CA" smtClean="0"/>
-              <a:t>The Server Model</a:t>
-            </a:r>
-          </a:p>
-        </p:txBody>
-      </p:sp>
-      <p:sp>
-        <p:nvSpPr>
-          <p:cNvPr id="21506" name="Rectangle 3"/>
-          <p:cNvSpPr>
-            <a:spLocks noGrp="1" noChangeArrowheads="1"/>
-          </p:cNvSpPr>
-          <p:nvPr>
-            <p:ph type="body" idx="1"/>
-          </p:nvPr>
-        </p:nvSpPr>
-        <p:spPr/>
-        <p:txBody>
-          <a:bodyPr/>
-          <a:lstStyle/>
-          <a:p>
-            <a:r>
-              <a:rPr lang="en-CA" dirty="0" smtClean="0"/>
-              <a:t>Sends game state updates (bound for the client) and override commands (bound for the robot</a:t>
-            </a:r>
-            <a:r>
-              <a:rPr lang="en-CA" dirty="0" smtClean="0"/>
-              <a:t>) </a:t>
-            </a:r>
-            <a:r>
-              <a:rPr lang="en-CA" dirty="0" smtClean="0"/>
-              <a:t>to the controller</a:t>
-            </a:r>
-            <a:r>
-              <a:rPr lang="en-CA" dirty="0" smtClean="0"/>
-              <a:t>.</a:t>
-            </a:r>
-          </a:p>
-          <a:p>
-            <a:endParaRPr lang="en-CA" dirty="0" smtClean="0"/>
-          </a:p>
-          <a:p>
-            <a:r>
-              <a:rPr lang="en-CA" dirty="0" smtClean="0"/>
-              <a:t>The entire game state is serialized and sent to the Android client, where the changes in the state (represented by 3D OpenGL graphics) are updated on the screen.</a:t>
-            </a:r>
-          </a:p>
-        </p:txBody>
-      </p:sp>
+              <a:t>Stubbing of System Modules</a:t>
+            </a:r>
+          </a:p>
+        </p:txBody>
+      </p:sp>
+      <p:pic>
+        <p:nvPicPr>
+          <p:cNvPr id="25602" name="Picture 4" descr="slidesPic2"/>
+          <p:cNvPicPr>
+            <a:picLocks noChangeAspect="1" noChangeArrowheads="1"/>
+          </p:cNvPicPr>
+          <p:nvPr/>
+        </p:nvPicPr>
+        <p:blipFill>
+          <a:blip r:embed="rId2" cstate="print"/>
+          <a:srcRect/>
+          <a:stretch>
+            <a:fillRect/>
+          </a:stretch>
+        </p:blipFill>
+        <p:spPr bwMode="auto">
+          <a:xfrm>
+            <a:off x="2209800" y="1905000"/>
+            <a:ext cx="6307138" cy="3514725"/>
+          </a:xfrm>
+          <a:prstGeom prst="rect">
+            <a:avLst/>
+          </a:prstGeom>
+          <a:noFill/>
+          <a:ln w="9525">
+            <a:noFill/>
+            <a:miter lim="800000"/>
+            <a:headEnd/>
+            <a:tailEnd/>
+          </a:ln>
+        </p:spPr>
+      </p:pic>
+      <p:pic>
+        <p:nvPicPr>
+          <p:cNvPr id="25604" name="Picture 4" descr="slidesPic2"/>
+          <p:cNvPicPr>
+            <a:picLocks noChangeAspect="1" noChangeArrowheads="1"/>
+          </p:cNvPicPr>
+          <p:nvPr/>
+        </p:nvPicPr>
+        <p:blipFill>
+          <a:blip r:embed="rId3" cstate="print"/>
+          <a:srcRect/>
+          <a:stretch>
+            <a:fillRect/>
+          </a:stretch>
+        </p:blipFill>
+        <p:spPr bwMode="auto">
+          <a:xfrm>
+            <a:off x="1905000" y="1681163"/>
+            <a:ext cx="7239000" cy="4033837"/>
+          </a:xfrm>
+          <a:prstGeom prst="rect">
+            <a:avLst/>
+          </a:prstGeom>
+          <a:noFill/>
+        </p:spPr>
+      </p:pic>
     </p:spTree>
   </p:cSld>
   <p:clrMapOvr>
@@ -11720,7 +11764,7 @@
       </p:grpSpPr>
       <p:sp>
         <p:nvSpPr>
-          <p:cNvPr id="23553" name="Rectangle 2"/>
+          <p:cNvPr id="26625" name="Rectangle 2"/>
           <p:cNvSpPr>
             <a:spLocks noGrp="1" noChangeArrowheads="1"/>
           </p:cNvSpPr>
@@ -11735,14 +11779,14 @@
           <a:p>
             <a:r>
               <a:rPr lang="en-CA" smtClean="0"/>
-              <a:t>Structure of System</a:t>
-            </a:r>
-          </a:p>
-        </p:txBody>
-      </p:sp>
-      <p:sp>
-        <p:nvSpPr>
-          <p:cNvPr id="23554" name="Rectangle 3"/>
+              <a:t>Stubbing of System Modules</a:t>
+            </a:r>
+          </a:p>
+        </p:txBody>
+      </p:sp>
+      <p:sp>
+        <p:nvSpPr>
+          <p:cNvPr id="26626" name="Rectangle 3"/>
           <p:cNvSpPr>
             <a:spLocks noGrp="1" noChangeArrowheads="1"/>
           </p:cNvSpPr>
@@ -11756,26 +11800,52 @@
           <a:lstStyle/>
           <a:p>
             <a:r>
-              <a:rPr lang="en-CA" dirty="0" smtClean="0"/>
-              <a:t>Discrete modules with rigidly defined responsibilities.</a:t>
-            </a:r>
-          </a:p>
-          <a:p>
-            <a:r>
-              <a:rPr lang="en-CA" dirty="0" smtClean="0"/>
-              <a:t>Easy to test with unit testing (internal functionality only).</a:t>
-            </a:r>
-          </a:p>
-          <a:p>
-            <a:r>
-              <a:rPr lang="en-CA" dirty="0" smtClean="0"/>
-              <a:t>For functionality that depend on signals passed in from other modules, stubbing is required for ease of testing.</a:t>
-            </a:r>
-          </a:p>
-          <a:p>
-            <a:r>
-              <a:rPr lang="en-CA" dirty="0" smtClean="0"/>
-              <a:t>No unrelated functionality of stub is needed, only meant for injecting all possible signals for given module to process.</a:t>
+              <a:rPr lang="en-CA" smtClean="0"/>
+              <a:t>The Model stub</a:t>
+            </a:r>
+          </a:p>
+          <a:p>
+            <a:pPr lvl="1"/>
+            <a:r>
+              <a:rPr lang="en-CA" smtClean="0"/>
+              <a:t>A subclass of GameModel class, a game type with no virtual entities and no command restrictions.</a:t>
+            </a:r>
+          </a:p>
+          <a:p>
+            <a:pPr lvl="1"/>
+            <a:endParaRPr lang="en-CA" smtClean="0"/>
+          </a:p>
+          <a:p>
+            <a:r>
+              <a:rPr lang="en-CA" smtClean="0"/>
+              <a:t>The Robot Stub</a:t>
+            </a:r>
+          </a:p>
+          <a:p>
+            <a:pPr lvl="1"/>
+            <a:r>
+              <a:rPr lang="en-CA" smtClean="0"/>
+              <a:t>Fully functioning software representation of robot. Lejos navigator classes hooked up to simulated motors.</a:t>
+            </a:r>
+          </a:p>
+          <a:p>
+            <a:pPr lvl="1">
+              <a:buFontTx/>
+              <a:buNone/>
+            </a:pPr>
+            <a:endParaRPr lang="en-CA" smtClean="0"/>
+          </a:p>
+          <a:p>
+            <a:r>
+              <a:rPr lang="en-CA" smtClean="0"/>
+              <a:t>The Client Stub</a:t>
+            </a:r>
+          </a:p>
+          <a:p>
+            <a:pPr lvl="1"/>
+            <a:r>
+              <a:rPr lang="en-CA" smtClean="0"/>
+              <a:t>A simple client simulator controlled at console command line.</a:t>
             </a:r>
           </a:p>
         </p:txBody>
@@ -11810,7 +11880,7 @@
       </p:grpSpPr>
       <p:sp>
         <p:nvSpPr>
-          <p:cNvPr id="24577" name="Rectangle 2"/>
+          <p:cNvPr id="27649" name="Rectangle 4"/>
           <p:cNvSpPr>
             <a:spLocks noGrp="1" noChangeArrowheads="1"/>
           </p:cNvSpPr>
@@ -11837,7 +11907,7 @@
       </p:sp>
       <p:pic>
         <p:nvPicPr>
-          <p:cNvPr id="24578" name="Picture 4" descr="slidesPic2"/>
+          <p:cNvPr id="27652" name="Picture 4" descr="slidesPic3"/>
           <p:cNvPicPr>
             <a:picLocks noChangeAspect="1" noChangeArrowheads="1"/>
           </p:cNvPicPr>
@@ -11852,19 +11922,13 @@
         </p:blipFill>
         <p:spPr bwMode="auto">
           <a:xfrm>
-            <a:off x="2209800" y="1905000"/>
-            <a:ext cx="6307138" cy="3514725"/>
+            <a:off x="1874838" y="1739900"/>
+            <a:ext cx="7269162" cy="4051300"/>
           </a:xfrm>
           <a:prstGeom prst="rect">
             <a:avLst/>
           </a:prstGeom>
           <a:noFill/>
-          <a:ln w="9525">
-            <a:noFill/>
-            <a:miter lim="800000"/>
-            <a:headEnd/>
-            <a:tailEnd/>
-          </a:ln>
         </p:spPr>
       </p:pic>
     </p:spTree>
@@ -11897,7 +11961,7 @@
       </p:grpSpPr>
       <p:sp>
         <p:nvSpPr>
-          <p:cNvPr id="25601" name="Rectangle 2"/>
+          <p:cNvPr id="28673" name="Rectangle 2"/>
           <p:cNvSpPr>
             <a:spLocks noGrp="1" noChangeArrowheads="1"/>
           </p:cNvSpPr>
@@ -11919,7 +11983,7 @@
       </p:sp>
       <p:sp>
         <p:nvSpPr>
-          <p:cNvPr id="25602" name="Rectangle 3"/>
+          <p:cNvPr id="28674" name="Rectangle 3"/>
           <p:cNvSpPr>
             <a:spLocks noGrp="1" noChangeArrowheads="1"/>
           </p:cNvSpPr>
@@ -11934,38 +11998,35 @@
           <a:p>
             <a:r>
               <a:rPr lang="en-CA" smtClean="0"/>
-              <a:t>The model stub</a:t>
-            </a:r>
-          </a:p>
-          <a:p>
-            <a:pPr lvl="1"/>
+              <a:t>The Controller Stubs</a:t>
+            </a:r>
+          </a:p>
+          <a:p>
+            <a:pPr marL="742950" lvl="1" indent="-285750"/>
             <a:r>
               <a:rPr lang="en-CA" smtClean="0"/>
-              <a:t>Only one robot</a:t>
-            </a:r>
-          </a:p>
-          <a:p>
-            <a:pPr lvl="1"/>
+              <a:t>Simulating controller for each module require different implementations.</a:t>
+            </a:r>
+          </a:p>
+          <a:p>
+            <a:pPr marL="742950" lvl="1" indent="-285750"/>
             <a:r>
               <a:rPr lang="en-CA" smtClean="0"/>
-              <a:t>No virtual entities</a:t>
-            </a:r>
-          </a:p>
-          <a:p>
-            <a:pPr lvl="1"/>
+              <a:t>Each stub has different in/out signals to generate.</a:t>
+            </a:r>
+          </a:p>
+          <a:p>
+            <a:pPr marL="742950" lvl="1" indent="-285750"/>
             <a:r>
               <a:rPr lang="en-CA" smtClean="0"/>
-              <a:t>No command or control restrictions</a:t>
-            </a:r>
-          </a:p>
-          <a:p>
-            <a:pPr lvl="1"/>
-            <a:endParaRPr lang="en-CA" smtClean="0"/>
-          </a:p>
-          <a:p>
+              <a:t>Controller stub for robot completed.</a:t>
+            </a:r>
+          </a:p>
+          <a:p>
+            <a:pPr marL="742950" lvl="1" indent="-285750"/>
             <a:r>
               <a:rPr lang="en-CA" smtClean="0"/>
-              <a:t>Meant for easily testing the communication between the client and robot without worrying about broken game logic.</a:t>
+              <a:t>Controller stubs for model and client are in progress.</a:t>
             </a:r>
           </a:p>
         </p:txBody>
@@ -12000,7 +12061,7 @@
       </p:grpSpPr>
       <p:sp>
         <p:nvSpPr>
-          <p:cNvPr id="26625" name="Rectangle 4"/>
+          <p:cNvPr id="29697" name="Rectangle 2"/>
           <p:cNvSpPr>
             <a:spLocks noGrp="1" noChangeArrowheads="1"/>
           </p:cNvSpPr>
@@ -12008,55 +12069,61 @@
             <p:ph type="title" idx="4294967295"/>
           </p:nvPr>
         </p:nvSpPr>
-        <p:spPr>
-          <a:xfrm>
-            <a:off x="2286000" y="1143000"/>
-            <a:ext cx="6858000" cy="914400"/>
-          </a:xfrm>
-        </p:spPr>
+        <p:spPr/>
         <p:txBody>
           <a:bodyPr/>
           <a:lstStyle/>
           <a:p>
             <a:r>
               <a:rPr lang="en-CA" smtClean="0"/>
-              <a:t>Stubbing of System Modules</a:t>
-            </a:r>
-          </a:p>
-        </p:txBody>
-      </p:sp>
-      <p:pic>
-        <p:nvPicPr>
-          <p:cNvPr id="26626" name="Picture 6" descr="slidesPic3"/>
-          <p:cNvPicPr>
-            <a:picLocks noChangeAspect="1" noChangeArrowheads="1"/>
-          </p:cNvPicPr>
-          <p:nvPr/>
-        </p:nvPicPr>
-        <p:blipFill>
-          <a:blip r:embed="rId2" cstate="print"/>
-          <a:srcRect/>
-          <a:stretch>
-            <a:fillRect/>
-          </a:stretch>
-        </p:blipFill>
-        <p:spPr bwMode="auto">
-          <a:xfrm>
-            <a:off x="1905000" y="1600200"/>
-            <a:ext cx="7010400" cy="3906838"/>
-          </a:xfrm>
-          <a:prstGeom prst="rect">
-            <a:avLst/>
-          </a:prstGeom>
-          <a:noFill/>
-          <a:ln w="9525">
-            <a:noFill/>
-            <a:miter lim="800000"/>
-            <a:headEnd/>
-            <a:tailEnd/>
-          </a:ln>
-        </p:spPr>
-      </p:pic>
+              <a:t>Non-Functional Testing</a:t>
+            </a:r>
+          </a:p>
+        </p:txBody>
+      </p:sp>
+      <p:sp>
+        <p:nvSpPr>
+          <p:cNvPr id="29698" name="Rectangle 3"/>
+          <p:cNvSpPr>
+            <a:spLocks noGrp="1" noChangeArrowheads="1"/>
+          </p:cNvSpPr>
+          <p:nvPr>
+            <p:ph type="body" idx="4294967295"/>
+          </p:nvPr>
+        </p:nvSpPr>
+        <p:spPr/>
+        <p:txBody>
+          <a:bodyPr/>
+          <a:lstStyle/>
+          <a:p>
+            <a:r>
+              <a:rPr lang="en-CA" smtClean="0"/>
+              <a:t>Other things to consider when testing system wide:</a:t>
+            </a:r>
+          </a:p>
+          <a:p>
+            <a:pPr lvl="1"/>
+            <a:r>
+              <a:rPr lang="en-CA" smtClean="0"/>
+              <a:t>Network Latency</a:t>
+            </a:r>
+          </a:p>
+          <a:p>
+            <a:pPr lvl="1"/>
+            <a:r>
+              <a:rPr lang="en-CA" smtClean="0"/>
+              <a:t>Network Bandwidth</a:t>
+            </a:r>
+          </a:p>
+          <a:p>
+            <a:pPr lvl="1"/>
+            <a:r>
+              <a:rPr lang="en-CA" smtClean="0"/>
+              <a:t>Performance Issues</a:t>
+            </a:r>
+          </a:p>
+        </p:txBody>
+      </p:sp>
     </p:spTree>
   </p:cSld>
   <p:clrMapOvr>
@@ -12087,51 +12154,481 @@
       </p:grpSpPr>
       <p:sp>
         <p:nvSpPr>
-          <p:cNvPr id="27649" name="Rectangle 2"/>
-          <p:cNvSpPr>
-            <a:spLocks noGrp="1" noChangeArrowheads="1"/>
-          </p:cNvSpPr>
-          <p:nvPr>
-            <p:ph type="title"/>
-          </p:nvPr>
-        </p:nvSpPr>
-        <p:spPr/>
+          <p:cNvPr id="3074" name="Slide Number Placeholder 3"/>
+          <p:cNvSpPr>
+            <a:spLocks noGrp="1"/>
+          </p:cNvSpPr>
+          <p:nvPr>
+            <p:ph type="sldNum" sz="quarter" idx="10"/>
+          </p:nvPr>
+        </p:nvSpPr>
+        <p:spPr>
+          <a:noFill/>
+        </p:spPr>
         <p:txBody>
           <a:bodyPr/>
           <a:lstStyle/>
           <a:p>
-            <a:r>
-              <a:rPr lang="en-CA" smtClean="0"/>
-              <a:t>Stubbing of System Modules</a:t>
-            </a:r>
-          </a:p>
-        </p:txBody>
-      </p:sp>
-      <p:sp>
-        <p:nvSpPr>
-          <p:cNvPr id="27650" name="Rectangle 3"/>
-          <p:cNvSpPr>
-            <a:spLocks noGrp="1" noChangeArrowheads="1"/>
-          </p:cNvSpPr>
-          <p:nvPr>
-            <p:ph type="body" idx="1"/>
-          </p:nvPr>
-        </p:nvSpPr>
-        <p:spPr/>
-        <p:txBody>
-          <a:bodyPr/>
-          <a:lstStyle/>
-          <a:p>
-            <a:r>
-              <a:rPr lang="en-CA" smtClean="0"/>
-              <a:t>For testing the outlying modules, stubbing the controller simply involves injecting the set of signals that the given module expects (and some it doesn’t expect).</a:t>
-            </a:r>
-          </a:p>
-          <a:p>
-            <a:r>
-              <a:rPr lang="en-CA" smtClean="0"/>
-              <a:t>Unit testing should cover all methods that don’t rely on external signals.</a:t>
-            </a:r>
+            <a:fld id="{42A66B96-C0A7-4AC3-8556-566139EA21E8}" type="slidenum">
+              <a:rPr lang="en-US" smtClean="0">
+                <a:latin typeface="Egyptienne F Bold"/>
+              </a:rPr>
+              <a:pPr/>
+              <a:t>37</a:t>
+            </a:fld>
+            <a:endParaRPr lang="en-US" smtClean="0">
+              <a:latin typeface="Egyptienne F Bold"/>
+            </a:endParaRPr>
+          </a:p>
+        </p:txBody>
+      </p:sp>
+      <p:sp>
+        <p:nvSpPr>
+          <p:cNvPr id="3075" name="Rectangle 5"/>
+          <p:cNvSpPr>
+            <a:spLocks noChangeArrowheads="1"/>
+          </p:cNvSpPr>
+          <p:nvPr/>
+        </p:nvSpPr>
+        <p:spPr bwMode="auto">
+          <a:xfrm>
+            <a:off x="1905000" y="1066800"/>
+            <a:ext cx="3124200" cy="3276600"/>
+          </a:xfrm>
+          <a:prstGeom prst="rect">
+            <a:avLst/>
+          </a:prstGeom>
+          <a:solidFill>
+            <a:srgbClr val="F10040"/>
+          </a:solidFill>
+          <a:ln w="9525">
+            <a:noFill/>
+            <a:miter lim="800000"/>
+            <a:headEnd/>
+            <a:tailEnd/>
+          </a:ln>
+        </p:spPr>
+        <p:txBody>
+          <a:bodyPr wrap="none" anchor="ctr"/>
+          <a:lstStyle/>
+          <a:p>
+            <a:pPr eaLnBrk="0" hangingPunct="0"/>
+            <a:endParaRPr lang="en-CA"/>
+          </a:p>
+        </p:txBody>
+      </p:sp>
+      <p:sp>
+        <p:nvSpPr>
+          <p:cNvPr id="3076" name="Text Box 6"/>
+          <p:cNvSpPr txBox="1">
+            <a:spLocks noChangeArrowheads="1"/>
+          </p:cNvSpPr>
+          <p:nvPr/>
+        </p:nvSpPr>
+        <p:spPr bwMode="auto">
+          <a:xfrm>
+            <a:off x="2133600" y="1371600"/>
+            <a:ext cx="2590800" cy="1323975"/>
+          </a:xfrm>
+          <a:prstGeom prst="rect">
+            <a:avLst/>
+          </a:prstGeom>
+          <a:noFill/>
+          <a:ln w="9525">
+            <a:noFill/>
+            <a:miter lim="800000"/>
+            <a:headEnd/>
+            <a:tailEnd/>
+          </a:ln>
+        </p:spPr>
+        <p:txBody>
+          <a:bodyPr>
+            <a:spAutoFit/>
+          </a:bodyPr>
+          <a:lstStyle/>
+          <a:p>
+            <a:pPr algn="ctr" eaLnBrk="0" hangingPunct="0">
+              <a:spcBef>
+                <a:spcPct val="50000"/>
+              </a:spcBef>
+            </a:pPr>
+            <a:r>
+              <a:rPr lang="en-US" sz="3200" b="1" dirty="0">
+                <a:solidFill>
+                  <a:schemeClr val="bg1"/>
+                </a:solidFill>
+                <a:latin typeface="Egyptienne F Black" charset="0"/>
+              </a:rPr>
+              <a:t>RoboWars </a:t>
+            </a:r>
+          </a:p>
+          <a:p>
+            <a:pPr algn="ctr" eaLnBrk="0" hangingPunct="0">
+              <a:spcBef>
+                <a:spcPct val="50000"/>
+              </a:spcBef>
+            </a:pPr>
+            <a:r>
+              <a:rPr lang="en-US" sz="3200" b="1" dirty="0">
+                <a:solidFill>
+                  <a:schemeClr val="bg1"/>
+                </a:solidFill>
+                <a:latin typeface="Egyptienne F Black" charset="0"/>
+              </a:rPr>
+              <a:t>Robotics</a:t>
+            </a:r>
+            <a:endParaRPr lang="en-US" sz="3200" b="1" dirty="0">
+              <a:solidFill>
+                <a:schemeClr val="bg1"/>
+              </a:solidFill>
+              <a:latin typeface="Egyptienne F Roman"/>
+            </a:endParaRPr>
+          </a:p>
+        </p:txBody>
+      </p:sp>
+      <p:sp>
+        <p:nvSpPr>
+          <p:cNvPr id="3077" name="Text Box 7"/>
+          <p:cNvSpPr txBox="1">
+            <a:spLocks noChangeArrowheads="1"/>
+          </p:cNvSpPr>
+          <p:nvPr/>
+        </p:nvSpPr>
+        <p:spPr bwMode="auto">
+          <a:xfrm>
+            <a:off x="5181600" y="1066800"/>
+            <a:ext cx="3581400" cy="457200"/>
+          </a:xfrm>
+          <a:prstGeom prst="rect">
+            <a:avLst/>
+          </a:prstGeom>
+          <a:noFill/>
+          <a:ln w="9525">
+            <a:noFill/>
+            <a:miter lim="800000"/>
+            <a:headEnd/>
+            <a:tailEnd/>
+          </a:ln>
+        </p:spPr>
+        <p:txBody>
+          <a:bodyPr>
+            <a:spAutoFit/>
+          </a:bodyPr>
+          <a:lstStyle/>
+          <a:p>
+            <a:pPr eaLnBrk="0" hangingPunct="0">
+              <a:spcBef>
+                <a:spcPct val="50000"/>
+              </a:spcBef>
+            </a:pPr>
+            <a:endParaRPr lang="en-US"/>
+          </a:p>
+        </p:txBody>
+      </p:sp>
+      <p:sp>
+        <p:nvSpPr>
+          <p:cNvPr id="11273" name="Text Box 9"/>
+          <p:cNvSpPr txBox="1">
+            <a:spLocks noChangeArrowheads="1"/>
+          </p:cNvSpPr>
+          <p:nvPr/>
+        </p:nvSpPr>
+        <p:spPr bwMode="auto">
+          <a:xfrm>
+            <a:off x="2133600" y="3200400"/>
+            <a:ext cx="2590800" cy="800100"/>
+          </a:xfrm>
+          <a:prstGeom prst="rect">
+            <a:avLst/>
+          </a:prstGeom>
+          <a:noFill/>
+          <a:ln w="9525">
+            <a:noFill/>
+            <a:miter lim="800000"/>
+            <a:headEnd/>
+            <a:tailEnd/>
+          </a:ln>
+          <a:effectLst/>
+        </p:spPr>
+        <p:txBody>
+          <a:bodyPr>
+            <a:spAutoFit/>
+          </a:bodyPr>
+          <a:lstStyle/>
+          <a:p>
+            <a:pPr algn="ctr" eaLnBrk="0" hangingPunct="0">
+              <a:spcBef>
+                <a:spcPct val="50000"/>
+              </a:spcBef>
+              <a:defRPr/>
+            </a:pPr>
+            <a:r>
+              <a:rPr lang="en-US" sz="2300" dirty="0">
+                <a:solidFill>
+                  <a:schemeClr val="bg1"/>
+                </a:solidFill>
+                <a:latin typeface="+mn-lt"/>
+              </a:rPr>
+              <a:t>Presented By:</a:t>
+            </a:r>
+            <a:br>
+              <a:rPr lang="en-US" sz="2300" dirty="0">
+                <a:solidFill>
+                  <a:schemeClr val="bg1"/>
+                </a:solidFill>
+                <a:latin typeface="+mn-lt"/>
+              </a:rPr>
+            </a:br>
+            <a:r>
+              <a:rPr lang="en-US" sz="2300" dirty="0">
+                <a:solidFill>
+                  <a:schemeClr val="bg1"/>
+                </a:solidFill>
+                <a:latin typeface="+mn-lt"/>
+              </a:rPr>
+              <a:t>Michael Wright</a:t>
+            </a:r>
+          </a:p>
+        </p:txBody>
+      </p:sp>
+      <p:sp>
+        <p:nvSpPr>
+          <p:cNvPr id="3079" name="Text Box 10"/>
+          <p:cNvSpPr txBox="1">
+            <a:spLocks noChangeArrowheads="1"/>
+          </p:cNvSpPr>
+          <p:nvPr/>
+        </p:nvSpPr>
+        <p:spPr bwMode="auto">
+          <a:xfrm>
+            <a:off x="5105400" y="1066800"/>
+            <a:ext cx="3810000" cy="457200"/>
+          </a:xfrm>
+          <a:prstGeom prst="rect">
+            <a:avLst/>
+          </a:prstGeom>
+          <a:noFill/>
+          <a:ln w="9525">
+            <a:noFill/>
+            <a:miter lim="800000"/>
+            <a:headEnd/>
+            <a:tailEnd/>
+          </a:ln>
+        </p:spPr>
+        <p:txBody>
+          <a:bodyPr>
+            <a:spAutoFit/>
+          </a:bodyPr>
+          <a:lstStyle/>
+          <a:p>
+            <a:pPr eaLnBrk="0" hangingPunct="0">
+              <a:spcBef>
+                <a:spcPct val="50000"/>
+              </a:spcBef>
+            </a:pPr>
+            <a:r>
+              <a:rPr lang="en-US">
+                <a:latin typeface="Egyptienne F Black" charset="0"/>
+              </a:rPr>
+              <a:t>Topics:</a:t>
+            </a:r>
+          </a:p>
+        </p:txBody>
+      </p:sp>
+      <p:sp>
+        <p:nvSpPr>
+          <p:cNvPr id="3080" name="Text Box 11"/>
+          <p:cNvSpPr txBox="1">
+            <a:spLocks noChangeArrowheads="1"/>
+          </p:cNvSpPr>
+          <p:nvPr/>
+        </p:nvSpPr>
+        <p:spPr bwMode="auto">
+          <a:xfrm>
+            <a:off x="5105400" y="1600200"/>
+            <a:ext cx="3657600" cy="457200"/>
+          </a:xfrm>
+          <a:prstGeom prst="rect">
+            <a:avLst/>
+          </a:prstGeom>
+          <a:noFill/>
+          <a:ln w="9525">
+            <a:noFill/>
+            <a:miter lim="800000"/>
+            <a:headEnd/>
+            <a:tailEnd/>
+          </a:ln>
+        </p:spPr>
+        <p:txBody>
+          <a:bodyPr>
+            <a:spAutoFit/>
+          </a:bodyPr>
+          <a:lstStyle/>
+          <a:p>
+            <a:pPr eaLnBrk="0" hangingPunct="0">
+              <a:spcBef>
+                <a:spcPct val="50000"/>
+              </a:spcBef>
+            </a:pPr>
+            <a:endParaRPr lang="en-US"/>
+          </a:p>
+        </p:txBody>
+      </p:sp>
+      <p:sp>
+        <p:nvSpPr>
+          <p:cNvPr id="11278" name="Rectangle 14"/>
+          <p:cNvSpPr>
+            <a:spLocks noChangeArrowheads="1"/>
+          </p:cNvSpPr>
+          <p:nvPr/>
+        </p:nvSpPr>
+        <p:spPr bwMode="auto">
+          <a:xfrm>
+            <a:off x="5181600" y="1600200"/>
+            <a:ext cx="3733800" cy="2819400"/>
+          </a:xfrm>
+          <a:prstGeom prst="rect">
+            <a:avLst/>
+          </a:prstGeom>
+          <a:noFill/>
+          <a:ln w="9525">
+            <a:noFill/>
+            <a:miter lim="800000"/>
+            <a:headEnd/>
+            <a:tailEnd/>
+          </a:ln>
+          <a:effectLst/>
+        </p:spPr>
+        <p:txBody>
+          <a:bodyPr lIns="0" tIns="0" rIns="0" bIns="0"/>
+          <a:lstStyle/>
+          <a:p>
+            <a:pPr marL="342900" indent="-342900">
+              <a:lnSpc>
+                <a:spcPct val="120000"/>
+              </a:lnSpc>
+              <a:spcBef>
+                <a:spcPct val="20000"/>
+              </a:spcBef>
+              <a:buClr>
+                <a:srgbClr val="F10040"/>
+              </a:buClr>
+              <a:buFont typeface="Wingdings" pitchFamily="2" charset="2"/>
+              <a:buChar char="§"/>
+              <a:defRPr/>
+            </a:pPr>
+            <a:r>
+              <a:rPr lang="en-US" sz="2300" dirty="0">
+                <a:latin typeface="+mn-lt"/>
+              </a:rPr>
+              <a:t>Robotics Requirements</a:t>
+            </a:r>
+          </a:p>
+          <a:p>
+            <a:pPr marL="342900" indent="-342900">
+              <a:lnSpc>
+                <a:spcPct val="120000"/>
+              </a:lnSpc>
+              <a:spcBef>
+                <a:spcPct val="20000"/>
+              </a:spcBef>
+              <a:buClr>
+                <a:srgbClr val="F10040"/>
+              </a:buClr>
+              <a:buFont typeface="Wingdings" pitchFamily="2" charset="2"/>
+              <a:buChar char="§"/>
+              <a:defRPr/>
+            </a:pPr>
+            <a:r>
+              <a:rPr lang="en-US" sz="2300" dirty="0">
+                <a:latin typeface="+mn-lt"/>
+              </a:rPr>
+              <a:t>Lego NXT 2.0 </a:t>
+            </a:r>
+            <a:r>
+              <a:rPr lang="en-US" sz="2300" dirty="0" err="1">
+                <a:latin typeface="+mn-lt"/>
+              </a:rPr>
+              <a:t>Mindstorms</a:t>
+            </a:r>
+            <a:endParaRPr lang="en-US" sz="2300" dirty="0">
+              <a:latin typeface="+mn-lt"/>
+            </a:endParaRPr>
+          </a:p>
+          <a:p>
+            <a:pPr marL="342900" indent="-342900">
+              <a:lnSpc>
+                <a:spcPct val="120000"/>
+              </a:lnSpc>
+              <a:spcBef>
+                <a:spcPct val="20000"/>
+              </a:spcBef>
+              <a:buClr>
+                <a:srgbClr val="F10040"/>
+              </a:buClr>
+              <a:buFont typeface="Wingdings" pitchFamily="2" charset="2"/>
+              <a:buChar char="§"/>
+              <a:defRPr/>
+            </a:pPr>
+            <a:r>
+              <a:rPr lang="en-US" sz="2300" dirty="0" err="1">
+                <a:latin typeface="+mn-lt"/>
+              </a:rPr>
+              <a:t>Lejos</a:t>
+            </a:r>
+            <a:r>
+              <a:rPr lang="en-US" sz="2300" dirty="0">
+                <a:latin typeface="+mn-lt"/>
+              </a:rPr>
+              <a:t> Firmware</a:t>
+            </a:r>
+          </a:p>
+          <a:p>
+            <a:pPr marL="342900" indent="-342900">
+              <a:lnSpc>
+                <a:spcPct val="120000"/>
+              </a:lnSpc>
+              <a:spcBef>
+                <a:spcPct val="20000"/>
+              </a:spcBef>
+              <a:buClr>
+                <a:srgbClr val="F10040"/>
+              </a:buClr>
+              <a:buFont typeface="Wingdings" pitchFamily="2" charset="2"/>
+              <a:buChar char="§"/>
+              <a:defRPr/>
+            </a:pPr>
+            <a:r>
+              <a:rPr lang="en-US" sz="2300" dirty="0">
+                <a:latin typeface="+mn-lt"/>
+              </a:rPr>
+              <a:t>Controls And Positioning</a:t>
+            </a:r>
+          </a:p>
+          <a:p>
+            <a:pPr marL="342900" indent="-342900">
+              <a:lnSpc>
+                <a:spcPct val="120000"/>
+              </a:lnSpc>
+              <a:spcBef>
+                <a:spcPct val="20000"/>
+              </a:spcBef>
+              <a:buClr>
+                <a:srgbClr val="F10040"/>
+              </a:buClr>
+              <a:buFont typeface="Wingdings" pitchFamily="2" charset="2"/>
+              <a:buChar char="§"/>
+              <a:defRPr/>
+            </a:pPr>
+            <a:r>
+              <a:rPr lang="en-US" sz="2300" dirty="0">
+                <a:latin typeface="+mn-lt"/>
+              </a:rPr>
+              <a:t>Error Corrections</a:t>
+            </a:r>
+            <a:endParaRPr lang="en-US" sz="1800" dirty="0">
+              <a:latin typeface="+mn-lt"/>
+            </a:endParaRPr>
           </a:p>
         </p:txBody>
       </p:sp>
@@ -12143,6 +12640,13 @@
   <p:transition>
     <p:fade/>
   </p:transition>
+  <p:timing>
+    <p:tnLst>
+      <p:par>
+        <p:cTn id="1" dur="indefinite" restart="never" nodeType="tmRoot"/>
+      </p:par>
+    </p:tnLst>
+  </p:timing>
 </p:sld>
 </file>
 
@@ -12165,69 +12669,156 @@
       </p:grpSpPr>
       <p:sp>
         <p:nvSpPr>
-          <p:cNvPr id="43010" name="Rectangle 2"/>
+          <p:cNvPr id="4098" name="Slide Number Placeholder 3"/>
+          <p:cNvSpPr>
+            <a:spLocks noGrp="1"/>
+          </p:cNvSpPr>
+          <p:nvPr>
+            <p:ph type="sldNum" sz="quarter" idx="10"/>
+          </p:nvPr>
+        </p:nvSpPr>
+        <p:spPr>
+          <a:noFill/>
+        </p:spPr>
+        <p:txBody>
+          <a:bodyPr/>
+          <a:lstStyle/>
+          <a:p>
+            <a:fld id="{15680BB0-D719-4D7A-8BE4-8989218EC5A6}" type="slidenum">
+              <a:rPr lang="en-US" smtClean="0">
+                <a:latin typeface="Egyptienne F Bold"/>
+              </a:rPr>
+              <a:pPr/>
+              <a:t>38</a:t>
+            </a:fld>
+            <a:endParaRPr lang="en-US" smtClean="0">
+              <a:latin typeface="Egyptienne F Bold"/>
+            </a:endParaRPr>
+          </a:p>
+        </p:txBody>
+      </p:sp>
+      <p:sp>
+        <p:nvSpPr>
+          <p:cNvPr id="4099" name="Rectangle 4"/>
           <p:cNvSpPr>
             <a:spLocks noGrp="1" noChangeArrowheads="1"/>
           </p:cNvSpPr>
           <p:nvPr>
-            <p:ph type="title" idx="4294967295"/>
-          </p:nvPr>
-        </p:nvSpPr>
-        <p:spPr/>
+            <p:ph type="title"/>
+          </p:nvPr>
+        </p:nvSpPr>
+        <p:spPr>
+          <a:xfrm>
+            <a:off x="1981200" y="1143000"/>
+            <a:ext cx="6858000" cy="457200"/>
+          </a:xfrm>
+        </p:spPr>
         <p:txBody>
           <a:bodyPr/>
           <a:lstStyle/>
           <a:p>
-            <a:r>
-              <a:rPr lang="en-CA" smtClean="0"/>
-              <a:t>Non-Functional Testing</a:t>
-            </a:r>
-          </a:p>
-        </p:txBody>
-      </p:sp>
-      <p:sp>
-        <p:nvSpPr>
-          <p:cNvPr id="43011" name="Rectangle 3"/>
+            <a:pPr eaLnBrk="1" hangingPunct="1"/>
+            <a:r>
+              <a:rPr lang="en-US" smtClean="0"/>
+              <a:t>Robotics Requirements</a:t>
+            </a:r>
+            <a:endParaRPr lang="en-US" b="1" smtClean="0"/>
+          </a:p>
+        </p:txBody>
+      </p:sp>
+      <p:sp>
+        <p:nvSpPr>
+          <p:cNvPr id="4100" name="Rectangle 5"/>
           <p:cNvSpPr>
             <a:spLocks noGrp="1" noChangeArrowheads="1"/>
           </p:cNvSpPr>
           <p:nvPr>
-            <p:ph type="body" idx="4294967295"/>
-          </p:nvPr>
-        </p:nvSpPr>
-        <p:spPr/>
+            <p:ph type="body" idx="1"/>
+          </p:nvPr>
+        </p:nvSpPr>
+        <p:spPr>
+          <a:xfrm>
+            <a:off x="1905000" y="1676400"/>
+            <a:ext cx="3429000" cy="4419600"/>
+          </a:xfrm>
+        </p:spPr>
         <p:txBody>
           <a:bodyPr/>
           <a:lstStyle/>
           <a:p>
-            <a:r>
-              <a:rPr lang="en-CA" smtClean="0"/>
-              <a:t>Other things to consider when testing system wide:</a:t>
-            </a:r>
-          </a:p>
-          <a:p>
-            <a:pPr lvl="1"/>
-            <a:r>
-              <a:rPr lang="en-CA" smtClean="0"/>
-              <a:t>Network Latency</a:t>
-            </a:r>
-          </a:p>
-          <a:p>
-            <a:pPr lvl="1"/>
-            <a:r>
-              <a:rPr lang="en-CA" smtClean="0"/>
-              <a:t>Network Bandtwidth</a:t>
-            </a:r>
-          </a:p>
-          <a:p>
-            <a:pPr lvl="1"/>
-            <a:r>
-              <a:rPr lang="en-CA" smtClean="0"/>
-              <a:t>Performance Issues</a:t>
-            </a:r>
-          </a:p>
-        </p:txBody>
-      </p:sp>
+            <a:pPr eaLnBrk="1" hangingPunct="1"/>
+            <a:r>
+              <a:rPr lang="en-US" smtClean="0"/>
+              <a:t>Point Turning</a:t>
+            </a:r>
+          </a:p>
+          <a:p>
+            <a:pPr eaLnBrk="1" hangingPunct="1"/>
+            <a:r>
+              <a:rPr lang="en-US" smtClean="0"/>
+              <a:t>Independent Wheel Control</a:t>
+            </a:r>
+          </a:p>
+          <a:p>
+            <a:pPr eaLnBrk="1" hangingPunct="1"/>
+            <a:r>
+              <a:rPr lang="en-US" smtClean="0"/>
+              <a:t>Wireless communication</a:t>
+            </a:r>
+          </a:p>
+          <a:p>
+            <a:pPr eaLnBrk="1" hangingPunct="1"/>
+            <a:r>
+              <a:rPr lang="en-US" smtClean="0"/>
+              <a:t>Local Position Tracking</a:t>
+            </a:r>
+          </a:p>
+          <a:p>
+            <a:pPr eaLnBrk="1" hangingPunct="1"/>
+            <a:endParaRPr lang="en-US" smtClean="0"/>
+          </a:p>
+          <a:p>
+            <a:pPr eaLnBrk="1" hangingPunct="1"/>
+            <a:endParaRPr lang="en-US" smtClean="0"/>
+          </a:p>
+          <a:p>
+            <a:pPr eaLnBrk="1" hangingPunct="1"/>
+            <a:endParaRPr lang="en-US" smtClean="0"/>
+          </a:p>
+        </p:txBody>
+      </p:sp>
+      <p:pic>
+        <p:nvPicPr>
+          <p:cNvPr id="4101" name="Picture 2"/>
+          <p:cNvPicPr>
+            <a:picLocks noChangeAspect="1" noChangeArrowheads="1"/>
+          </p:cNvPicPr>
+          <p:nvPr/>
+        </p:nvPicPr>
+        <p:blipFill>
+          <a:blip r:embed="rId3" cstate="print"/>
+          <a:srcRect/>
+          <a:stretch>
+            <a:fillRect/>
+          </a:stretch>
+        </p:blipFill>
+        <p:spPr bwMode="auto">
+          <a:xfrm>
+            <a:off x="5486400" y="1676400"/>
+            <a:ext cx="3381375" cy="3067050"/>
+          </a:xfrm>
+          <a:prstGeom prst="rect">
+            <a:avLst/>
+          </a:prstGeom>
+          <a:noFill/>
+          <a:ln w="9525">
+            <a:noFill/>
+            <a:miter lim="800000"/>
+            <a:headEnd/>
+            <a:tailEnd/>
+          </a:ln>
+        </p:spPr>
+      </p:pic>
     </p:spTree>
   </p:cSld>
   <p:clrMapOvr>
@@ -12236,6 +12827,13 @@
   <p:transition>
     <p:fade/>
   </p:transition>
+  <p:timing>
+    <p:tnLst>
+      <p:par>
+        <p:cTn id="1" dur="indefinite" restart="never" nodeType="tmRoot"/>
+      </p:par>
+    </p:tnLst>
+  </p:timing>
 </p:sld>
 </file>
 
@@ -12258,7 +12856,7 @@
       </p:grpSpPr>
       <p:sp>
         <p:nvSpPr>
-          <p:cNvPr id="3074" name="Slide Number Placeholder 3"/>
+          <p:cNvPr id="5122" name="Slide Number Placeholder 3"/>
           <p:cNvSpPr>
             <a:spLocks noGrp="1"/>
           </p:cNvSpPr>
@@ -12273,7 +12871,7 @@
           <a:bodyPr/>
           <a:lstStyle/>
           <a:p>
-            <a:fld id="{42A66B96-C0A7-4AC3-8556-566139EA21E8}" type="slidenum">
+            <a:fld id="{53DC57BD-D168-4BA1-956B-61BC2A975213}" type="slidenum">
               <a:rPr lang="en-US" smtClean="0">
                 <a:latin typeface="Egyptienne F Bold"/>
               </a:rPr>
@@ -12288,51 +12886,98 @@
       </p:sp>
       <p:sp>
         <p:nvSpPr>
-          <p:cNvPr id="3075" name="Rectangle 5"/>
-          <p:cNvSpPr>
-            <a:spLocks noChangeArrowheads="1"/>
-          </p:cNvSpPr>
+          <p:cNvPr id="5123" name="Rectangle 4"/>
+          <p:cNvSpPr>
+            <a:spLocks noGrp="1" noChangeArrowheads="1"/>
+          </p:cNvSpPr>
+          <p:nvPr>
+            <p:ph type="title"/>
+          </p:nvPr>
+        </p:nvSpPr>
+        <p:spPr>
+          <a:xfrm>
+            <a:off x="1981200" y="1143000"/>
+            <a:ext cx="6858000" cy="457200"/>
+          </a:xfrm>
+        </p:spPr>
+        <p:txBody>
+          <a:bodyPr/>
+          <a:lstStyle/>
+          <a:p>
+            <a:pPr eaLnBrk="1" hangingPunct="1"/>
+            <a:r>
+              <a:rPr lang="en-US" smtClean="0"/>
+              <a:t>Lego NXT 2.0 Mindstroms</a:t>
+            </a:r>
+            <a:endParaRPr lang="en-US" b="1" smtClean="0"/>
+          </a:p>
+        </p:txBody>
+      </p:sp>
+      <p:sp>
+        <p:nvSpPr>
+          <p:cNvPr id="5124" name="Rectangle 5"/>
+          <p:cNvSpPr>
+            <a:spLocks noGrp="1" noChangeArrowheads="1"/>
+          </p:cNvSpPr>
+          <p:nvPr>
+            <p:ph type="body" idx="1"/>
+          </p:nvPr>
+        </p:nvSpPr>
+        <p:spPr>
+          <a:xfrm>
+            <a:off x="1905000" y="1676400"/>
+            <a:ext cx="3429000" cy="4419600"/>
+          </a:xfrm>
+        </p:spPr>
+        <p:txBody>
+          <a:bodyPr/>
+          <a:lstStyle/>
+          <a:p>
+            <a:pPr eaLnBrk="1" hangingPunct="1"/>
+            <a:r>
+              <a:rPr lang="en-US" smtClean="0"/>
+              <a:t>Programmable robotics kit</a:t>
+            </a:r>
+          </a:p>
+          <a:p>
+            <a:pPr eaLnBrk="1" hangingPunct="1"/>
+            <a:r>
+              <a:rPr lang="en-US" smtClean="0"/>
+              <a:t>Highly Modifiable</a:t>
+            </a:r>
+          </a:p>
+          <a:p>
+            <a:pPr eaLnBrk="1" hangingPunct="1"/>
+            <a:r>
+              <a:rPr lang="en-US" smtClean="0"/>
+              <a:t>Large number of advanced sensors</a:t>
+            </a:r>
+          </a:p>
+          <a:p>
+            <a:pPr eaLnBrk="1" hangingPunct="1"/>
+            <a:endParaRPr lang="en-US" smtClean="0"/>
+          </a:p>
+        </p:txBody>
+      </p:sp>
+      <p:pic>
+        <p:nvPicPr>
+          <p:cNvPr id="5125" name="Picture 2"/>
+          <p:cNvPicPr>
+            <a:picLocks noChangeAspect="1" noChangeArrowheads="1"/>
+          </p:cNvPicPr>
           <p:nvPr/>
-        </p:nvSpPr>
+        </p:nvPicPr>
+        <p:blipFill>
+          <a:blip r:embed="rId3" cstate="print"/>
+          <a:srcRect/>
+          <a:stretch>
+            <a:fillRect/>
+          </a:stretch>
+        </p:blipFill>
         <p:spPr bwMode="auto">
           <a:xfrm>
-            <a:off x="1905000" y="1066800"/>
-            <a:ext cx="3124200" cy="3276600"/>
-          </a:xfrm>
-          <a:prstGeom prst="rect">
-            <a:avLst/>
-          </a:prstGeom>
-          <a:solidFill>
-            <a:srgbClr val="F10040"/>
-          </a:solidFill>
-          <a:ln w="9525">
-            <a:noFill/>
-            <a:miter lim="800000"/>
-            <a:headEnd/>
-            <a:tailEnd/>
-          </a:ln>
-        </p:spPr>
-        <p:txBody>
-          <a:bodyPr wrap="none" anchor="ctr"/>
-          <a:lstStyle/>
-          <a:p>
-            <a:pPr eaLnBrk="0" hangingPunct="0"/>
-            <a:endParaRPr lang="en-CA"/>
-          </a:p>
-        </p:txBody>
-      </p:sp>
-      <p:sp>
-        <p:nvSpPr>
-          <p:cNvPr id="3076" name="Text Box 6"/>
-          <p:cNvSpPr txBox="1">
-            <a:spLocks noChangeArrowheads="1"/>
-          </p:cNvSpPr>
-          <p:nvPr/>
-        </p:nvSpPr>
-        <p:spPr bwMode="auto">
-          <a:xfrm>
-            <a:off x="2133600" y="1371600"/>
-            <a:ext cx="2590800" cy="1323975"/>
+            <a:off x="5486400" y="1676400"/>
+            <a:ext cx="3381375" cy="3067050"/>
           </a:xfrm>
           <a:prstGeom prst="rect">
             <a:avLst/>
@@ -12345,397 +12990,7 @@
             <a:tailEnd/>
           </a:ln>
         </p:spPr>
-        <p:txBody>
-          <a:bodyPr>
-            <a:spAutoFit/>
-          </a:bodyPr>
-          <a:lstStyle/>
-          <a:p>
-            <a:pPr algn="ctr" eaLnBrk="0" hangingPunct="0">
-              <a:spcBef>
-                <a:spcPct val="50000"/>
-              </a:spcBef>
-            </a:pPr>
-            <a:r>
-              <a:rPr lang="en-US" sz="3200" b="1" dirty="0">
-                <a:solidFill>
-                  <a:schemeClr val="bg1"/>
-                </a:solidFill>
-                <a:latin typeface="Egyptienne F Black" charset="0"/>
-              </a:rPr>
-              <a:t>RoboWars </a:t>
-            </a:r>
-          </a:p>
-          <a:p>
-            <a:pPr algn="ctr" eaLnBrk="0" hangingPunct="0">
-              <a:spcBef>
-                <a:spcPct val="50000"/>
-              </a:spcBef>
-            </a:pPr>
-            <a:r>
-              <a:rPr lang="en-US" sz="3200" b="1" dirty="0">
-                <a:solidFill>
-                  <a:schemeClr val="bg1"/>
-                </a:solidFill>
-                <a:latin typeface="Egyptienne F Black" charset="0"/>
-              </a:rPr>
-              <a:t>Robotics</a:t>
-            </a:r>
-            <a:endParaRPr lang="en-US" sz="3200" b="1" dirty="0">
-              <a:solidFill>
-                <a:schemeClr val="bg1"/>
-              </a:solidFill>
-              <a:latin typeface="Egyptienne F Roman"/>
-            </a:endParaRPr>
-          </a:p>
-        </p:txBody>
-      </p:sp>
-      <p:sp>
-        <p:nvSpPr>
-          <p:cNvPr id="3077" name="Text Box 7"/>
-          <p:cNvSpPr txBox="1">
-            <a:spLocks noChangeArrowheads="1"/>
-          </p:cNvSpPr>
-          <p:nvPr/>
-        </p:nvSpPr>
-        <p:spPr bwMode="auto">
-          <a:xfrm>
-            <a:off x="5181600" y="1066800"/>
-            <a:ext cx="3581400" cy="457200"/>
-          </a:xfrm>
-          <a:prstGeom prst="rect">
-            <a:avLst/>
-          </a:prstGeom>
-          <a:noFill/>
-          <a:ln w="9525">
-            <a:noFill/>
-            <a:miter lim="800000"/>
-            <a:headEnd/>
-            <a:tailEnd/>
-          </a:ln>
-        </p:spPr>
-        <p:txBody>
-          <a:bodyPr>
-            <a:spAutoFit/>
-          </a:bodyPr>
-          <a:lstStyle/>
-          <a:p>
-            <a:pPr eaLnBrk="0" hangingPunct="0">
-              <a:spcBef>
-                <a:spcPct val="50000"/>
-              </a:spcBef>
-            </a:pPr>
-            <a:endParaRPr lang="en-US"/>
-          </a:p>
-        </p:txBody>
-      </p:sp>
-      <p:sp>
-        <p:nvSpPr>
-          <p:cNvPr id="11273" name="Text Box 9"/>
-          <p:cNvSpPr txBox="1">
-            <a:spLocks noChangeArrowheads="1"/>
-          </p:cNvSpPr>
-          <p:nvPr/>
-        </p:nvSpPr>
-        <p:spPr bwMode="auto">
-          <a:xfrm>
-            <a:off x="2133600" y="3200400"/>
-            <a:ext cx="2590800" cy="800100"/>
-          </a:xfrm>
-          <a:prstGeom prst="rect">
-            <a:avLst/>
-          </a:prstGeom>
-          <a:noFill/>
-          <a:ln w="9525">
-            <a:noFill/>
-            <a:miter lim="800000"/>
-            <a:headEnd/>
-            <a:tailEnd/>
-          </a:ln>
-          <a:effectLst/>
-        </p:spPr>
-        <p:txBody>
-          <a:bodyPr>
-            <a:spAutoFit/>
-          </a:bodyPr>
-          <a:lstStyle/>
-          <a:p>
-            <a:pPr algn="ctr" eaLnBrk="0" hangingPunct="0">
-              <a:spcBef>
-                <a:spcPct val="50000"/>
-              </a:spcBef>
-              <a:defRPr/>
-            </a:pPr>
-            <a:r>
-              <a:rPr lang="en-US" sz="2300" dirty="0">
-                <a:solidFill>
-                  <a:schemeClr val="bg1"/>
-                </a:solidFill>
-                <a:latin typeface="+mn-lt"/>
-              </a:rPr>
-              <a:t>Presented By:</a:t>
-            </a:r>
-            <a:br>
-              <a:rPr lang="en-US" sz="2300" dirty="0">
-                <a:solidFill>
-                  <a:schemeClr val="bg1"/>
-                </a:solidFill>
-                <a:latin typeface="+mn-lt"/>
-              </a:rPr>
-            </a:br>
-            <a:r>
-              <a:rPr lang="en-US" sz="2300" dirty="0">
-                <a:solidFill>
-                  <a:schemeClr val="bg1"/>
-                </a:solidFill>
-                <a:latin typeface="+mn-lt"/>
-              </a:rPr>
-              <a:t>Michael Wright</a:t>
-            </a:r>
-          </a:p>
-        </p:txBody>
-      </p:sp>
-      <p:sp>
-        <p:nvSpPr>
-          <p:cNvPr id="3079" name="Text Box 10"/>
-          <p:cNvSpPr txBox="1">
-            <a:spLocks noChangeArrowheads="1"/>
-          </p:cNvSpPr>
-          <p:nvPr/>
-        </p:nvSpPr>
-        <p:spPr bwMode="auto">
-          <a:xfrm>
-            <a:off x="5105400" y="1066800"/>
-            <a:ext cx="3810000" cy="457200"/>
-          </a:xfrm>
-          <a:prstGeom prst="rect">
-            <a:avLst/>
-          </a:prstGeom>
-          <a:noFill/>
-          <a:ln w="9525">
-            <a:noFill/>
-            <a:miter lim="800000"/>
-            <a:headEnd/>
-            <a:tailEnd/>
-          </a:ln>
-        </p:spPr>
-        <p:txBody>
-          <a:bodyPr>
-            <a:spAutoFit/>
-          </a:bodyPr>
-          <a:lstStyle/>
-          <a:p>
-            <a:pPr eaLnBrk="0" hangingPunct="0">
-              <a:spcBef>
-                <a:spcPct val="50000"/>
-              </a:spcBef>
-            </a:pPr>
-            <a:r>
-              <a:rPr lang="en-US">
-                <a:latin typeface="Egyptienne F Black" charset="0"/>
-              </a:rPr>
-              <a:t>Topics:</a:t>
-            </a:r>
-          </a:p>
-        </p:txBody>
-      </p:sp>
-      <p:sp>
-        <p:nvSpPr>
-          <p:cNvPr id="3080" name="Text Box 11"/>
-          <p:cNvSpPr txBox="1">
-            <a:spLocks noChangeArrowheads="1"/>
-          </p:cNvSpPr>
-          <p:nvPr/>
-        </p:nvSpPr>
-        <p:spPr bwMode="auto">
-          <a:xfrm>
-            <a:off x="5105400" y="1600200"/>
-            <a:ext cx="3657600" cy="457200"/>
-          </a:xfrm>
-          <a:prstGeom prst="rect">
-            <a:avLst/>
-          </a:prstGeom>
-          <a:noFill/>
-          <a:ln w="9525">
-            <a:noFill/>
-            <a:miter lim="800000"/>
-            <a:headEnd/>
-            <a:tailEnd/>
-          </a:ln>
-        </p:spPr>
-        <p:txBody>
-          <a:bodyPr>
-            <a:spAutoFit/>
-          </a:bodyPr>
-          <a:lstStyle/>
-          <a:p>
-            <a:pPr eaLnBrk="0" hangingPunct="0">
-              <a:spcBef>
-                <a:spcPct val="50000"/>
-              </a:spcBef>
-            </a:pPr>
-            <a:endParaRPr lang="en-US"/>
-          </a:p>
-        </p:txBody>
-      </p:sp>
-      <p:sp>
-        <p:nvSpPr>
-          <p:cNvPr id="11278" name="Rectangle 14"/>
-          <p:cNvSpPr>
-            <a:spLocks noChangeArrowheads="1"/>
-          </p:cNvSpPr>
-          <p:nvPr/>
-        </p:nvSpPr>
-        <p:spPr bwMode="auto">
-          <a:xfrm>
-            <a:off x="5181600" y="1600200"/>
-            <a:ext cx="3733800" cy="2819400"/>
-          </a:xfrm>
-          <a:prstGeom prst="rect">
-            <a:avLst/>
-          </a:prstGeom>
-          <a:noFill/>
-          <a:ln w="9525">
-            <a:noFill/>
-            <a:miter lim="800000"/>
-            <a:headEnd/>
-            <a:tailEnd/>
-          </a:ln>
-          <a:effectLst/>
-        </p:spPr>
-        <p:txBody>
-          <a:bodyPr lIns="0" tIns="0" rIns="0" bIns="0"/>
-          <a:lstStyle/>
-          <a:p>
-            <a:pPr marL="342900" indent="-342900">
-              <a:lnSpc>
-                <a:spcPct val="120000"/>
-              </a:lnSpc>
-              <a:spcBef>
-                <a:spcPct val="20000"/>
-              </a:spcBef>
-              <a:buClr>
-                <a:srgbClr val="F10040"/>
-              </a:buClr>
-              <a:buFont typeface="Wingdings" pitchFamily="2" charset="2"/>
-              <a:buChar char="§"/>
-              <a:defRPr/>
-            </a:pPr>
-            <a:r>
-              <a:rPr lang="en-US" sz="2300" dirty="0">
-                <a:latin typeface="+mn-lt"/>
-              </a:rPr>
-              <a:t>Robotics Requirements</a:t>
-            </a:r>
-          </a:p>
-          <a:p>
-            <a:pPr marL="342900" indent="-342900">
-              <a:lnSpc>
-                <a:spcPct val="120000"/>
-              </a:lnSpc>
-              <a:spcBef>
-                <a:spcPct val="20000"/>
-              </a:spcBef>
-              <a:buClr>
-                <a:srgbClr val="F10040"/>
-              </a:buClr>
-              <a:buFont typeface="Wingdings" pitchFamily="2" charset="2"/>
-              <a:buChar char="§"/>
-              <a:defRPr/>
-            </a:pPr>
-            <a:r>
-              <a:rPr lang="en-US" sz="2300" dirty="0">
-                <a:latin typeface="+mn-lt"/>
-              </a:rPr>
-              <a:t>Lego NXT 2.0 </a:t>
-            </a:r>
-            <a:r>
-              <a:rPr lang="en-US" sz="2300" dirty="0" err="1">
-                <a:latin typeface="+mn-lt"/>
-              </a:rPr>
-              <a:t>Mindstorms</a:t>
-            </a:r>
-            <a:endParaRPr lang="en-US" sz="2300" dirty="0">
-              <a:latin typeface="+mn-lt"/>
-            </a:endParaRPr>
-          </a:p>
-          <a:p>
-            <a:pPr marL="342900" indent="-342900">
-              <a:lnSpc>
-                <a:spcPct val="120000"/>
-              </a:lnSpc>
-              <a:spcBef>
-                <a:spcPct val="20000"/>
-              </a:spcBef>
-              <a:buClr>
-                <a:srgbClr val="F10040"/>
-              </a:buClr>
-              <a:buFont typeface="Wingdings" pitchFamily="2" charset="2"/>
-              <a:buChar char="§"/>
-              <a:defRPr/>
-            </a:pPr>
-            <a:r>
-              <a:rPr lang="en-US" sz="2300" dirty="0" err="1">
-                <a:latin typeface="+mn-lt"/>
-              </a:rPr>
-              <a:t>Lejos</a:t>
-            </a:r>
-            <a:r>
-              <a:rPr lang="en-US" sz="2300" dirty="0">
-                <a:latin typeface="+mn-lt"/>
-              </a:rPr>
-              <a:t> Firmware</a:t>
-            </a:r>
-          </a:p>
-          <a:p>
-            <a:pPr marL="342900" indent="-342900">
-              <a:lnSpc>
-                <a:spcPct val="120000"/>
-              </a:lnSpc>
-              <a:spcBef>
-                <a:spcPct val="20000"/>
-              </a:spcBef>
-              <a:buClr>
-                <a:srgbClr val="F10040"/>
-              </a:buClr>
-              <a:buFont typeface="Wingdings" pitchFamily="2" charset="2"/>
-              <a:buChar char="§"/>
-              <a:defRPr/>
-            </a:pPr>
-            <a:r>
-              <a:rPr lang="en-US" sz="2300" dirty="0">
-                <a:latin typeface="+mn-lt"/>
-              </a:rPr>
-              <a:t>Controls And Positioning</a:t>
-            </a:r>
-          </a:p>
-          <a:p>
-            <a:pPr marL="342900" indent="-342900">
-              <a:lnSpc>
-                <a:spcPct val="120000"/>
-              </a:lnSpc>
-              <a:spcBef>
-                <a:spcPct val="20000"/>
-              </a:spcBef>
-              <a:buClr>
-                <a:srgbClr val="F10040"/>
-              </a:buClr>
-              <a:buFont typeface="Wingdings" pitchFamily="2" charset="2"/>
-              <a:buChar char="§"/>
-              <a:defRPr/>
-            </a:pPr>
-            <a:r>
-              <a:rPr lang="en-US" sz="2300" dirty="0">
-                <a:latin typeface="+mn-lt"/>
-              </a:rPr>
-              <a:t>Error Corrections</a:t>
-            </a:r>
-            <a:endParaRPr lang="en-US" sz="1800" dirty="0">
-              <a:latin typeface="+mn-lt"/>
-            </a:endParaRPr>
-          </a:p>
-        </p:txBody>
-      </p:sp>
+      </p:pic>
     </p:spTree>
   </p:cSld>
   <p:clrMapOvr>
@@ -12982,7 +13237,7 @@
       </p:grpSpPr>
       <p:sp>
         <p:nvSpPr>
-          <p:cNvPr id="4098" name="Slide Number Placeholder 3"/>
+          <p:cNvPr id="6146" name="Slide Number Placeholder 3"/>
           <p:cNvSpPr>
             <a:spLocks noGrp="1"/>
           </p:cNvSpPr>
@@ -12997,7 +13252,7 @@
           <a:bodyPr/>
           <a:lstStyle/>
           <a:p>
-            <a:fld id="{15680BB0-D719-4D7A-8BE4-8989218EC5A6}" type="slidenum">
+            <a:fld id="{4AF2427C-1035-4112-A091-98CFC942EDE5}" type="slidenum">
               <a:rPr lang="en-US" smtClean="0">
                 <a:latin typeface="Egyptienne F Bold"/>
               </a:rPr>
@@ -13012,7 +13267,7 @@
       </p:sp>
       <p:sp>
         <p:nvSpPr>
-          <p:cNvPr id="4099" name="Rectangle 4"/>
+          <p:cNvPr id="6147" name="Rectangle 4"/>
           <p:cNvSpPr>
             <a:spLocks noGrp="1" noChangeArrowheads="1"/>
           </p:cNvSpPr>
@@ -13033,7 +13288,7 @@
             <a:pPr eaLnBrk="1" hangingPunct="1"/>
             <a:r>
               <a:rPr lang="en-US" smtClean="0"/>
-              <a:t>Robotics Requirements</a:t>
+              <a:t>NXT Brick</a:t>
             </a:r>
             <a:endParaRPr lang="en-US" b="1" smtClean="0"/>
           </a:p>
@@ -13041,7 +13296,7 @@
       </p:sp>
       <p:sp>
         <p:nvSpPr>
-          <p:cNvPr id="4100" name="Rectangle 5"/>
+          <p:cNvPr id="6148" name="Rectangle 5"/>
           <p:cNvSpPr>
             <a:spLocks noGrp="1" noChangeArrowheads="1"/>
           </p:cNvSpPr>
@@ -13061,48 +13316,83 @@
           <a:p>
             <a:pPr eaLnBrk="1" hangingPunct="1"/>
             <a:r>
-              <a:rPr lang="en-US" smtClean="0"/>
-              <a:t>Point Turning</a:t>
+              <a:rPr lang="en-US" dirty="0" smtClean="0"/>
+              <a:t>3 Motor output Ports, 4 Sensor Input Ports</a:t>
             </a:r>
           </a:p>
           <a:p>
             <a:pPr eaLnBrk="1" hangingPunct="1"/>
             <a:r>
-              <a:rPr lang="en-US" smtClean="0"/>
-              <a:t>Independent Wheel Control</a:t>
+              <a:rPr lang="en-US" dirty="0" smtClean="0"/>
+              <a:t>Supports USB 2.0 and Bluetooth 2.1</a:t>
             </a:r>
           </a:p>
           <a:p>
             <a:pPr eaLnBrk="1" hangingPunct="1"/>
             <a:r>
-              <a:rPr lang="en-US" smtClean="0"/>
-              <a:t>Wireless communication</a:t>
+              <a:rPr lang="en-US" dirty="0" smtClean="0"/>
+              <a:t>48MHz microprocessor [17]</a:t>
             </a:r>
           </a:p>
           <a:p>
             <a:pPr eaLnBrk="1" hangingPunct="1"/>
             <a:r>
-              <a:rPr lang="en-US" smtClean="0"/>
-              <a:t>Local Position Tracking</a:t>
+              <a:rPr lang="en-US" dirty="0" smtClean="0"/>
+              <a:t>Can support and playback 8Hz sound [11]</a:t>
             </a:r>
           </a:p>
           <a:p>
             <a:pPr eaLnBrk="1" hangingPunct="1"/>
-            <a:endParaRPr lang="en-US" smtClean="0"/>
-          </a:p>
-          <a:p>
-            <a:pPr eaLnBrk="1" hangingPunct="1"/>
-            <a:endParaRPr lang="en-US" smtClean="0"/>
-          </a:p>
-          <a:p>
-            <a:pPr eaLnBrk="1" hangingPunct="1"/>
-            <a:endParaRPr lang="en-US" smtClean="0"/>
+            <a:endParaRPr lang="en-US" dirty="0" smtClean="0"/>
+          </a:p>
+        </p:txBody>
+      </p:sp>
+      <p:sp>
+        <p:nvSpPr>
+          <p:cNvPr id="6149" name="TextBox 5"/>
+          <p:cNvSpPr txBox="1">
+            <a:spLocks noChangeArrowheads="1"/>
+          </p:cNvSpPr>
+          <p:nvPr/>
+        </p:nvSpPr>
+        <p:spPr bwMode="auto">
+          <a:xfrm>
+            <a:off x="5486400" y="4800600"/>
+            <a:ext cx="3505200" cy="338554"/>
+          </a:xfrm>
+          <a:prstGeom prst="rect">
+            <a:avLst/>
+          </a:prstGeom>
+          <a:noFill/>
+          <a:ln w="9525">
+            <a:noFill/>
+            <a:miter lim="800000"/>
+            <a:headEnd/>
+            <a:tailEnd/>
+          </a:ln>
+        </p:spPr>
+        <p:txBody>
+          <a:bodyPr wrap="square">
+            <a:spAutoFit/>
+          </a:bodyPr>
+          <a:lstStyle/>
+          <a:p>
+            <a:pPr eaLnBrk="0" hangingPunct="0"/>
+            <a:r>
+              <a:rPr lang="en-US" sz="1600" dirty="0" smtClean="0">
+                <a:latin typeface="+mn-lt"/>
+              </a:rPr>
+              <a:t>[16] The NXT 2.0 Intelligent Brick</a:t>
+            </a:r>
+            <a:endParaRPr lang="en-CA" sz="1600" dirty="0">
+              <a:latin typeface="+mn-lt"/>
+            </a:endParaRPr>
           </a:p>
         </p:txBody>
       </p:sp>
       <p:pic>
         <p:nvPicPr>
-          <p:cNvPr id="4101" name="Picture 2"/>
+          <p:cNvPr id="6150" name="Picture 2"/>
           <p:cNvPicPr>
             <a:picLocks noChangeAspect="1" noChangeArrowheads="1"/>
           </p:cNvPicPr>
@@ -13117,8 +13407,8 @@
         </p:blipFill>
         <p:spPr bwMode="auto">
           <a:xfrm>
-            <a:off x="5486400" y="1676400"/>
-            <a:ext cx="3381375" cy="3067050"/>
+            <a:off x="5430837" y="2057400"/>
+            <a:ext cx="3636963" cy="2667000"/>
           </a:xfrm>
           <a:prstGeom prst="rect">
             <a:avLst/>
@@ -13130,6 +13420,7 @@
             <a:headEnd/>
             <a:tailEnd/>
           </a:ln>
+          <a:effectLst/>
         </p:spPr>
       </p:pic>
     </p:spTree>
@@ -13169,7 +13460,7 @@
       </p:grpSpPr>
       <p:sp>
         <p:nvSpPr>
-          <p:cNvPr id="5122" name="Slide Number Placeholder 3"/>
+          <p:cNvPr id="7170" name="Slide Number Placeholder 3"/>
           <p:cNvSpPr>
             <a:spLocks noGrp="1"/>
           </p:cNvSpPr>
@@ -13184,7 +13475,7 @@
           <a:bodyPr/>
           <a:lstStyle/>
           <a:p>
-            <a:fld id="{53DC57BD-D168-4BA1-956B-61BC2A975213}" type="slidenum">
+            <a:fld id="{C6FCF041-51CC-4079-BA91-E3B853388B97}" type="slidenum">
               <a:rPr lang="en-US" smtClean="0">
                 <a:latin typeface="Egyptienne F Bold"/>
               </a:rPr>
@@ -13199,7 +13490,7 @@
       </p:sp>
       <p:sp>
         <p:nvSpPr>
-          <p:cNvPr id="5123" name="Rectangle 4"/>
+          <p:cNvPr id="7171" name="Rectangle 4"/>
           <p:cNvSpPr>
             <a:spLocks noGrp="1" noChangeArrowheads="1"/>
           </p:cNvSpPr>
@@ -13220,7 +13511,7 @@
             <a:pPr eaLnBrk="1" hangingPunct="1"/>
             <a:r>
               <a:rPr lang="en-US" smtClean="0"/>
-              <a:t>Lego NXT 2.0 Mindstroms</a:t>
+              <a:t>NXT Sensors And Motors</a:t>
             </a:r>
             <a:endParaRPr lang="en-US" b="1" smtClean="0"/>
           </a:p>
@@ -13228,7 +13519,7 @@
       </p:sp>
       <p:sp>
         <p:nvSpPr>
-          <p:cNvPr id="5124" name="Rectangle 5"/>
+          <p:cNvPr id="7172" name="Rectangle 5"/>
           <p:cNvSpPr>
             <a:spLocks noGrp="1" noChangeArrowheads="1"/>
           </p:cNvSpPr>
@@ -13248,33 +13539,52 @@
           <a:p>
             <a:pPr eaLnBrk="1" hangingPunct="1"/>
             <a:r>
-              <a:rPr lang="en-US" smtClean="0"/>
-              <a:t>Programmable robotics kit</a:t>
+              <a:rPr lang="en-US" dirty="0" smtClean="0"/>
+              <a:t>2 Servo Motors capable of up to 180 rpm unloaded. [13]</a:t>
             </a:r>
           </a:p>
           <a:p>
             <a:pPr eaLnBrk="1" hangingPunct="1"/>
             <a:r>
-              <a:rPr lang="en-US" smtClean="0"/>
-              <a:t>Highly Modifiable</a:t>
+              <a:rPr lang="en-US" dirty="0" smtClean="0"/>
+              <a:t>1 </a:t>
+            </a:r>
+            <a:r>
+              <a:rPr lang="en-US" dirty="0" err="1" smtClean="0"/>
+              <a:t>Colour</a:t>
+            </a:r>
+            <a:r>
+              <a:rPr lang="en-US" dirty="0" smtClean="0"/>
+              <a:t> sensor capable of reading full 8Bit RGB [14]</a:t>
             </a:r>
           </a:p>
           <a:p>
             <a:pPr eaLnBrk="1" hangingPunct="1"/>
             <a:r>
-              <a:rPr lang="en-US" smtClean="0"/>
-              <a:t>Large number of advanced sensors</a:t>
+              <a:rPr lang="en-US" dirty="0" smtClean="0"/>
+              <a:t> 2 Touch Sensors</a:t>
             </a:r>
           </a:p>
           <a:p>
             <a:pPr eaLnBrk="1" hangingPunct="1"/>
-            <a:endParaRPr lang="en-US" smtClean="0"/>
+            <a:r>
+              <a:rPr lang="en-US" dirty="0" smtClean="0"/>
+              <a:t> Ultrasonic Sensor [15]</a:t>
+            </a:r>
+          </a:p>
+          <a:p>
+            <a:pPr eaLnBrk="1" hangingPunct="1"/>
+            <a:endParaRPr lang="en-US" dirty="0" smtClean="0"/>
+          </a:p>
+          <a:p>
+            <a:pPr eaLnBrk="1" hangingPunct="1"/>
+            <a:endParaRPr lang="en-US" dirty="0" smtClean="0"/>
           </a:p>
         </p:txBody>
       </p:sp>
       <p:pic>
         <p:nvPicPr>
-          <p:cNvPr id="5125" name="Picture 2"/>
+          <p:cNvPr id="7173" name="Picture 2"/>
           <p:cNvPicPr>
             <a:picLocks noChangeAspect="1" noChangeArrowheads="1"/>
           </p:cNvPicPr>
@@ -13289,7 +13599,7 @@
         </p:blipFill>
         <p:spPr bwMode="auto">
           <a:xfrm>
-            <a:off x="5486400" y="1676400"/>
+            <a:off x="5638800" y="1809750"/>
             <a:ext cx="3381375" cy="3067050"/>
           </a:xfrm>
           <a:prstGeom prst="rect">
@@ -13304,6 +13614,48 @@
           </a:ln>
         </p:spPr>
       </p:pic>
+      <p:sp>
+        <p:nvSpPr>
+          <p:cNvPr id="7174" name="TextBox 5"/>
+          <p:cNvSpPr txBox="1">
+            <a:spLocks noChangeArrowheads="1"/>
+          </p:cNvSpPr>
+          <p:nvPr/>
+        </p:nvSpPr>
+        <p:spPr bwMode="auto">
+          <a:xfrm>
+            <a:off x="5715000" y="4876800"/>
+            <a:ext cx="3200400" cy="646331"/>
+          </a:xfrm>
+          <a:prstGeom prst="rect">
+            <a:avLst/>
+          </a:prstGeom>
+          <a:noFill/>
+          <a:ln w="9525">
+            <a:noFill/>
+            <a:miter lim="800000"/>
+            <a:headEnd/>
+            <a:tailEnd/>
+          </a:ln>
+        </p:spPr>
+        <p:txBody>
+          <a:bodyPr wrap="square">
+            <a:spAutoFit/>
+          </a:bodyPr>
+          <a:lstStyle/>
+          <a:p>
+            <a:r>
+              <a:rPr lang="en-US" sz="1800" dirty="0" smtClean="0">
+                <a:latin typeface="+mn-lt"/>
+              </a:rPr>
+              <a:t>[12] peripherals packaged with the standard NXT 2.0 kit</a:t>
+            </a:r>
+            <a:endParaRPr lang="en-CA" sz="1800" dirty="0">
+              <a:latin typeface="+mn-lt"/>
+            </a:endParaRPr>
+          </a:p>
+        </p:txBody>
+      </p:sp>
     </p:spTree>
   </p:cSld>
   <p:clrMapOvr>
@@ -13341,7 +13693,7 @@
       </p:grpSpPr>
       <p:sp>
         <p:nvSpPr>
-          <p:cNvPr id="6146" name="Slide Number Placeholder 3"/>
+          <p:cNvPr id="8194" name="Slide Number Placeholder 3"/>
           <p:cNvSpPr>
             <a:spLocks noGrp="1"/>
           </p:cNvSpPr>
@@ -13356,7 +13708,7 @@
           <a:bodyPr/>
           <a:lstStyle/>
           <a:p>
-            <a:fld id="{4AF2427C-1035-4112-A091-98CFC942EDE5}" type="slidenum">
+            <a:fld id="{4224C28C-CB39-4B64-B6E7-4ADC0B824ED1}" type="slidenum">
               <a:rPr lang="en-US" smtClean="0">
                 <a:latin typeface="Egyptienne F Bold"/>
               </a:rPr>
@@ -13371,7 +13723,7 @@
       </p:sp>
       <p:sp>
         <p:nvSpPr>
-          <p:cNvPr id="6147" name="Rectangle 4"/>
+          <p:cNvPr id="8195" name="Rectangle 4"/>
           <p:cNvSpPr>
             <a:spLocks noGrp="1" noChangeArrowheads="1"/>
           </p:cNvSpPr>
@@ -13391,16 +13743,20 @@
           <a:p>
             <a:pPr eaLnBrk="1" hangingPunct="1"/>
             <a:r>
-              <a:rPr lang="en-US" smtClean="0"/>
-              <a:t>NXT Brick</a:t>
-            </a:r>
-            <a:endParaRPr lang="en-US" b="1" smtClean="0"/>
-          </a:p>
-        </p:txBody>
-      </p:sp>
-      <p:sp>
-        <p:nvSpPr>
-          <p:cNvPr id="6148" name="Rectangle 5"/>
+              <a:rPr lang="en-US" dirty="0" err="1" smtClean="0"/>
+              <a:t>Lejos</a:t>
+            </a:r>
+            <a:r>
+              <a:rPr lang="en-US" dirty="0" smtClean="0"/>
+              <a:t> Firmware</a:t>
+            </a:r>
+            <a:endParaRPr lang="en-US" b="1" dirty="0" smtClean="0"/>
+          </a:p>
+        </p:txBody>
+      </p:sp>
+      <p:sp>
+        <p:nvSpPr>
+          <p:cNvPr id="8196" name="Rectangle 5"/>
           <p:cNvSpPr>
             <a:spLocks noGrp="1" noChangeArrowheads="1"/>
           </p:cNvSpPr>
@@ -13411,7 +13767,7 @@
         <p:spPr>
           <a:xfrm>
             <a:off x="1905000" y="1676400"/>
-            <a:ext cx="3429000" cy="4419600"/>
+            <a:ext cx="6781800" cy="4419600"/>
           </a:xfrm>
         </p:spPr>
         <p:txBody>
@@ -13421,62 +13777,63 @@
             <a:pPr eaLnBrk="1" hangingPunct="1"/>
             <a:r>
               <a:rPr lang="en-US" dirty="0" smtClean="0"/>
-              <a:t>3 Motor output Ports, 4 Sensor Input </a:t>
-            </a:r>
+              <a:t>Open source microcontroller firmware</a:t>
+            </a:r>
+          </a:p>
+          <a:p>
+            <a:pPr eaLnBrk="1" hangingPunct="1"/>
             <a:r>
               <a:rPr lang="en-US" dirty="0" smtClean="0"/>
-              <a:t>Ports</a:t>
-            </a:r>
-            <a:endParaRPr lang="en-US" dirty="0" smtClean="0"/>
-          </a:p>
-          <a:p>
-            <a:pPr eaLnBrk="1" hangingPunct="1"/>
-            <a:r>
-              <a:rPr lang="en-US" dirty="0" smtClean="0"/>
-              <a:t>Supports USB 2.0 and Bluetooth </a:t>
-            </a:r>
-            <a:r>
-              <a:rPr lang="en-US" dirty="0" smtClean="0"/>
-              <a:t>2.1</a:t>
-            </a:r>
-            <a:endParaRPr lang="en-US" dirty="0" smtClean="0"/>
-          </a:p>
-          <a:p>
-            <a:pPr eaLnBrk="1" hangingPunct="1"/>
-            <a:r>
-              <a:rPr lang="en-US" dirty="0" smtClean="0"/>
-              <a:t>48MHz </a:t>
-            </a:r>
-            <a:r>
-              <a:rPr lang="en-US" dirty="0" smtClean="0"/>
-              <a:t>microprocessor [17]</a:t>
-            </a:r>
-            <a:endParaRPr lang="en-US" dirty="0" smtClean="0"/>
-          </a:p>
-          <a:p>
-            <a:pPr eaLnBrk="1" hangingPunct="1"/>
-            <a:r>
-              <a:rPr lang="en-US" dirty="0" smtClean="0"/>
-              <a:t>Can support and playback 8Hz sound </a:t>
-            </a:r>
-            <a:r>
-              <a:rPr lang="en-US" dirty="0" smtClean="0"/>
-              <a:t>[11</a:t>
-            </a:r>
-            <a:r>
-              <a:rPr lang="en-US" dirty="0" smtClean="0"/>
-              <a:t>]</a:t>
+              <a:t>Provides a JVM for the NXT brick</a:t>
             </a:r>
           </a:p>
           <a:p>
             <a:pPr eaLnBrk="1" hangingPunct="1"/>
             <a:endParaRPr lang="en-US" dirty="0" smtClean="0"/>
           </a:p>
-        </p:txBody>
-      </p:sp>
-      <p:sp>
-        <p:nvSpPr>
-          <p:cNvPr id="6149" name="TextBox 5"/>
+          <a:p>
+            <a:pPr eaLnBrk="1" hangingPunct="1"/>
+            <a:endParaRPr lang="en-US" dirty="0" smtClean="0"/>
+          </a:p>
+          <a:p>
+            <a:pPr eaLnBrk="1" hangingPunct="1"/>
+            <a:endParaRPr lang="en-US" dirty="0" smtClean="0"/>
+          </a:p>
+          <a:p>
+            <a:pPr eaLnBrk="1" hangingPunct="1"/>
+            <a:endParaRPr lang="en-US" dirty="0" smtClean="0"/>
+          </a:p>
+          <a:p>
+            <a:pPr eaLnBrk="1" hangingPunct="1"/>
+            <a:endParaRPr lang="en-US" dirty="0" smtClean="0"/>
+          </a:p>
+          <a:p>
+            <a:pPr eaLnBrk="1" hangingPunct="1"/>
+            <a:r>
+              <a:rPr lang="en-US" dirty="0" smtClean="0"/>
+              <a:t>Has large libraries for position control</a:t>
+            </a:r>
+          </a:p>
+          <a:p>
+            <a:pPr eaLnBrk="1" hangingPunct="1"/>
+            <a:r>
+              <a:rPr lang="en-US" dirty="0" smtClean="0"/>
+              <a:t>Wide support for USB and Bluetooth communication</a:t>
+            </a:r>
+          </a:p>
+          <a:p>
+            <a:pPr eaLnBrk="1" hangingPunct="1"/>
+            <a:endParaRPr lang="en-US" dirty="0" smtClean="0"/>
+          </a:p>
+          <a:p>
+            <a:pPr eaLnBrk="1" hangingPunct="1"/>
+            <a:endParaRPr lang="en-US" dirty="0" smtClean="0"/>
+          </a:p>
+        </p:txBody>
+      </p:sp>
+      <p:sp>
+        <p:nvSpPr>
+          <p:cNvPr id="8197" name="TextBox 5"/>
           <p:cNvSpPr txBox="1">
             <a:spLocks noChangeArrowheads="1"/>
           </p:cNvSpPr>
@@ -13484,8 +13841,8 @@
         </p:nvSpPr>
         <p:spPr bwMode="auto">
           <a:xfrm>
-            <a:off x="5486400" y="4800600"/>
-            <a:ext cx="3505200" cy="338554"/>
+            <a:off x="4953000" y="4343400"/>
+            <a:ext cx="1143000" cy="369332"/>
           </a:xfrm>
           <a:prstGeom prst="rect">
             <a:avLst/>
@@ -13499,19 +13856,25 @@
           </a:ln>
         </p:spPr>
         <p:txBody>
-          <a:bodyPr wrap="square">
+          <a:bodyPr>
             <a:spAutoFit/>
           </a:bodyPr>
           <a:lstStyle/>
           <a:p>
             <a:pPr eaLnBrk="0" hangingPunct="0"/>
             <a:r>
-              <a:rPr lang="en-US" sz="1600" dirty="0" smtClean="0">
+              <a:rPr lang="en-US" sz="1800" dirty="0" smtClean="0">
                 <a:latin typeface="+mn-lt"/>
               </a:rPr>
-              <a:t>[16] The NXT 2.0 Intelligent Brick</a:t>
-            </a:r>
-            <a:endParaRPr lang="en-CA" sz="1600" dirty="0">
+              <a:t>[17</a:t>
+            </a:r>
+            <a:r>
+              <a:rPr lang="en-US" sz="1800" dirty="0">
+                <a:latin typeface="+mn-lt"/>
+              </a:rPr>
+              <a:t>]</a:t>
+            </a:r>
+            <a:endParaRPr lang="en-CA" sz="1800" dirty="0">
               <a:latin typeface="+mn-lt"/>
             </a:endParaRPr>
           </a:p>
@@ -13519,7 +13882,7 @@
       </p:sp>
       <p:pic>
         <p:nvPicPr>
-          <p:cNvPr id="6150" name="Picture 2"/>
+          <p:cNvPr id="8198" name="Picture 2"/>
           <p:cNvPicPr>
             <a:picLocks noChangeAspect="1" noChangeArrowheads="1"/>
           </p:cNvPicPr>
@@ -13534,8 +13897,8 @@
         </p:blipFill>
         <p:spPr bwMode="auto">
           <a:xfrm>
-            <a:off x="5430837" y="2057400"/>
-            <a:ext cx="3636963" cy="2667000"/>
+            <a:off x="2743199" y="2971800"/>
+            <a:ext cx="4953001" cy="1371600"/>
           </a:xfrm>
           <a:prstGeom prst="rect">
             <a:avLst/>
@@ -13547,7 +13910,6 @@
             <a:headEnd/>
             <a:tailEnd/>
           </a:ln>
-          <a:effectLst/>
         </p:spPr>
       </p:pic>
     </p:spTree>
@@ -13587,7 +13949,7 @@
       </p:grpSpPr>
       <p:sp>
         <p:nvSpPr>
-          <p:cNvPr id="7170" name="Slide Number Placeholder 3"/>
+          <p:cNvPr id="9218" name="Slide Number Placeholder 3"/>
           <p:cNvSpPr>
             <a:spLocks noGrp="1"/>
           </p:cNvSpPr>
@@ -13602,7 +13964,7 @@
           <a:bodyPr/>
           <a:lstStyle/>
           <a:p>
-            <a:fld id="{C6FCF041-51CC-4079-BA91-E3B853388B97}" type="slidenum">
+            <a:fld id="{62F340FB-C790-41E4-81CE-6C9FFA6010C5}" type="slidenum">
               <a:rPr lang="en-US" smtClean="0">
                 <a:latin typeface="Egyptienne F Bold"/>
               </a:rPr>
@@ -13617,7 +13979,7 @@
       </p:sp>
       <p:sp>
         <p:nvSpPr>
-          <p:cNvPr id="7171" name="Rectangle 4"/>
+          <p:cNvPr id="9219" name="Rectangle 4"/>
           <p:cNvSpPr>
             <a:spLocks noGrp="1" noChangeArrowheads="1"/>
           </p:cNvSpPr>
@@ -13638,7 +14000,7 @@
             <a:pPr eaLnBrk="1" hangingPunct="1"/>
             <a:r>
               <a:rPr lang="en-US" smtClean="0"/>
-              <a:t>NXT Sensors And Motors</a:t>
+              <a:t>Lejos Navigation Library</a:t>
             </a:r>
             <a:endParaRPr lang="en-US" b="1" smtClean="0"/>
           </a:p>
@@ -13646,7 +14008,7 @@
       </p:sp>
       <p:sp>
         <p:nvSpPr>
-          <p:cNvPr id="7172" name="Rectangle 5"/>
+          <p:cNvPr id="9220" name="Rectangle 5"/>
           <p:cNvSpPr>
             <a:spLocks noGrp="1" noChangeArrowheads="1"/>
           </p:cNvSpPr>
@@ -13667,60 +14029,7 @@
             <a:pPr eaLnBrk="1" hangingPunct="1"/>
             <a:r>
               <a:rPr lang="en-US" dirty="0" smtClean="0"/>
-              <a:t>2 Servo Motors capable of up to 180 rpm unloaded. </a:t>
-            </a:r>
-            <a:r>
-              <a:rPr lang="en-US" dirty="0" smtClean="0"/>
-              <a:t>[13</a:t>
-            </a:r>
-            <a:r>
-              <a:rPr lang="en-US" dirty="0" smtClean="0"/>
-              <a:t>]</a:t>
-            </a:r>
-          </a:p>
-          <a:p>
-            <a:pPr eaLnBrk="1" hangingPunct="1"/>
-            <a:r>
-              <a:rPr lang="en-US" dirty="0" smtClean="0"/>
-              <a:t>1 </a:t>
-            </a:r>
-            <a:r>
-              <a:rPr lang="en-US" dirty="0" err="1" smtClean="0"/>
-              <a:t>Colour</a:t>
-            </a:r>
-            <a:r>
-              <a:rPr lang="en-US" dirty="0" smtClean="0"/>
-              <a:t> sensor capable of reading full 8Bit RGB </a:t>
-            </a:r>
-            <a:r>
-              <a:rPr lang="en-US" dirty="0" smtClean="0"/>
-              <a:t>[14</a:t>
-            </a:r>
-            <a:r>
-              <a:rPr lang="en-US" dirty="0" smtClean="0"/>
-              <a:t>]</a:t>
-            </a:r>
-          </a:p>
-          <a:p>
-            <a:pPr eaLnBrk="1" hangingPunct="1"/>
-            <a:r>
-              <a:rPr lang="en-US" dirty="0" smtClean="0"/>
-              <a:t> 2 Touch Sensors</a:t>
-            </a:r>
-          </a:p>
-          <a:p>
-            <a:pPr eaLnBrk="1" hangingPunct="1"/>
-            <a:r>
-              <a:rPr lang="en-US" dirty="0" smtClean="0"/>
-              <a:t> Ultrasonic Sensor </a:t>
-            </a:r>
-            <a:r>
-              <a:rPr lang="en-US" dirty="0" smtClean="0"/>
-              <a:t>[15</a:t>
-            </a:r>
-            <a:r>
-              <a:rPr lang="en-US" dirty="0" smtClean="0"/>
-              <a:t>]</a:t>
+              <a:t>Overall Control done by Navigator Interface</a:t>
             </a:r>
           </a:p>
           <a:p>
@@ -13729,13 +14038,35 @@
           </a:p>
           <a:p>
             <a:pPr eaLnBrk="1" hangingPunct="1"/>
+            <a:r>
+              <a:rPr lang="en-US" dirty="0" smtClean="0"/>
+              <a:t>Through a  pilot motion commands are given</a:t>
+            </a:r>
+          </a:p>
+          <a:p>
+            <a:pPr eaLnBrk="1" hangingPunct="1"/>
+            <a:endParaRPr lang="en-US" dirty="0" smtClean="0"/>
+          </a:p>
+          <a:p>
+            <a:pPr eaLnBrk="1" hangingPunct="1"/>
+            <a:r>
+              <a:rPr lang="en-US" dirty="0" smtClean="0"/>
+              <a:t>The pilot will then issue the correct action to the individual motors</a:t>
+            </a:r>
+          </a:p>
+          <a:p>
+            <a:pPr eaLnBrk="1" hangingPunct="1"/>
+            <a:endParaRPr lang="en-US" dirty="0" smtClean="0"/>
+          </a:p>
+          <a:p>
+            <a:pPr eaLnBrk="1" hangingPunct="1"/>
             <a:endParaRPr lang="en-US" dirty="0" smtClean="0"/>
           </a:p>
         </p:txBody>
       </p:sp>
       <p:pic>
         <p:nvPicPr>
-          <p:cNvPr id="7173" name="Picture 2"/>
+          <p:cNvPr id="9221" name="Picture 2"/>
           <p:cNvPicPr>
             <a:picLocks noChangeAspect="1" noChangeArrowheads="1"/>
           </p:cNvPicPr>
@@ -13750,8 +14081,8 @@
         </p:blipFill>
         <p:spPr bwMode="auto">
           <a:xfrm>
-            <a:off x="5638800" y="1809750"/>
-            <a:ext cx="3381375" cy="3067050"/>
+            <a:off x="5410201" y="1828800"/>
+            <a:ext cx="3657600" cy="3505200"/>
           </a:xfrm>
           <a:prstGeom prst="rect">
             <a:avLst/>
@@ -13765,60 +14096,6 @@
           </a:ln>
         </p:spPr>
       </p:pic>
-      <p:sp>
-        <p:nvSpPr>
-          <p:cNvPr id="7174" name="TextBox 5"/>
-          <p:cNvSpPr txBox="1">
-            <a:spLocks noChangeArrowheads="1"/>
-          </p:cNvSpPr>
-          <p:nvPr/>
-        </p:nvSpPr>
-        <p:spPr bwMode="auto">
-          <a:xfrm>
-            <a:off x="5715000" y="4876800"/>
-            <a:ext cx="3200400" cy="646331"/>
-          </a:xfrm>
-          <a:prstGeom prst="rect">
-            <a:avLst/>
-          </a:prstGeom>
-          <a:noFill/>
-          <a:ln w="9525">
-            <a:noFill/>
-            <a:miter lim="800000"/>
-            <a:headEnd/>
-            <a:tailEnd/>
-          </a:ln>
-        </p:spPr>
-        <p:txBody>
-          <a:bodyPr wrap="square">
-            <a:spAutoFit/>
-          </a:bodyPr>
-          <a:lstStyle/>
-          <a:p>
-            <a:r>
-              <a:rPr lang="en-US" sz="1800" dirty="0" smtClean="0">
-                <a:latin typeface="+mn-lt"/>
-              </a:rPr>
-              <a:t>[12</a:t>
-            </a:r>
-            <a:r>
-              <a:rPr lang="en-US" sz="1800" dirty="0" smtClean="0">
-                <a:latin typeface="+mn-lt"/>
-              </a:rPr>
-              <a:t>] peripherals </a:t>
-            </a:r>
-            <a:r>
-              <a:rPr lang="en-US" sz="1800" dirty="0" smtClean="0">
-                <a:latin typeface="+mn-lt"/>
-              </a:rPr>
-              <a:t>packaged with the standard NXT 2.0 kit</a:t>
-            </a:r>
-            <a:endParaRPr lang="en-CA" sz="1800" dirty="0">
-              <a:latin typeface="+mn-lt"/>
-            </a:endParaRPr>
-          </a:p>
-        </p:txBody>
-      </p:sp>
     </p:spTree>
   </p:cSld>
   <p:clrMapOvr>
@@ -13856,7 +14133,7 @@
       </p:grpSpPr>
       <p:sp>
         <p:nvSpPr>
-          <p:cNvPr id="8194" name="Slide Number Placeholder 3"/>
+          <p:cNvPr id="10242" name="Slide Number Placeholder 3"/>
           <p:cNvSpPr>
             <a:spLocks noGrp="1"/>
           </p:cNvSpPr>
@@ -13871,7 +14148,7 @@
           <a:bodyPr/>
           <a:lstStyle/>
           <a:p>
-            <a:fld id="{4224C28C-CB39-4B64-B6E7-4ADC0B824ED1}" type="slidenum">
+            <a:fld id="{12A04FE2-A3D9-4E58-84B8-EE24FB1B691C}" type="slidenum">
               <a:rPr lang="en-US" smtClean="0">
                 <a:latin typeface="Egyptienne F Bold"/>
               </a:rPr>
@@ -13886,7 +14163,7 @@
       </p:sp>
       <p:sp>
         <p:nvSpPr>
-          <p:cNvPr id="8195" name="Rectangle 4"/>
+          <p:cNvPr id="10243" name="Rectangle 4"/>
           <p:cNvSpPr>
             <a:spLocks noGrp="1" noChangeArrowheads="1"/>
           </p:cNvSpPr>
@@ -13906,154 +14183,16 @@
           <a:p>
             <a:pPr eaLnBrk="1" hangingPunct="1"/>
             <a:r>
-              <a:rPr lang="en-US" dirty="0" err="1" smtClean="0"/>
-              <a:t>Lejos</a:t>
-            </a:r>
-            <a:r>
-              <a:rPr lang="en-US" dirty="0" smtClean="0"/>
-              <a:t> Firmware</a:t>
-            </a:r>
-            <a:endParaRPr lang="en-US" b="1" dirty="0" smtClean="0"/>
-          </a:p>
-        </p:txBody>
-      </p:sp>
-      <p:sp>
-        <p:nvSpPr>
-          <p:cNvPr id="8196" name="Rectangle 5"/>
-          <p:cNvSpPr>
-            <a:spLocks noGrp="1" noChangeArrowheads="1"/>
-          </p:cNvSpPr>
-          <p:nvPr>
-            <p:ph type="body" idx="1"/>
-          </p:nvPr>
-        </p:nvSpPr>
-        <p:spPr>
-          <a:xfrm>
-            <a:off x="1905000" y="1676400"/>
-            <a:ext cx="6781800" cy="4419600"/>
-          </a:xfrm>
-        </p:spPr>
-        <p:txBody>
-          <a:bodyPr/>
-          <a:lstStyle/>
-          <a:p>
-            <a:pPr eaLnBrk="1" hangingPunct="1"/>
-            <a:r>
-              <a:rPr lang="en-US" dirty="0" smtClean="0"/>
-              <a:t>Open source microcontroller firmware</a:t>
-            </a:r>
-          </a:p>
-          <a:p>
-            <a:pPr eaLnBrk="1" hangingPunct="1"/>
-            <a:r>
-              <a:rPr lang="en-US" dirty="0" smtClean="0"/>
-              <a:t>Provides a JVM for the NXT brick</a:t>
-            </a:r>
-          </a:p>
-          <a:p>
-            <a:pPr eaLnBrk="1" hangingPunct="1"/>
-            <a:endParaRPr lang="en-US" dirty="0" smtClean="0"/>
-          </a:p>
-          <a:p>
-            <a:pPr eaLnBrk="1" hangingPunct="1"/>
-            <a:endParaRPr lang="en-US" dirty="0" smtClean="0"/>
-          </a:p>
-          <a:p>
-            <a:pPr eaLnBrk="1" hangingPunct="1"/>
-            <a:endParaRPr lang="en-US" dirty="0" smtClean="0"/>
-          </a:p>
-          <a:p>
-            <a:pPr eaLnBrk="1" hangingPunct="1"/>
-            <a:endParaRPr lang="en-US" dirty="0" smtClean="0"/>
-          </a:p>
-          <a:p>
-            <a:pPr eaLnBrk="1" hangingPunct="1"/>
-            <a:endParaRPr lang="en-US" dirty="0" smtClean="0"/>
-          </a:p>
-          <a:p>
-            <a:pPr eaLnBrk="1" hangingPunct="1"/>
-            <a:r>
-              <a:rPr lang="en-US" dirty="0" smtClean="0"/>
-              <a:t>Has </a:t>
-            </a:r>
-            <a:r>
-              <a:rPr lang="en-US" dirty="0" smtClean="0"/>
-              <a:t>large libraries for position control</a:t>
-            </a:r>
-          </a:p>
-          <a:p>
-            <a:pPr eaLnBrk="1" hangingPunct="1"/>
-            <a:r>
-              <a:rPr lang="en-US" dirty="0" smtClean="0"/>
-              <a:t>Wide </a:t>
-            </a:r>
-            <a:r>
-              <a:rPr lang="en-US" dirty="0" smtClean="0"/>
-              <a:t>support for USB and Bluetooth communication</a:t>
-            </a:r>
-          </a:p>
-          <a:p>
-            <a:pPr eaLnBrk="1" hangingPunct="1"/>
-            <a:endParaRPr lang="en-US" dirty="0" smtClean="0"/>
-          </a:p>
-          <a:p>
-            <a:pPr eaLnBrk="1" hangingPunct="1"/>
-            <a:endParaRPr lang="en-US" dirty="0" smtClean="0"/>
-          </a:p>
-        </p:txBody>
-      </p:sp>
-      <p:sp>
-        <p:nvSpPr>
-          <p:cNvPr id="8197" name="TextBox 5"/>
-          <p:cNvSpPr txBox="1">
-            <a:spLocks noChangeArrowheads="1"/>
-          </p:cNvSpPr>
-          <p:nvPr/>
-        </p:nvSpPr>
-        <p:spPr bwMode="auto">
-          <a:xfrm>
-            <a:off x="4953000" y="4343400"/>
-            <a:ext cx="1143000" cy="369332"/>
-          </a:xfrm>
-          <a:prstGeom prst="rect">
-            <a:avLst/>
-          </a:prstGeom>
-          <a:noFill/>
-          <a:ln w="9525">
-            <a:noFill/>
-            <a:miter lim="800000"/>
-            <a:headEnd/>
-            <a:tailEnd/>
-          </a:ln>
-        </p:spPr>
-        <p:txBody>
-          <a:bodyPr>
-            <a:spAutoFit/>
-          </a:bodyPr>
-          <a:lstStyle/>
-          <a:p>
-            <a:pPr eaLnBrk="0" hangingPunct="0"/>
-            <a:r>
-              <a:rPr lang="en-US" sz="1800" dirty="0" smtClean="0">
-                <a:latin typeface="+mn-lt"/>
-              </a:rPr>
-              <a:t>[17</a:t>
-            </a:r>
-            <a:r>
-              <a:rPr lang="en-US" sz="1800" dirty="0">
-                <a:latin typeface="+mn-lt"/>
-              </a:rPr>
-              <a:t>]</a:t>
-            </a:r>
-            <a:endParaRPr lang="en-CA" sz="1800" dirty="0">
-              <a:latin typeface="+mn-lt"/>
-            </a:endParaRPr>
+              <a:rPr lang="en-US" smtClean="0"/>
+              <a:t>Controls and Positioning</a:t>
+            </a:r>
+            <a:endParaRPr lang="en-US" b="1" smtClean="0"/>
           </a:p>
         </p:txBody>
       </p:sp>
       <p:pic>
         <p:nvPicPr>
-          <p:cNvPr id="8198" name="Picture 2"/>
+          <p:cNvPr id="10244" name="Picture 8"/>
           <p:cNvPicPr>
             <a:picLocks noChangeAspect="1" noChangeArrowheads="1"/>
           </p:cNvPicPr>
@@ -14068,8 +14207,8 @@
         </p:blipFill>
         <p:spPr bwMode="auto">
           <a:xfrm>
-            <a:off x="2743199" y="2971800"/>
-            <a:ext cx="4953001" cy="1371600"/>
+            <a:off x="2133600" y="1828800"/>
+            <a:ext cx="6191250" cy="3124200"/>
           </a:xfrm>
           <a:prstGeom prst="rect">
             <a:avLst/>
@@ -14120,7 +14259,7 @@
       </p:grpSpPr>
       <p:sp>
         <p:nvSpPr>
-          <p:cNvPr id="9218" name="Slide Number Placeholder 3"/>
+          <p:cNvPr id="11266" name="Slide Number Placeholder 3"/>
           <p:cNvSpPr>
             <a:spLocks noGrp="1"/>
           </p:cNvSpPr>
@@ -14135,7 +14274,7 @@
           <a:bodyPr/>
           <a:lstStyle/>
           <a:p>
-            <a:fld id="{62F340FB-C790-41E4-81CE-6C9FFA6010C5}" type="slidenum">
+            <a:fld id="{F865BDCB-F8C6-4C80-B2A5-8E8A00EB0DAC}" type="slidenum">
               <a:rPr lang="en-US" smtClean="0">
                 <a:latin typeface="Egyptienne F Bold"/>
               </a:rPr>
@@ -14150,7 +14289,7 @@
       </p:sp>
       <p:sp>
         <p:nvSpPr>
-          <p:cNvPr id="9219" name="Rectangle 4"/>
+          <p:cNvPr id="11267" name="Rectangle 4"/>
           <p:cNvSpPr>
             <a:spLocks noGrp="1" noChangeArrowheads="1"/>
           </p:cNvSpPr>
@@ -14171,7 +14310,7 @@
             <a:pPr eaLnBrk="1" hangingPunct="1"/>
             <a:r>
               <a:rPr lang="en-US" smtClean="0"/>
-              <a:t>Lejos Navigation Library</a:t>
+              <a:t>Error Correction And The Grid</a:t>
             </a:r>
             <a:endParaRPr lang="en-US" b="1" smtClean="0"/>
           </a:p>
@@ -14179,7 +14318,7 @@
       </p:sp>
       <p:sp>
         <p:nvSpPr>
-          <p:cNvPr id="9220" name="Rectangle 5"/>
+          <p:cNvPr id="11268" name="Rectangle 5"/>
           <p:cNvSpPr>
             <a:spLocks noGrp="1" noChangeArrowheads="1"/>
           </p:cNvSpPr>
@@ -14200,11 +14339,7 @@
             <a:pPr eaLnBrk="1" hangingPunct="1"/>
             <a:r>
               <a:rPr lang="en-US" dirty="0" smtClean="0"/>
-              <a:t>Overall Control done by Navigator </a:t>
-            </a:r>
-            <a:r>
-              <a:rPr lang="en-US" dirty="0" smtClean="0"/>
-              <a:t>Interface</a:t>
+              <a:t>Errors will be compounded thus must be corrected</a:t>
             </a:r>
           </a:p>
           <a:p>
@@ -14214,38 +14349,26 @@
           <a:p>
             <a:pPr eaLnBrk="1" hangingPunct="1"/>
             <a:r>
+              <a:rPr lang="en-US" dirty="0" err="1" smtClean="0"/>
+              <a:t>Colour</a:t>
+            </a:r>
+            <a:r>
               <a:rPr lang="en-US" dirty="0" smtClean="0"/>
-              <a:t>Through a  pilot motion commands are </a:t>
-            </a:r>
-            <a:r>
-              <a:rPr lang="en-US" dirty="0" smtClean="0"/>
-              <a:t>given</a:t>
-            </a:r>
-          </a:p>
-          <a:p>
-            <a:pPr eaLnBrk="1" hangingPunct="1"/>
-            <a:endParaRPr lang="en-US" dirty="0" smtClean="0"/>
-          </a:p>
-          <a:p>
-            <a:pPr eaLnBrk="1" hangingPunct="1"/>
-            <a:r>
-              <a:rPr lang="en-US" dirty="0" smtClean="0"/>
-              <a:t>The pilot will then issue the correct action to the individual motors</a:t>
-            </a:r>
-          </a:p>
-          <a:p>
-            <a:pPr eaLnBrk="1" hangingPunct="1"/>
-            <a:endParaRPr lang="en-US" dirty="0" smtClean="0"/>
-          </a:p>
-          <a:p>
-            <a:pPr eaLnBrk="1" hangingPunct="1"/>
+              <a:t> Sensor and the grid are used in tandem</a:t>
+            </a:r>
+          </a:p>
+          <a:p>
+            <a:pPr eaLnBrk="1" hangingPunct="1">
+              <a:buFont typeface="Wingdings" pitchFamily="2" charset="2"/>
+              <a:buNone/>
+            </a:pPr>
             <a:endParaRPr lang="en-US" dirty="0" smtClean="0"/>
           </a:p>
         </p:txBody>
       </p:sp>
       <p:pic>
         <p:nvPicPr>
-          <p:cNvPr id="9221" name="Picture 2"/>
+          <p:cNvPr id="11269" name="Picture 2"/>
           <p:cNvPicPr>
             <a:picLocks noChangeAspect="1" noChangeArrowheads="1"/>
           </p:cNvPicPr>
@@ -14260,8 +14383,8 @@
         </p:blipFill>
         <p:spPr bwMode="auto">
           <a:xfrm>
-            <a:off x="5410201" y="1828800"/>
-            <a:ext cx="3657600" cy="3505200"/>
+            <a:off x="6172200" y="1752600"/>
+            <a:ext cx="1666875" cy="2647950"/>
           </a:xfrm>
           <a:prstGeom prst="rect">
             <a:avLst/>
@@ -14312,7 +14435,7 @@
       </p:grpSpPr>
       <p:sp>
         <p:nvSpPr>
-          <p:cNvPr id="10242" name="Slide Number Placeholder 3"/>
+          <p:cNvPr id="12290" name="Slide Number Placeholder 3"/>
           <p:cNvSpPr>
             <a:spLocks noGrp="1"/>
           </p:cNvSpPr>
@@ -14327,7 +14450,7 @@
           <a:bodyPr/>
           <a:lstStyle/>
           <a:p>
-            <a:fld id="{12A04FE2-A3D9-4E58-84B8-EE24FB1B691C}" type="slidenum">
+            <a:fld id="{C8AF0DB5-D2FA-4802-BDC6-1085DE211C18}" type="slidenum">
               <a:rPr lang="en-US" smtClean="0">
                 <a:latin typeface="Egyptienne F Bold"/>
               </a:rPr>
@@ -14342,52 +14465,51 @@
       </p:sp>
       <p:sp>
         <p:nvSpPr>
-          <p:cNvPr id="10243" name="Rectangle 4"/>
-          <p:cNvSpPr>
-            <a:spLocks noGrp="1" noChangeArrowheads="1"/>
-          </p:cNvSpPr>
-          <p:nvPr>
-            <p:ph type="title"/>
-          </p:nvPr>
-        </p:nvSpPr>
-        <p:spPr>
-          <a:xfrm>
-            <a:off x="1981200" y="1143000"/>
-            <a:ext cx="6858000" cy="457200"/>
-          </a:xfrm>
-        </p:spPr>
-        <p:txBody>
-          <a:bodyPr/>
-          <a:lstStyle/>
-          <a:p>
-            <a:pPr eaLnBrk="1" hangingPunct="1"/>
-            <a:r>
-              <a:rPr lang="en-US" smtClean="0"/>
-              <a:t>Controls and Positioning</a:t>
-            </a:r>
-            <a:endParaRPr lang="en-US" b="1" smtClean="0"/>
-          </a:p>
-        </p:txBody>
-      </p:sp>
-      <p:pic>
-        <p:nvPicPr>
-          <p:cNvPr id="10244" name="Picture 8"/>
-          <p:cNvPicPr>
-            <a:picLocks noChangeAspect="1" noChangeArrowheads="1"/>
-          </p:cNvPicPr>
+          <p:cNvPr id="12291" name="Rectangle 5"/>
+          <p:cNvSpPr>
+            <a:spLocks noChangeArrowheads="1"/>
+          </p:cNvSpPr>
           <p:nvPr/>
-        </p:nvPicPr>
-        <p:blipFill>
-          <a:blip r:embed="rId3" cstate="print"/>
-          <a:srcRect/>
-          <a:stretch>
-            <a:fillRect/>
-          </a:stretch>
-        </p:blipFill>
+        </p:nvSpPr>
         <p:spPr bwMode="auto">
           <a:xfrm>
-            <a:off x="2133600" y="1828800"/>
-            <a:ext cx="6191250" cy="3124200"/>
+            <a:off x="1905000" y="1066800"/>
+            <a:ext cx="3124200" cy="3276600"/>
+          </a:xfrm>
+          <a:prstGeom prst="rect">
+            <a:avLst/>
+          </a:prstGeom>
+          <a:solidFill>
+            <a:srgbClr val="F10040"/>
+          </a:solidFill>
+          <a:ln w="9525">
+            <a:noFill/>
+            <a:miter lim="800000"/>
+            <a:headEnd/>
+            <a:tailEnd/>
+          </a:ln>
+        </p:spPr>
+        <p:txBody>
+          <a:bodyPr wrap="none" anchor="ctr"/>
+          <a:lstStyle/>
+          <a:p>
+            <a:pPr eaLnBrk="0" hangingPunct="0"/>
+            <a:endParaRPr lang="en-CA"/>
+          </a:p>
+        </p:txBody>
+      </p:sp>
+      <p:sp>
+        <p:nvSpPr>
+          <p:cNvPr id="12292" name="Text Box 6"/>
+          <p:cNvSpPr txBox="1">
+            <a:spLocks noChangeArrowheads="1"/>
+          </p:cNvSpPr>
+          <p:nvPr/>
+        </p:nvSpPr>
+        <p:spPr bwMode="auto">
+          <a:xfrm>
+            <a:off x="2133600" y="1371600"/>
+            <a:ext cx="2590800" cy="1816100"/>
           </a:xfrm>
           <a:prstGeom prst="rect">
             <a:avLst/>
@@ -14400,7 +14522,379 @@
             <a:tailEnd/>
           </a:ln>
         </p:spPr>
-      </p:pic>
+        <p:txBody>
+          <a:bodyPr>
+            <a:spAutoFit/>
+          </a:bodyPr>
+          <a:lstStyle/>
+          <a:p>
+            <a:pPr algn="ctr" eaLnBrk="0" hangingPunct="0">
+              <a:spcBef>
+                <a:spcPct val="50000"/>
+              </a:spcBef>
+            </a:pPr>
+            <a:r>
+              <a:rPr lang="en-US" sz="3200" b="1" dirty="0">
+                <a:solidFill>
+                  <a:schemeClr val="bg1"/>
+                </a:solidFill>
+                <a:latin typeface="Egyptienne F Black" charset="0"/>
+              </a:rPr>
+              <a:t>RoboWars </a:t>
+            </a:r>
+          </a:p>
+          <a:p>
+            <a:pPr algn="ctr" eaLnBrk="0" hangingPunct="0">
+              <a:spcBef>
+                <a:spcPct val="50000"/>
+              </a:spcBef>
+            </a:pPr>
+            <a:r>
+              <a:rPr lang="en-US" sz="3200" b="1" dirty="0">
+                <a:solidFill>
+                  <a:schemeClr val="bg1"/>
+                </a:solidFill>
+                <a:latin typeface="Egyptienne F Black" charset="0"/>
+              </a:rPr>
+              <a:t>Future Works</a:t>
+            </a:r>
+            <a:endParaRPr lang="en-US" sz="3200" b="1" dirty="0">
+              <a:solidFill>
+                <a:schemeClr val="bg1"/>
+              </a:solidFill>
+              <a:latin typeface="Egyptienne F Roman"/>
+            </a:endParaRPr>
+          </a:p>
+        </p:txBody>
+      </p:sp>
+      <p:sp>
+        <p:nvSpPr>
+          <p:cNvPr id="12293" name="Text Box 7"/>
+          <p:cNvSpPr txBox="1">
+            <a:spLocks noChangeArrowheads="1"/>
+          </p:cNvSpPr>
+          <p:nvPr/>
+        </p:nvSpPr>
+        <p:spPr bwMode="auto">
+          <a:xfrm>
+            <a:off x="5181600" y="1066800"/>
+            <a:ext cx="3581400" cy="457200"/>
+          </a:xfrm>
+          <a:prstGeom prst="rect">
+            <a:avLst/>
+          </a:prstGeom>
+          <a:noFill/>
+          <a:ln w="9525">
+            <a:noFill/>
+            <a:miter lim="800000"/>
+            <a:headEnd/>
+            <a:tailEnd/>
+          </a:ln>
+        </p:spPr>
+        <p:txBody>
+          <a:bodyPr>
+            <a:spAutoFit/>
+          </a:bodyPr>
+          <a:lstStyle/>
+          <a:p>
+            <a:pPr eaLnBrk="0" hangingPunct="0">
+              <a:spcBef>
+                <a:spcPct val="50000"/>
+              </a:spcBef>
+            </a:pPr>
+            <a:endParaRPr lang="en-US"/>
+          </a:p>
+        </p:txBody>
+      </p:sp>
+      <p:sp>
+        <p:nvSpPr>
+          <p:cNvPr id="11273" name="Text Box 9"/>
+          <p:cNvSpPr txBox="1">
+            <a:spLocks noChangeArrowheads="1"/>
+          </p:cNvSpPr>
+          <p:nvPr/>
+        </p:nvSpPr>
+        <p:spPr bwMode="auto">
+          <a:xfrm>
+            <a:off x="2133600" y="3200400"/>
+            <a:ext cx="2590800" cy="800100"/>
+          </a:xfrm>
+          <a:prstGeom prst="rect">
+            <a:avLst/>
+          </a:prstGeom>
+          <a:noFill/>
+          <a:ln w="9525">
+            <a:noFill/>
+            <a:miter lim="800000"/>
+            <a:headEnd/>
+            <a:tailEnd/>
+          </a:ln>
+          <a:effectLst/>
+        </p:spPr>
+        <p:txBody>
+          <a:bodyPr>
+            <a:spAutoFit/>
+          </a:bodyPr>
+          <a:lstStyle/>
+          <a:p>
+            <a:pPr algn="ctr" eaLnBrk="0" hangingPunct="0">
+              <a:spcBef>
+                <a:spcPct val="50000"/>
+              </a:spcBef>
+              <a:defRPr/>
+            </a:pPr>
+            <a:r>
+              <a:rPr lang="en-US" sz="2300" dirty="0">
+                <a:solidFill>
+                  <a:schemeClr val="bg1"/>
+                </a:solidFill>
+                <a:latin typeface="+mn-lt"/>
+              </a:rPr>
+              <a:t>Presented By:</a:t>
+            </a:r>
+            <a:br>
+              <a:rPr lang="en-US" sz="2300" dirty="0">
+                <a:solidFill>
+                  <a:schemeClr val="bg1"/>
+                </a:solidFill>
+                <a:latin typeface="+mn-lt"/>
+              </a:rPr>
+            </a:br>
+            <a:r>
+              <a:rPr lang="en-US" sz="2300" dirty="0">
+                <a:solidFill>
+                  <a:schemeClr val="bg1"/>
+                </a:solidFill>
+                <a:latin typeface="+mn-lt"/>
+              </a:rPr>
+              <a:t>Michael Wright</a:t>
+            </a:r>
+          </a:p>
+        </p:txBody>
+      </p:sp>
+      <p:sp>
+        <p:nvSpPr>
+          <p:cNvPr id="12295" name="Text Box 10"/>
+          <p:cNvSpPr txBox="1">
+            <a:spLocks noChangeArrowheads="1"/>
+          </p:cNvSpPr>
+          <p:nvPr/>
+        </p:nvSpPr>
+        <p:spPr bwMode="auto">
+          <a:xfrm>
+            <a:off x="5105400" y="1066800"/>
+            <a:ext cx="3810000" cy="457200"/>
+          </a:xfrm>
+          <a:prstGeom prst="rect">
+            <a:avLst/>
+          </a:prstGeom>
+          <a:noFill/>
+          <a:ln w="9525">
+            <a:noFill/>
+            <a:miter lim="800000"/>
+            <a:headEnd/>
+            <a:tailEnd/>
+          </a:ln>
+        </p:spPr>
+        <p:txBody>
+          <a:bodyPr>
+            <a:spAutoFit/>
+          </a:bodyPr>
+          <a:lstStyle/>
+          <a:p>
+            <a:pPr eaLnBrk="0" hangingPunct="0">
+              <a:spcBef>
+                <a:spcPct val="50000"/>
+              </a:spcBef>
+            </a:pPr>
+            <a:r>
+              <a:rPr lang="en-US">
+                <a:latin typeface="Egyptienne F Black" charset="0"/>
+              </a:rPr>
+              <a:t>Topics:</a:t>
+            </a:r>
+          </a:p>
+        </p:txBody>
+      </p:sp>
+      <p:sp>
+        <p:nvSpPr>
+          <p:cNvPr id="12296" name="Text Box 11"/>
+          <p:cNvSpPr txBox="1">
+            <a:spLocks noChangeArrowheads="1"/>
+          </p:cNvSpPr>
+          <p:nvPr/>
+        </p:nvSpPr>
+        <p:spPr bwMode="auto">
+          <a:xfrm>
+            <a:off x="5105400" y="1600200"/>
+            <a:ext cx="3657600" cy="457200"/>
+          </a:xfrm>
+          <a:prstGeom prst="rect">
+            <a:avLst/>
+          </a:prstGeom>
+          <a:noFill/>
+          <a:ln w="9525">
+            <a:noFill/>
+            <a:miter lim="800000"/>
+            <a:headEnd/>
+            <a:tailEnd/>
+          </a:ln>
+        </p:spPr>
+        <p:txBody>
+          <a:bodyPr>
+            <a:spAutoFit/>
+          </a:bodyPr>
+          <a:lstStyle/>
+          <a:p>
+            <a:pPr eaLnBrk="0" hangingPunct="0">
+              <a:spcBef>
+                <a:spcPct val="50000"/>
+              </a:spcBef>
+            </a:pPr>
+            <a:endParaRPr lang="en-US"/>
+          </a:p>
+        </p:txBody>
+      </p:sp>
+      <p:sp>
+        <p:nvSpPr>
+          <p:cNvPr id="11278" name="Rectangle 14"/>
+          <p:cNvSpPr>
+            <a:spLocks noChangeArrowheads="1"/>
+          </p:cNvSpPr>
+          <p:nvPr/>
+        </p:nvSpPr>
+        <p:spPr bwMode="auto">
+          <a:xfrm>
+            <a:off x="5181600" y="1600200"/>
+            <a:ext cx="3733800" cy="2819400"/>
+          </a:xfrm>
+          <a:prstGeom prst="rect">
+            <a:avLst/>
+          </a:prstGeom>
+          <a:noFill/>
+          <a:ln w="9525">
+            <a:noFill/>
+            <a:miter lim="800000"/>
+            <a:headEnd/>
+            <a:tailEnd/>
+          </a:ln>
+          <a:effectLst/>
+        </p:spPr>
+        <p:txBody>
+          <a:bodyPr lIns="0" tIns="0" rIns="0" bIns="0"/>
+          <a:lstStyle/>
+          <a:p>
+            <a:pPr marL="342900" indent="-342900">
+              <a:lnSpc>
+                <a:spcPct val="120000"/>
+              </a:lnSpc>
+              <a:spcBef>
+                <a:spcPct val="20000"/>
+              </a:spcBef>
+              <a:buClr>
+                <a:srgbClr val="F10040"/>
+              </a:buClr>
+              <a:buFont typeface="Wingdings" pitchFamily="2" charset="2"/>
+              <a:buChar char="§"/>
+              <a:defRPr/>
+            </a:pPr>
+            <a:r>
+              <a:rPr lang="en-US" sz="2300" dirty="0">
+                <a:latin typeface="+mn-lt"/>
+              </a:rPr>
+              <a:t>OpenGL integration</a:t>
+            </a:r>
+          </a:p>
+          <a:p>
+            <a:pPr marL="342900" indent="-342900">
+              <a:lnSpc>
+                <a:spcPct val="120000"/>
+              </a:lnSpc>
+              <a:spcBef>
+                <a:spcPct val="20000"/>
+              </a:spcBef>
+              <a:buClr>
+                <a:srgbClr val="F10040"/>
+              </a:buClr>
+              <a:buFont typeface="Wingdings" pitchFamily="2" charset="2"/>
+              <a:buChar char="§"/>
+              <a:defRPr/>
+            </a:pPr>
+            <a:r>
+              <a:rPr lang="en-US" sz="2300" dirty="0">
+                <a:latin typeface="+mn-lt"/>
+              </a:rPr>
+              <a:t>Video streaming</a:t>
+            </a:r>
+          </a:p>
+          <a:p>
+            <a:pPr marL="342900" indent="-342900">
+              <a:lnSpc>
+                <a:spcPct val="120000"/>
+              </a:lnSpc>
+              <a:spcBef>
+                <a:spcPct val="20000"/>
+              </a:spcBef>
+              <a:buClr>
+                <a:srgbClr val="F10040"/>
+              </a:buClr>
+              <a:buFont typeface="Wingdings" pitchFamily="2" charset="2"/>
+              <a:buChar char="§"/>
+              <a:defRPr/>
+            </a:pPr>
+            <a:r>
+              <a:rPr lang="en-US" sz="2300" dirty="0">
+                <a:latin typeface="+mn-lt"/>
+              </a:rPr>
+              <a:t>Testing</a:t>
+            </a:r>
+          </a:p>
+          <a:p>
+            <a:pPr marL="342900" indent="-342900">
+              <a:lnSpc>
+                <a:spcPct val="120000"/>
+              </a:lnSpc>
+              <a:spcBef>
+                <a:spcPct val="20000"/>
+              </a:spcBef>
+              <a:buClr>
+                <a:srgbClr val="F10040"/>
+              </a:buClr>
+              <a:buFont typeface="Wingdings" pitchFamily="2" charset="2"/>
+              <a:buChar char="§"/>
+              <a:defRPr/>
+            </a:pPr>
+            <a:r>
+              <a:rPr lang="en-US" sz="2300" dirty="0">
+                <a:latin typeface="+mn-lt"/>
+              </a:rPr>
+              <a:t>Arena</a:t>
+            </a:r>
+          </a:p>
+          <a:p>
+            <a:pPr marL="342900" indent="-342900">
+              <a:lnSpc>
+                <a:spcPct val="120000"/>
+              </a:lnSpc>
+              <a:spcBef>
+                <a:spcPct val="20000"/>
+              </a:spcBef>
+              <a:buClr>
+                <a:srgbClr val="F10040"/>
+              </a:buClr>
+              <a:buFont typeface="Wingdings" pitchFamily="2" charset="2"/>
+              <a:buChar char="§"/>
+              <a:defRPr/>
+            </a:pPr>
+            <a:r>
+              <a:rPr lang="en-US" sz="2300" dirty="0">
+                <a:latin typeface="+mn-lt"/>
+              </a:rPr>
+              <a:t>Additional Robot Integration</a:t>
+            </a:r>
+          </a:p>
+        </p:txBody>
+      </p:sp>
     </p:spTree>
   </p:cSld>
   <p:clrMapOvr>
@@ -14438,149 +14932,76 @@
       </p:grpSpPr>
       <p:sp>
         <p:nvSpPr>
-          <p:cNvPr id="11266" name="Slide Number Placeholder 3"/>
-          <p:cNvSpPr>
-            <a:spLocks noGrp="1"/>
-          </p:cNvSpPr>
-          <p:nvPr>
-            <p:ph type="sldNum" sz="quarter" idx="10"/>
-          </p:nvPr>
-        </p:nvSpPr>
-        <p:spPr>
-          <a:noFill/>
-        </p:spPr>
-        <p:txBody>
-          <a:bodyPr/>
-          <a:lstStyle/>
-          <a:p>
-            <a:fld id="{F865BDCB-F8C6-4C80-B2A5-8E8A00EB0DAC}" type="slidenum">
-              <a:rPr lang="en-US" smtClean="0">
-                <a:latin typeface="Egyptienne F Bold"/>
-              </a:rPr>
-              <a:pPr/>
-              <a:t>47</a:t>
-            </a:fld>
-            <a:endParaRPr lang="en-US" smtClean="0">
-              <a:latin typeface="Egyptienne F Bold"/>
-            </a:endParaRPr>
-          </a:p>
-        </p:txBody>
-      </p:sp>
-      <p:sp>
-        <p:nvSpPr>
-          <p:cNvPr id="11267" name="Rectangle 4"/>
+          <p:cNvPr id="2052" name="Rectangle 4"/>
           <p:cNvSpPr>
             <a:spLocks noGrp="1" noChangeArrowheads="1"/>
           </p:cNvSpPr>
           <p:nvPr>
-            <p:ph type="title"/>
+            <p:ph type="ctrTitle"/>
           </p:nvPr>
         </p:nvSpPr>
         <p:spPr>
           <a:xfrm>
-            <a:off x="1981200" y="1143000"/>
-            <a:ext cx="6858000" cy="457200"/>
+            <a:off x="1905000" y="1219200"/>
+            <a:ext cx="7239000" cy="1981200"/>
           </a:xfrm>
         </p:spPr>
         <p:txBody>
           <a:bodyPr/>
           <a:lstStyle/>
           <a:p>
-            <a:pPr eaLnBrk="1" hangingPunct="1"/>
-            <a:r>
-              <a:rPr lang="en-US" smtClean="0"/>
-              <a:t>Error Correction And The Grid</a:t>
-            </a:r>
-            <a:endParaRPr lang="en-US" b="1" smtClean="0"/>
-          </a:p>
-        </p:txBody>
-      </p:sp>
-      <p:sp>
-        <p:nvSpPr>
-          <p:cNvPr id="11268" name="Rectangle 5"/>
+            <a:r>
+              <a:rPr lang="en-US" sz="4800" b="1" dirty="0" smtClean="0"/>
+              <a:t>RoboWars</a:t>
+            </a:r>
+            <a:r>
+              <a:rPr lang="en-US" dirty="0" smtClean="0"/>
+              <a:t/>
+            </a:r>
+            <a:br>
+              <a:rPr lang="en-US" dirty="0" smtClean="0"/>
+            </a:br>
+            <a:r>
+              <a:rPr lang="en-US" dirty="0" smtClean="0"/>
+              <a:t>SYSC 4907 Engineering Project</a:t>
+            </a:r>
+            <a:endParaRPr lang="en-US" dirty="0"/>
+          </a:p>
+        </p:txBody>
+      </p:sp>
+      <p:sp>
+        <p:nvSpPr>
+          <p:cNvPr id="2053" name="Rectangle 5"/>
           <p:cNvSpPr>
             <a:spLocks noGrp="1" noChangeArrowheads="1"/>
           </p:cNvSpPr>
           <p:nvPr>
-            <p:ph type="body" idx="1"/>
+            <p:ph type="subTitle" idx="1"/>
           </p:nvPr>
         </p:nvSpPr>
         <p:spPr>
           <a:xfrm>
-            <a:off x="1905000" y="1676400"/>
-            <a:ext cx="3429000" cy="4419600"/>
+            <a:off x="1905000" y="3581400"/>
+            <a:ext cx="7239000" cy="1524000"/>
           </a:xfrm>
         </p:spPr>
         <p:txBody>
           <a:bodyPr/>
           <a:lstStyle/>
           <a:p>
-            <a:pPr eaLnBrk="1" hangingPunct="1"/>
-            <a:r>
-              <a:rPr lang="en-US" dirty="0" smtClean="0"/>
-              <a:t>Errors will be compounded thus must be </a:t>
-            </a:r>
-            <a:r>
-              <a:rPr lang="en-US" dirty="0" smtClean="0"/>
-              <a:t>corrected</a:t>
-            </a:r>
-          </a:p>
-          <a:p>
-            <a:pPr eaLnBrk="1" hangingPunct="1"/>
-            <a:endParaRPr lang="en-US" dirty="0" smtClean="0"/>
-          </a:p>
-          <a:p>
-            <a:pPr eaLnBrk="1" hangingPunct="1"/>
-            <a:r>
-              <a:rPr lang="en-US" dirty="0" err="1" smtClean="0"/>
-              <a:t>Colour</a:t>
-            </a:r>
-            <a:r>
-              <a:rPr lang="en-US" dirty="0" smtClean="0"/>
-              <a:t> Sensor and the grid are used in tandem</a:t>
-            </a:r>
-          </a:p>
-          <a:p>
-            <a:pPr eaLnBrk="1" hangingPunct="1">
-              <a:buFont typeface="Wingdings" pitchFamily="2" charset="2"/>
-              <a:buNone/>
-            </a:pPr>
-            <a:endParaRPr lang="en-US" dirty="0" smtClean="0"/>
-          </a:p>
-        </p:txBody>
-      </p:sp>
-      <p:pic>
-        <p:nvPicPr>
-          <p:cNvPr id="11269" name="Picture 2"/>
-          <p:cNvPicPr>
-            <a:picLocks noChangeAspect="1" noChangeArrowheads="1"/>
-          </p:cNvPicPr>
-          <p:nvPr/>
-        </p:nvPicPr>
-        <p:blipFill>
-          <a:blip r:embed="rId3" cstate="print"/>
-          <a:srcRect/>
-          <a:stretch>
-            <a:fillRect/>
-          </a:stretch>
-        </p:blipFill>
-        <p:spPr bwMode="auto">
-          <a:xfrm>
-            <a:off x="6172200" y="1752600"/>
-            <a:ext cx="1666875" cy="2647950"/>
-          </a:xfrm>
-          <a:prstGeom prst="rect">
-            <a:avLst/>
-          </a:prstGeom>
-          <a:noFill/>
-          <a:ln w="9525">
-            <a:noFill/>
-            <a:miter lim="800000"/>
-            <a:headEnd/>
-            <a:tailEnd/>
-          </a:ln>
-        </p:spPr>
-      </p:pic>
+            <a:r>
+              <a:rPr lang="en-US" sz="2400" dirty="0" smtClean="0"/>
+              <a:t>https://github.com/alexcraig/RoboWars</a:t>
+            </a:r>
+          </a:p>
+          <a:p>
+            <a:endParaRPr lang="en-US" dirty="0"/>
+          </a:p>
+          <a:p>
+            <a:endParaRPr lang="en-US" dirty="0"/>
+          </a:p>
+        </p:txBody>
+      </p:sp>
     </p:spTree>
   </p:cSld>
   <p:clrMapOvr>
@@ -14618,615 +15039,6 @@
       </p:grpSpPr>
       <p:sp>
         <p:nvSpPr>
-          <p:cNvPr id="12290" name="Slide Number Placeholder 3"/>
-          <p:cNvSpPr>
-            <a:spLocks noGrp="1"/>
-          </p:cNvSpPr>
-          <p:nvPr>
-            <p:ph type="sldNum" sz="quarter" idx="10"/>
-          </p:nvPr>
-        </p:nvSpPr>
-        <p:spPr>
-          <a:noFill/>
-        </p:spPr>
-        <p:txBody>
-          <a:bodyPr/>
-          <a:lstStyle/>
-          <a:p>
-            <a:fld id="{C8AF0DB5-D2FA-4802-BDC6-1085DE211C18}" type="slidenum">
-              <a:rPr lang="en-US" smtClean="0">
-                <a:latin typeface="Egyptienne F Bold"/>
-              </a:rPr>
-              <a:pPr/>
-              <a:t>48</a:t>
-            </a:fld>
-            <a:endParaRPr lang="en-US" smtClean="0">
-              <a:latin typeface="Egyptienne F Bold"/>
-            </a:endParaRPr>
-          </a:p>
-        </p:txBody>
-      </p:sp>
-      <p:sp>
-        <p:nvSpPr>
-          <p:cNvPr id="12291" name="Rectangle 5"/>
-          <p:cNvSpPr>
-            <a:spLocks noChangeArrowheads="1"/>
-          </p:cNvSpPr>
-          <p:nvPr/>
-        </p:nvSpPr>
-        <p:spPr bwMode="auto">
-          <a:xfrm>
-            <a:off x="1905000" y="1066800"/>
-            <a:ext cx="3124200" cy="3276600"/>
-          </a:xfrm>
-          <a:prstGeom prst="rect">
-            <a:avLst/>
-          </a:prstGeom>
-          <a:solidFill>
-            <a:srgbClr val="F10040"/>
-          </a:solidFill>
-          <a:ln w="9525">
-            <a:noFill/>
-            <a:miter lim="800000"/>
-            <a:headEnd/>
-            <a:tailEnd/>
-          </a:ln>
-        </p:spPr>
-        <p:txBody>
-          <a:bodyPr wrap="none" anchor="ctr"/>
-          <a:lstStyle/>
-          <a:p>
-            <a:pPr eaLnBrk="0" hangingPunct="0"/>
-            <a:endParaRPr lang="en-CA"/>
-          </a:p>
-        </p:txBody>
-      </p:sp>
-      <p:sp>
-        <p:nvSpPr>
-          <p:cNvPr id="12292" name="Text Box 6"/>
-          <p:cNvSpPr txBox="1">
-            <a:spLocks noChangeArrowheads="1"/>
-          </p:cNvSpPr>
-          <p:nvPr/>
-        </p:nvSpPr>
-        <p:spPr bwMode="auto">
-          <a:xfrm>
-            <a:off x="2133600" y="1371600"/>
-            <a:ext cx="2590800" cy="1816100"/>
-          </a:xfrm>
-          <a:prstGeom prst="rect">
-            <a:avLst/>
-          </a:prstGeom>
-          <a:noFill/>
-          <a:ln w="9525">
-            <a:noFill/>
-            <a:miter lim="800000"/>
-            <a:headEnd/>
-            <a:tailEnd/>
-          </a:ln>
-        </p:spPr>
-        <p:txBody>
-          <a:bodyPr>
-            <a:spAutoFit/>
-          </a:bodyPr>
-          <a:lstStyle/>
-          <a:p>
-            <a:pPr algn="ctr" eaLnBrk="0" hangingPunct="0">
-              <a:spcBef>
-                <a:spcPct val="50000"/>
-              </a:spcBef>
-            </a:pPr>
-            <a:r>
-              <a:rPr lang="en-US" sz="3200" b="1" dirty="0">
-                <a:solidFill>
-                  <a:schemeClr val="bg1"/>
-                </a:solidFill>
-                <a:latin typeface="Egyptienne F Black" charset="0"/>
-              </a:rPr>
-              <a:t>RoboWars </a:t>
-            </a:r>
-          </a:p>
-          <a:p>
-            <a:pPr algn="ctr" eaLnBrk="0" hangingPunct="0">
-              <a:spcBef>
-                <a:spcPct val="50000"/>
-              </a:spcBef>
-            </a:pPr>
-            <a:r>
-              <a:rPr lang="en-US" sz="3200" b="1" dirty="0">
-                <a:solidFill>
-                  <a:schemeClr val="bg1"/>
-                </a:solidFill>
-                <a:latin typeface="Egyptienne F Black" charset="0"/>
-              </a:rPr>
-              <a:t>Future Works</a:t>
-            </a:r>
-            <a:endParaRPr lang="en-US" sz="3200" b="1" dirty="0">
-              <a:solidFill>
-                <a:schemeClr val="bg1"/>
-              </a:solidFill>
-              <a:latin typeface="Egyptienne F Roman"/>
-            </a:endParaRPr>
-          </a:p>
-        </p:txBody>
-      </p:sp>
-      <p:sp>
-        <p:nvSpPr>
-          <p:cNvPr id="12293" name="Text Box 7"/>
-          <p:cNvSpPr txBox="1">
-            <a:spLocks noChangeArrowheads="1"/>
-          </p:cNvSpPr>
-          <p:nvPr/>
-        </p:nvSpPr>
-        <p:spPr bwMode="auto">
-          <a:xfrm>
-            <a:off x="5181600" y="1066800"/>
-            <a:ext cx="3581400" cy="457200"/>
-          </a:xfrm>
-          <a:prstGeom prst="rect">
-            <a:avLst/>
-          </a:prstGeom>
-          <a:noFill/>
-          <a:ln w="9525">
-            <a:noFill/>
-            <a:miter lim="800000"/>
-            <a:headEnd/>
-            <a:tailEnd/>
-          </a:ln>
-        </p:spPr>
-        <p:txBody>
-          <a:bodyPr>
-            <a:spAutoFit/>
-          </a:bodyPr>
-          <a:lstStyle/>
-          <a:p>
-            <a:pPr eaLnBrk="0" hangingPunct="0">
-              <a:spcBef>
-                <a:spcPct val="50000"/>
-              </a:spcBef>
-            </a:pPr>
-            <a:endParaRPr lang="en-US"/>
-          </a:p>
-        </p:txBody>
-      </p:sp>
-      <p:sp>
-        <p:nvSpPr>
-          <p:cNvPr id="11273" name="Text Box 9"/>
-          <p:cNvSpPr txBox="1">
-            <a:spLocks noChangeArrowheads="1"/>
-          </p:cNvSpPr>
-          <p:nvPr/>
-        </p:nvSpPr>
-        <p:spPr bwMode="auto">
-          <a:xfrm>
-            <a:off x="2133600" y="3200400"/>
-            <a:ext cx="2590800" cy="800100"/>
-          </a:xfrm>
-          <a:prstGeom prst="rect">
-            <a:avLst/>
-          </a:prstGeom>
-          <a:noFill/>
-          <a:ln w="9525">
-            <a:noFill/>
-            <a:miter lim="800000"/>
-            <a:headEnd/>
-            <a:tailEnd/>
-          </a:ln>
-          <a:effectLst/>
-        </p:spPr>
-        <p:txBody>
-          <a:bodyPr>
-            <a:spAutoFit/>
-          </a:bodyPr>
-          <a:lstStyle/>
-          <a:p>
-            <a:pPr algn="ctr" eaLnBrk="0" hangingPunct="0">
-              <a:spcBef>
-                <a:spcPct val="50000"/>
-              </a:spcBef>
-              <a:defRPr/>
-            </a:pPr>
-            <a:r>
-              <a:rPr lang="en-US" sz="2300" dirty="0">
-                <a:solidFill>
-                  <a:schemeClr val="bg1"/>
-                </a:solidFill>
-                <a:latin typeface="+mn-lt"/>
-              </a:rPr>
-              <a:t>Presented By:</a:t>
-            </a:r>
-            <a:br>
-              <a:rPr lang="en-US" sz="2300" dirty="0">
-                <a:solidFill>
-                  <a:schemeClr val="bg1"/>
-                </a:solidFill>
-                <a:latin typeface="+mn-lt"/>
-              </a:rPr>
-            </a:br>
-            <a:r>
-              <a:rPr lang="en-US" sz="2300" dirty="0">
-                <a:solidFill>
-                  <a:schemeClr val="bg1"/>
-                </a:solidFill>
-                <a:latin typeface="+mn-lt"/>
-              </a:rPr>
-              <a:t>Michael Wright</a:t>
-            </a:r>
-          </a:p>
-        </p:txBody>
-      </p:sp>
-      <p:sp>
-        <p:nvSpPr>
-          <p:cNvPr id="12295" name="Text Box 10"/>
-          <p:cNvSpPr txBox="1">
-            <a:spLocks noChangeArrowheads="1"/>
-          </p:cNvSpPr>
-          <p:nvPr/>
-        </p:nvSpPr>
-        <p:spPr bwMode="auto">
-          <a:xfrm>
-            <a:off x="5105400" y="1066800"/>
-            <a:ext cx="3810000" cy="457200"/>
-          </a:xfrm>
-          <a:prstGeom prst="rect">
-            <a:avLst/>
-          </a:prstGeom>
-          <a:noFill/>
-          <a:ln w="9525">
-            <a:noFill/>
-            <a:miter lim="800000"/>
-            <a:headEnd/>
-            <a:tailEnd/>
-          </a:ln>
-        </p:spPr>
-        <p:txBody>
-          <a:bodyPr>
-            <a:spAutoFit/>
-          </a:bodyPr>
-          <a:lstStyle/>
-          <a:p>
-            <a:pPr eaLnBrk="0" hangingPunct="0">
-              <a:spcBef>
-                <a:spcPct val="50000"/>
-              </a:spcBef>
-            </a:pPr>
-            <a:r>
-              <a:rPr lang="en-US">
-                <a:latin typeface="Egyptienne F Black" charset="0"/>
-              </a:rPr>
-              <a:t>Topics:</a:t>
-            </a:r>
-          </a:p>
-        </p:txBody>
-      </p:sp>
-      <p:sp>
-        <p:nvSpPr>
-          <p:cNvPr id="12296" name="Text Box 11"/>
-          <p:cNvSpPr txBox="1">
-            <a:spLocks noChangeArrowheads="1"/>
-          </p:cNvSpPr>
-          <p:nvPr/>
-        </p:nvSpPr>
-        <p:spPr bwMode="auto">
-          <a:xfrm>
-            <a:off x="5105400" y="1600200"/>
-            <a:ext cx="3657600" cy="457200"/>
-          </a:xfrm>
-          <a:prstGeom prst="rect">
-            <a:avLst/>
-          </a:prstGeom>
-          <a:noFill/>
-          <a:ln w="9525">
-            <a:noFill/>
-            <a:miter lim="800000"/>
-            <a:headEnd/>
-            <a:tailEnd/>
-          </a:ln>
-        </p:spPr>
-        <p:txBody>
-          <a:bodyPr>
-            <a:spAutoFit/>
-          </a:bodyPr>
-          <a:lstStyle/>
-          <a:p>
-            <a:pPr eaLnBrk="0" hangingPunct="0">
-              <a:spcBef>
-                <a:spcPct val="50000"/>
-              </a:spcBef>
-            </a:pPr>
-            <a:endParaRPr lang="en-US"/>
-          </a:p>
-        </p:txBody>
-      </p:sp>
-      <p:sp>
-        <p:nvSpPr>
-          <p:cNvPr id="11278" name="Rectangle 14"/>
-          <p:cNvSpPr>
-            <a:spLocks noChangeArrowheads="1"/>
-          </p:cNvSpPr>
-          <p:nvPr/>
-        </p:nvSpPr>
-        <p:spPr bwMode="auto">
-          <a:xfrm>
-            <a:off x="5181600" y="1600200"/>
-            <a:ext cx="3733800" cy="2819400"/>
-          </a:xfrm>
-          <a:prstGeom prst="rect">
-            <a:avLst/>
-          </a:prstGeom>
-          <a:noFill/>
-          <a:ln w="9525">
-            <a:noFill/>
-            <a:miter lim="800000"/>
-            <a:headEnd/>
-            <a:tailEnd/>
-          </a:ln>
-          <a:effectLst/>
-        </p:spPr>
-        <p:txBody>
-          <a:bodyPr lIns="0" tIns="0" rIns="0" bIns="0"/>
-          <a:lstStyle/>
-          <a:p>
-            <a:pPr marL="342900" indent="-342900">
-              <a:lnSpc>
-                <a:spcPct val="120000"/>
-              </a:lnSpc>
-              <a:spcBef>
-                <a:spcPct val="20000"/>
-              </a:spcBef>
-              <a:buClr>
-                <a:srgbClr val="F10040"/>
-              </a:buClr>
-              <a:buFont typeface="Wingdings" pitchFamily="2" charset="2"/>
-              <a:buChar char="§"/>
-              <a:defRPr/>
-            </a:pPr>
-            <a:r>
-              <a:rPr lang="en-US" sz="2300" dirty="0">
-                <a:latin typeface="+mn-lt"/>
-              </a:rPr>
-              <a:t>OpenGL integration</a:t>
-            </a:r>
-          </a:p>
-          <a:p>
-            <a:pPr marL="342900" indent="-342900">
-              <a:lnSpc>
-                <a:spcPct val="120000"/>
-              </a:lnSpc>
-              <a:spcBef>
-                <a:spcPct val="20000"/>
-              </a:spcBef>
-              <a:buClr>
-                <a:srgbClr val="F10040"/>
-              </a:buClr>
-              <a:buFont typeface="Wingdings" pitchFamily="2" charset="2"/>
-              <a:buChar char="§"/>
-              <a:defRPr/>
-            </a:pPr>
-            <a:r>
-              <a:rPr lang="en-US" sz="2300" dirty="0">
-                <a:latin typeface="+mn-lt"/>
-              </a:rPr>
-              <a:t>Video streaming</a:t>
-            </a:r>
-          </a:p>
-          <a:p>
-            <a:pPr marL="342900" indent="-342900">
-              <a:lnSpc>
-                <a:spcPct val="120000"/>
-              </a:lnSpc>
-              <a:spcBef>
-                <a:spcPct val="20000"/>
-              </a:spcBef>
-              <a:buClr>
-                <a:srgbClr val="F10040"/>
-              </a:buClr>
-              <a:buFont typeface="Wingdings" pitchFamily="2" charset="2"/>
-              <a:buChar char="§"/>
-              <a:defRPr/>
-            </a:pPr>
-            <a:r>
-              <a:rPr lang="en-US" sz="2300" dirty="0">
-                <a:latin typeface="+mn-lt"/>
-              </a:rPr>
-              <a:t>Testing</a:t>
-            </a:r>
-          </a:p>
-          <a:p>
-            <a:pPr marL="342900" indent="-342900">
-              <a:lnSpc>
-                <a:spcPct val="120000"/>
-              </a:lnSpc>
-              <a:spcBef>
-                <a:spcPct val="20000"/>
-              </a:spcBef>
-              <a:buClr>
-                <a:srgbClr val="F10040"/>
-              </a:buClr>
-              <a:buFont typeface="Wingdings" pitchFamily="2" charset="2"/>
-              <a:buChar char="§"/>
-              <a:defRPr/>
-            </a:pPr>
-            <a:r>
-              <a:rPr lang="en-US" sz="2300" dirty="0">
-                <a:latin typeface="+mn-lt"/>
-              </a:rPr>
-              <a:t>Arena</a:t>
-            </a:r>
-          </a:p>
-          <a:p>
-            <a:pPr marL="342900" indent="-342900">
-              <a:lnSpc>
-                <a:spcPct val="120000"/>
-              </a:lnSpc>
-              <a:spcBef>
-                <a:spcPct val="20000"/>
-              </a:spcBef>
-              <a:buClr>
-                <a:srgbClr val="F10040"/>
-              </a:buClr>
-              <a:buFont typeface="Wingdings" pitchFamily="2" charset="2"/>
-              <a:buChar char="§"/>
-              <a:defRPr/>
-            </a:pPr>
-            <a:r>
-              <a:rPr lang="en-US" sz="2300" dirty="0">
-                <a:latin typeface="+mn-lt"/>
-              </a:rPr>
-              <a:t>Additional Robot Integration</a:t>
-            </a:r>
-          </a:p>
-        </p:txBody>
-      </p:sp>
-    </p:spTree>
-  </p:cSld>
-  <p:clrMapOvr>
-    <a:masterClrMapping/>
-  </p:clrMapOvr>
-  <p:transition>
-    <p:fade/>
-  </p:transition>
-  <p:timing>
-    <p:tnLst>
-      <p:par>
-        <p:cTn id="1" dur="indefinite" restart="never" nodeType="tmRoot"/>
-      </p:par>
-    </p:tnLst>
-  </p:timing>
-</p:sld>
-</file>
-
-<file path=ppt/slides/slide49.xml><?xml version="1.0" encoding="utf-8"?>
-<p:sld xmlns:a="http://schemas.openxmlformats.org/drawingml/2006/main" xmlns:r="http://schemas.openxmlformats.org/officeDocument/2006/relationships" xmlns:p="http://schemas.openxmlformats.org/presentationml/2006/main">
-  <p:cSld>
-    <p:spTree>
-      <p:nvGrpSpPr>
-        <p:cNvPr id="1" name=""/>
-        <p:cNvGrpSpPr/>
-        <p:nvPr/>
-      </p:nvGrpSpPr>
-      <p:grpSpPr>
-        <a:xfrm>
-          <a:off x="0" y="0"/>
-          <a:ext cx="0" cy="0"/>
-          <a:chOff x="0" y="0"/>
-          <a:chExt cx="0" cy="0"/>
-        </a:xfrm>
-      </p:grpSpPr>
-      <p:sp>
-        <p:nvSpPr>
-          <p:cNvPr id="2052" name="Rectangle 4"/>
-          <p:cNvSpPr>
-            <a:spLocks noGrp="1" noChangeArrowheads="1"/>
-          </p:cNvSpPr>
-          <p:nvPr>
-            <p:ph type="ctrTitle"/>
-          </p:nvPr>
-        </p:nvSpPr>
-        <p:spPr>
-          <a:xfrm>
-            <a:off x="1905000" y="1219200"/>
-            <a:ext cx="7239000" cy="1981200"/>
-          </a:xfrm>
-        </p:spPr>
-        <p:txBody>
-          <a:bodyPr/>
-          <a:lstStyle/>
-          <a:p>
-            <a:r>
-              <a:rPr lang="en-US" sz="4800" b="1" dirty="0" smtClean="0"/>
-              <a:t>RoboWars</a:t>
-            </a:r>
-            <a:r>
-              <a:rPr lang="en-US" dirty="0" smtClean="0"/>
-              <a:t/>
-            </a:r>
-            <a:br>
-              <a:rPr lang="en-US" dirty="0" smtClean="0"/>
-            </a:br>
-            <a:r>
-              <a:rPr lang="en-US" dirty="0" smtClean="0"/>
-              <a:t>SYSC 4907 Engineering </a:t>
-            </a:r>
-            <a:r>
-              <a:rPr lang="en-US" dirty="0" smtClean="0"/>
-              <a:t>Project</a:t>
-            </a:r>
-            <a:endParaRPr lang="en-US" dirty="0"/>
-          </a:p>
-        </p:txBody>
-      </p:sp>
-      <p:sp>
-        <p:nvSpPr>
-          <p:cNvPr id="2053" name="Rectangle 5"/>
-          <p:cNvSpPr>
-            <a:spLocks noGrp="1" noChangeArrowheads="1"/>
-          </p:cNvSpPr>
-          <p:nvPr>
-            <p:ph type="subTitle" idx="1"/>
-          </p:nvPr>
-        </p:nvSpPr>
-        <p:spPr>
-          <a:xfrm>
-            <a:off x="1905000" y="3581400"/>
-            <a:ext cx="7239000" cy="1524000"/>
-          </a:xfrm>
-        </p:spPr>
-        <p:txBody>
-          <a:bodyPr/>
-          <a:lstStyle/>
-          <a:p>
-            <a:r>
-              <a:rPr lang="en-US" sz="2400" dirty="0" smtClean="0"/>
-              <a:t>https://github.com/alexcraig/RoboWars</a:t>
-            </a:r>
-            <a:endParaRPr lang="en-US" sz="2400" dirty="0" smtClean="0"/>
-          </a:p>
-          <a:p>
-            <a:endParaRPr lang="en-US" dirty="0"/>
-          </a:p>
-          <a:p>
-            <a:endParaRPr lang="en-US" dirty="0"/>
-          </a:p>
-        </p:txBody>
-      </p:sp>
-    </p:spTree>
-  </p:cSld>
-  <p:clrMapOvr>
-    <a:masterClrMapping/>
-  </p:clrMapOvr>
-  <p:transition>
-    <p:fade/>
-  </p:transition>
-  <p:timing>
-    <p:tnLst>
-      <p:par>
-        <p:cTn id="1" dur="indefinite" restart="never" nodeType="tmRoot"/>
-      </p:par>
-    </p:tnLst>
-  </p:timing>
-</p:sld>
-</file>
-
-<file path=ppt/slides/slide5.xml><?xml version="1.0" encoding="utf-8"?>
-<p:sld xmlns:a="http://schemas.openxmlformats.org/drawingml/2006/main" xmlns:r="http://schemas.openxmlformats.org/officeDocument/2006/relationships" xmlns:p="http://schemas.openxmlformats.org/presentationml/2006/main">
-  <p:cSld>
-    <p:spTree>
-      <p:nvGrpSpPr>
-        <p:cNvPr id="1" name=""/>
-        <p:cNvGrpSpPr/>
-        <p:nvPr/>
-      </p:nvGrpSpPr>
-      <p:grpSpPr>
-        <a:xfrm>
-          <a:off x="0" y="0"/>
-          <a:ext cx="0" cy="0"/>
-          <a:chOff x="0" y="0"/>
-          <a:chExt cx="0" cy="0"/>
-        </a:xfrm>
-      </p:grpSpPr>
-      <p:sp>
-        <p:nvSpPr>
           <p:cNvPr id="4" name="Slide Number Placeholder 3"/>
           <p:cNvSpPr>
             <a:spLocks noGrp="1"/>
@@ -15243,113 +15055,7 @@
             <a:fld id="{284CB430-D7DB-450E-8FF5-AD4ED9D28849}" type="slidenum">
               <a:rPr lang="en-US"/>
               <a:pPr/>
-              <a:t>5</a:t>
-            </a:fld>
-            <a:endParaRPr lang="en-US"/>
-          </a:p>
-        </p:txBody>
-      </p:sp>
-      <p:sp>
-        <p:nvSpPr>
-          <p:cNvPr id="4100" name="Rectangle 4"/>
-          <p:cNvSpPr>
-            <a:spLocks noGrp="1" noChangeArrowheads="1"/>
-          </p:cNvSpPr>
-          <p:nvPr>
-            <p:ph type="title"/>
-          </p:nvPr>
-        </p:nvSpPr>
-        <p:spPr/>
-        <p:txBody>
-          <a:bodyPr/>
-          <a:lstStyle/>
-          <a:p>
-            <a:r>
-              <a:rPr lang="en-US" dirty="0" smtClean="0"/>
-              <a:t>Solution - System Architecture</a:t>
-            </a:r>
-            <a:endParaRPr lang="en-US" dirty="0"/>
-          </a:p>
-        </p:txBody>
-      </p:sp>
-      <p:pic>
-        <p:nvPicPr>
-          <p:cNvPr id="6" name="Picture 5" descr="architecture_diagram.jpg"/>
-          <p:cNvPicPr>
-            <a:picLocks noChangeAspect="1"/>
-          </p:cNvPicPr>
-          <p:nvPr/>
-        </p:nvPicPr>
-        <p:blipFill>
-          <a:blip r:embed="rId3" cstate="print"/>
-          <a:stretch>
-            <a:fillRect/>
-          </a:stretch>
-        </p:blipFill>
-        <p:spPr>
-          <a:xfrm>
-            <a:off x="1886851" y="1600200"/>
-            <a:ext cx="7028549" cy="4800599"/>
-          </a:xfrm>
-          <a:prstGeom prst="rect">
-            <a:avLst/>
-          </a:prstGeom>
-        </p:spPr>
-      </p:pic>
-    </p:spTree>
-  </p:cSld>
-  <p:clrMapOvr>
-    <a:masterClrMapping/>
-  </p:clrMapOvr>
-  <p:transition>
-    <p:fade/>
-  </p:transition>
-  <p:timing>
-    <p:tnLst>
-      <p:par>
-        <p:cTn id="1" dur="indefinite" restart="never" nodeType="tmRoot"/>
-      </p:par>
-    </p:tnLst>
-  </p:timing>
-</p:sld>
-</file>
-
-<file path=ppt/slides/slide50.xml><?xml version="1.0" encoding="utf-8"?>
-<p:sld xmlns:a="http://schemas.openxmlformats.org/drawingml/2006/main" xmlns:r="http://schemas.openxmlformats.org/officeDocument/2006/relationships" xmlns:p="http://schemas.openxmlformats.org/presentationml/2006/main">
-  <p:cSld>
-    <p:spTree>
-      <p:nvGrpSpPr>
-        <p:cNvPr id="1" name=""/>
-        <p:cNvGrpSpPr/>
-        <p:nvPr/>
-      </p:nvGrpSpPr>
-      <p:grpSpPr>
-        <a:xfrm>
-          <a:off x="0" y="0"/>
-          <a:ext cx="0" cy="0"/>
-          <a:chOff x="0" y="0"/>
-          <a:chExt cx="0" cy="0"/>
-        </a:xfrm>
-      </p:grpSpPr>
-      <p:sp>
-        <p:nvSpPr>
-          <p:cNvPr id="4" name="Slide Number Placeholder 3"/>
-          <p:cNvSpPr>
-            <a:spLocks noGrp="1"/>
-          </p:cNvSpPr>
-          <p:nvPr>
-            <p:ph type="sldNum" sz="quarter" idx="10"/>
-          </p:nvPr>
-        </p:nvSpPr>
-        <p:spPr/>
-        <p:txBody>
-          <a:bodyPr/>
-          <a:lstStyle/>
-          <a:p>
-            <a:fld id="{284CB430-D7DB-450E-8FF5-AD4ED9D28849}" type="slidenum">
-              <a:rPr lang="en-US"/>
-              <a:pPr/>
-              <a:t>50</a:t>
+              <a:t>48</a:t>
             </a:fld>
             <a:endParaRPr lang="en-US"/>
           </a:p>
@@ -15453,13 +15159,7 @@
               <a:rPr lang="en-US" sz="1400" dirty="0" smtClean="0">
                 <a:hlinkClick r:id="rId6"/>
               </a:rPr>
-              <a:t>http://</a:t>
-            </a:r>
-            <a:r>
-              <a:rPr lang="en-US" sz="1400" dirty="0" smtClean="0">
-                <a:hlinkClick r:id="rId6"/>
-              </a:rPr>
-              <a:t>www.logitech.com/en-us/webcam-communications/webcams/devices/6333</a:t>
+              <a:t>http://www.logitech.com/en-us/webcam-communications/webcams/devices/6333</a:t>
             </a:r>
             <a:endParaRPr lang="en-US" sz="1400" dirty="0" smtClean="0"/>
           </a:p>
@@ -15530,25 +15230,7 @@
                 </a:solidFill>
                 <a:latin typeface="Egyptienne F Black" charset="0"/>
               </a:rPr>
-              <a:t>[</a:t>
-            </a:r>
-            <a:r>
-              <a:rPr lang="en-US" sz="1400" dirty="0" smtClean="0">
-                <a:solidFill>
-                  <a:srgbClr val="000000"/>
-                </a:solidFill>
-                <a:latin typeface="Egyptienne F Black" charset="0"/>
-              </a:rPr>
-              <a:t>7</a:t>
-            </a:r>
-            <a:r>
-              <a:rPr lang="en-US" sz="1400" dirty="0" smtClean="0">
-                <a:solidFill>
-                  <a:srgbClr val="000000"/>
-                </a:solidFill>
-                <a:latin typeface="Egyptienne F Black" charset="0"/>
-              </a:rPr>
-              <a:t>] </a:t>
+              <a:t>[7] </a:t>
             </a:r>
             <a:r>
               <a:rPr lang="en-US" sz="1400" dirty="0" smtClean="0">
@@ -15558,17 +15240,7 @@
                 <a:latin typeface="Egyptienne F Black" charset="0"/>
                 <a:hlinkClick r:id="rId8"/>
               </a:rPr>
-              <a:t>http://</a:t>
-            </a:r>
-            <a:r>
-              <a:rPr lang="en-US" sz="1400" dirty="0" smtClean="0">
-                <a:solidFill>
-                  <a:srgbClr val="000000"/>
-                </a:solidFill>
-                <a:latin typeface="Egyptienne F Black" charset="0"/>
-                <a:hlinkClick r:id="rId8"/>
-              </a:rPr>
-              <a:t>developer.android.com/reference/android/widget/LinearLayout.html</a:t>
+              <a:t>http://developer.android.com/reference/android/widget/LinearLayout.html</a:t>
             </a:r>
             <a:endParaRPr lang="en-US" sz="1400" dirty="0" smtClean="0">
               <a:solidFill>
@@ -15611,17 +15283,7 @@
                 <a:latin typeface="Egyptienne F Black" charset="0"/>
                 <a:hlinkClick r:id="rId9"/>
               </a:rPr>
-              <a:t>http://</a:t>
-            </a:r>
-            <a:r>
-              <a:rPr lang="en-US" sz="1400" dirty="0" smtClean="0">
-                <a:solidFill>
-                  <a:srgbClr val="000000"/>
-                </a:solidFill>
-                <a:latin typeface="Egyptienne F Black" charset="0"/>
-                <a:hlinkClick r:id="rId9"/>
-              </a:rPr>
-              <a:t>www.raizlabs.com/blog/262/augmented-reality-gps</a:t>
+              <a:t>http://www.raizlabs.com/blog/262/augmented-reality-gps</a:t>
             </a:r>
             <a:endParaRPr lang="en-US" sz="1400" dirty="0" smtClean="0">
               <a:solidFill>
@@ -15664,17 +15326,7 @@
                 <a:latin typeface="Egyptienne F Black" charset="0"/>
                 <a:hlinkClick r:id="rId10"/>
               </a:rPr>
-              <a:t>http://petitinvention.wordpress.com/2008/08/20/future-of-mobile-search-virtual-shopping-1</a:t>
-            </a:r>
-            <a:r>
-              <a:rPr lang="en-US" sz="1400" dirty="0" smtClean="0">
-                <a:solidFill>
-                  <a:srgbClr val="000000"/>
-                </a:solidFill>
-                <a:latin typeface="Egyptienne F Black" charset="0"/>
-                <a:hlinkClick r:id="rId10"/>
-              </a:rPr>
-              <a:t>/</a:t>
+              <a:t>http://petitinvention.wordpress.com/2008/08/20/future-of-mobile-search-virtual-shopping-1/</a:t>
             </a:r>
             <a:endParaRPr lang="en-US" sz="1400" dirty="0" smtClean="0">
               <a:solidFill>
@@ -15717,17 +15369,7 @@
                 <a:latin typeface="Egyptienne F Black" charset="0"/>
                 <a:hlinkClick r:id="rId11"/>
               </a:rPr>
-              <a:t>http://questvisual.com</a:t>
-            </a:r>
-            <a:r>
-              <a:rPr lang="en-US" sz="1400" dirty="0" smtClean="0">
-                <a:solidFill>
-                  <a:srgbClr val="000000"/>
-                </a:solidFill>
-                <a:latin typeface="Egyptienne F Black" charset="0"/>
-                <a:hlinkClick r:id="rId11"/>
-              </a:rPr>
-              <a:t>/</a:t>
+              <a:t>http://questvisual.com/</a:t>
             </a:r>
             <a:endParaRPr lang="en-US" sz="1400" dirty="0" smtClean="0">
               <a:solidFill>
@@ -15843,7 +15485,7 @@
 </p:sld>
 </file>
 
-<file path=ppt/slides/slide51.xml><?xml version="1.0" encoding="utf-8"?>
+<file path=ppt/slides/slide49.xml><?xml version="1.0" encoding="utf-8"?>
 <p:sld xmlns:a="http://schemas.openxmlformats.org/drawingml/2006/main" xmlns:r="http://schemas.openxmlformats.org/officeDocument/2006/relationships" xmlns:p="http://schemas.openxmlformats.org/presentationml/2006/main">
   <p:cSld>
     <p:spTree>
@@ -15878,7 +15520,7 @@
             <a:fld id="{284CB430-D7DB-450E-8FF5-AD4ED9D28849}" type="slidenum">
               <a:rPr lang="en-US"/>
               <a:pPr/>
-              <a:t>51</a:t>
+              <a:t>49</a:t>
             </a:fld>
             <a:endParaRPr lang="en-US"/>
           </a:p>
@@ -15925,23 +15567,13 @@
             <a:pPr eaLnBrk="1" hangingPunct="1"/>
             <a:r>
               <a:rPr lang="en-US" sz="1400" dirty="0" smtClean="0"/>
-              <a:t>[11</a:t>
-            </a:r>
-            <a:r>
-              <a:rPr lang="en-US" sz="1400" dirty="0" smtClean="0"/>
-              <a:t>] </a:t>
+              <a:t>[11] </a:t>
             </a:r>
             <a:r>
               <a:rPr lang="en-US" sz="1400" dirty="0" smtClean="0">
                 <a:hlinkClick r:id="rId2"/>
               </a:rPr>
-              <a:t>http://shop.lego.com/Product/?</a:t>
-            </a:r>
-            <a:r>
-              <a:rPr lang="en-US" sz="1400" dirty="0" smtClean="0">
-                <a:hlinkClick r:id="rId2"/>
-              </a:rPr>
-              <a:t>p=9841</a:t>
+              <a:t>http://shop.lego.com/Product/?p=9841</a:t>
             </a:r>
             <a:endParaRPr lang="en-US" sz="1400" dirty="0" smtClean="0"/>
           </a:p>
@@ -15949,11 +15581,7 @@
             <a:pPr eaLnBrk="1" hangingPunct="1"/>
             <a:r>
               <a:rPr lang="en-US" sz="1400" dirty="0" smtClean="0"/>
-              <a:t>[12</a:t>
-            </a:r>
-            <a:r>
-              <a:rPr lang="en-US" sz="1400" dirty="0" smtClean="0"/>
-              <a:t>] </a:t>
+              <a:t>[12] </a:t>
             </a:r>
             <a:r>
               <a:rPr lang="en-US" sz="1400" dirty="0" smtClean="0">
@@ -15967,11 +15595,7 @@
             <a:pPr eaLnBrk="1" hangingPunct="1"/>
             <a:r>
               <a:rPr lang="en-US" sz="1400" dirty="0" smtClean="0"/>
-              <a:t>[13</a:t>
-            </a:r>
-            <a:r>
-              <a:rPr lang="en-US" sz="1400" dirty="0" smtClean="0"/>
-              <a:t>] </a:t>
+              <a:t>[13] </a:t>
             </a:r>
             <a:r>
               <a:rPr lang="en-US" sz="1400" dirty="0" smtClean="0">
@@ -15985,23 +15609,13 @@
             <a:pPr eaLnBrk="1" hangingPunct="1"/>
             <a:r>
               <a:rPr lang="en-US" sz="1400" dirty="0" smtClean="0"/>
-              <a:t>[14</a:t>
-            </a:r>
-            <a:r>
-              <a:rPr lang="en-US" sz="1400" dirty="0" smtClean="0"/>
-              <a:t>] </a:t>
+              <a:t>[14] </a:t>
             </a:r>
             <a:r>
               <a:rPr lang="en-US" sz="1400" dirty="0" smtClean="0">
                 <a:hlinkClick r:id="rId5"/>
               </a:rPr>
-              <a:t>http://</a:t>
-            </a:r>
-            <a:r>
-              <a:rPr lang="en-US" sz="1400" dirty="0" smtClean="0">
-                <a:hlinkClick r:id="rId5"/>
-              </a:rPr>
-              <a:t>www.hitechnic.com/cgi-bin/commerce.cgi?preadd=action&amp;key=NCO1038</a:t>
+              <a:t>http://www.hitechnic.com/cgi-bin/commerce.cgi?preadd=action&amp;key=NCO1038</a:t>
             </a:r>
             <a:endParaRPr lang="en-US" sz="1400" dirty="0" smtClean="0"/>
           </a:p>
@@ -16009,23 +15623,13 @@
             <a:pPr eaLnBrk="1" hangingPunct="1"/>
             <a:r>
               <a:rPr lang="en-US" sz="1400" dirty="0" smtClean="0"/>
-              <a:t>[15</a:t>
-            </a:r>
-            <a:r>
-              <a:rPr lang="en-US" sz="1400" dirty="0" smtClean="0"/>
-              <a:t>] </a:t>
+              <a:t>[15] </a:t>
             </a:r>
             <a:r>
               <a:rPr lang="en-US" sz="1400" dirty="0" smtClean="0">
                 <a:hlinkClick r:id="rId6"/>
               </a:rPr>
-              <a:t>http://</a:t>
-            </a:r>
-            <a:r>
-              <a:rPr lang="en-US" sz="1400" dirty="0" smtClean="0">
-                <a:hlinkClick r:id="rId6"/>
-              </a:rPr>
-              <a:t>shop.lego.com/ByTheme/Product.aspx?p=9846&amp;cn=17</a:t>
+              <a:t>http://shop.lego.com/ByTheme/Product.aspx?p=9846&amp;cn=17</a:t>
             </a:r>
             <a:endParaRPr lang="en-US" sz="1400" dirty="0" smtClean="0"/>
           </a:p>
@@ -16033,11 +15637,7 @@
             <a:pPr eaLnBrk="1" hangingPunct="1"/>
             <a:r>
               <a:rPr lang="en-US" sz="1400" dirty="0" smtClean="0"/>
-              <a:t>[16</a:t>
-            </a:r>
-            <a:r>
-              <a:rPr lang="en-US" sz="1400" dirty="0" smtClean="0"/>
-              <a:t>] </a:t>
+              <a:t>[16] </a:t>
             </a:r>
             <a:r>
               <a:rPr lang="en-US" sz="1400" dirty="0" smtClean="0">
@@ -16051,23 +15651,13 @@
             <a:pPr eaLnBrk="1" hangingPunct="1"/>
             <a:r>
               <a:rPr lang="en-US" sz="1400" dirty="0" smtClean="0"/>
-              <a:t>[17</a:t>
-            </a:r>
-            <a:r>
-              <a:rPr lang="en-US" sz="1400" dirty="0" smtClean="0"/>
-              <a:t>]</a:t>
+              <a:t>[17]</a:t>
             </a:r>
             <a:r>
               <a:rPr lang="en-US" sz="1400" dirty="0" smtClean="0">
                 <a:hlinkClick r:id="rId8"/>
               </a:rPr>
-              <a:t> http://christhompson.ca/2009/08/at91sam7s256-aka-the-nxt-brain</a:t>
-            </a:r>
-            <a:r>
-              <a:rPr lang="en-US" sz="1400" dirty="0" smtClean="0">
-                <a:hlinkClick r:id="rId8"/>
-              </a:rPr>
-              <a:t>/</a:t>
+              <a:t> http://christhompson.ca/2009/08/at91sam7s256-aka-the-nxt-brain/</a:t>
             </a:r>
             <a:endParaRPr lang="en-US" sz="1400" dirty="0" smtClean="0"/>
           </a:p>
@@ -16175,6 +15765,112 @@
   <p:transition>
     <p:fade/>
   </p:transition>
+</p:sld>
+</file>
+
+<file path=ppt/slides/slide5.xml><?xml version="1.0" encoding="utf-8"?>
+<p:sld xmlns:a="http://schemas.openxmlformats.org/drawingml/2006/main" xmlns:r="http://schemas.openxmlformats.org/officeDocument/2006/relationships" xmlns:p="http://schemas.openxmlformats.org/presentationml/2006/main">
+  <p:cSld>
+    <p:spTree>
+      <p:nvGrpSpPr>
+        <p:cNvPr id="1" name=""/>
+        <p:cNvGrpSpPr/>
+        <p:nvPr/>
+      </p:nvGrpSpPr>
+      <p:grpSpPr>
+        <a:xfrm>
+          <a:off x="0" y="0"/>
+          <a:ext cx="0" cy="0"/>
+          <a:chOff x="0" y="0"/>
+          <a:chExt cx="0" cy="0"/>
+        </a:xfrm>
+      </p:grpSpPr>
+      <p:sp>
+        <p:nvSpPr>
+          <p:cNvPr id="4" name="Slide Number Placeholder 3"/>
+          <p:cNvSpPr>
+            <a:spLocks noGrp="1"/>
+          </p:cNvSpPr>
+          <p:nvPr>
+            <p:ph type="sldNum" sz="quarter" idx="10"/>
+          </p:nvPr>
+        </p:nvSpPr>
+        <p:spPr/>
+        <p:txBody>
+          <a:bodyPr/>
+          <a:lstStyle/>
+          <a:p>
+            <a:fld id="{284CB430-D7DB-450E-8FF5-AD4ED9D28849}" type="slidenum">
+              <a:rPr lang="en-US"/>
+              <a:pPr/>
+              <a:t>5</a:t>
+            </a:fld>
+            <a:endParaRPr lang="en-US"/>
+          </a:p>
+        </p:txBody>
+      </p:sp>
+      <p:sp>
+        <p:nvSpPr>
+          <p:cNvPr id="4100" name="Rectangle 4"/>
+          <p:cNvSpPr>
+            <a:spLocks noGrp="1" noChangeArrowheads="1"/>
+          </p:cNvSpPr>
+          <p:nvPr>
+            <p:ph type="title"/>
+          </p:nvPr>
+        </p:nvSpPr>
+        <p:spPr/>
+        <p:txBody>
+          <a:bodyPr/>
+          <a:lstStyle/>
+          <a:p>
+            <a:r>
+              <a:rPr lang="en-US" dirty="0" smtClean="0"/>
+              <a:t>Solution - System Architecture</a:t>
+            </a:r>
+            <a:endParaRPr lang="en-US" dirty="0"/>
+          </a:p>
+        </p:txBody>
+      </p:sp>
+      <p:pic>
+        <p:nvPicPr>
+          <p:cNvPr id="6" name="Picture 5" descr="architecture_diagram.jpg"/>
+          <p:cNvPicPr>
+            <a:picLocks noChangeAspect="1"/>
+          </p:cNvPicPr>
+          <p:nvPr/>
+        </p:nvPicPr>
+        <p:blipFill>
+          <a:blip r:embed="rId3" cstate="print"/>
+          <a:stretch>
+            <a:fillRect/>
+          </a:stretch>
+        </p:blipFill>
+        <p:spPr>
+          <a:xfrm>
+            <a:off x="1886851" y="1600200"/>
+            <a:ext cx="7028549" cy="4800599"/>
+          </a:xfrm>
+          <a:prstGeom prst="rect">
+            <a:avLst/>
+          </a:prstGeom>
+        </p:spPr>
+      </p:pic>
+    </p:spTree>
+  </p:cSld>
+  <p:clrMapOvr>
+    <a:masterClrMapping/>
+  </p:clrMapOvr>
+  <p:transition>
+    <p:fade/>
+  </p:transition>
+  <p:timing>
+    <p:tnLst>
+      <p:par>
+        <p:cTn id="1" dur="indefinite" restart="never" nodeType="tmRoot"/>
+      </p:par>
+    </p:tnLst>
+  </p:timing>
 </p:sld>
 </file>
 

--- a/docs/presentation_slides/RoboWarsPresentation.pptx
+++ b/docs/presentation_slides/RoboWarsPresentation.pptx
@@ -15848,7 +15848,7 @@
         </p:blipFill>
         <p:spPr>
           <a:xfrm>
-            <a:off x="1886851" y="1600200"/>
+            <a:off x="1886851" y="1524001"/>
             <a:ext cx="7028549" cy="4800599"/>
           </a:xfrm>
           <a:prstGeom prst="rect">
@@ -15856,6 +15856,69 @@
           </a:prstGeom>
         </p:spPr>
       </p:pic>
+      <p:sp>
+        <p:nvSpPr>
+          <p:cNvPr id="5" name="Rectangle 4"/>
+          <p:cNvSpPr/>
+          <p:nvPr/>
+        </p:nvSpPr>
+        <p:spPr bwMode="auto">
+          <a:xfrm>
+            <a:off x="4267200" y="1600201"/>
+            <a:ext cx="4419600" cy="1524000"/>
+          </a:xfrm>
+          <a:prstGeom prst="rect">
+            <a:avLst/>
+          </a:prstGeom>
+          <a:solidFill>
+            <a:schemeClr val="bg1"/>
+          </a:solidFill>
+          <a:ln w="9525" cap="flat" cmpd="sng" algn="ctr">
+            <a:noFill/>
+            <a:prstDash val="solid"/>
+            <a:round/>
+            <a:headEnd type="none" w="med" len="med"/>
+            <a:tailEnd type="none" w="med" len="med"/>
+          </a:ln>
+          <a:effectLst/>
+        </p:spPr>
+        <p:txBody>
+          <a:bodyPr vert="horz" wrap="square" lIns="91440" tIns="45720" rIns="91440" bIns="45720" numCol="1" rtlCol="0" anchor="t" anchorCtr="0" compatLnSpc="1">
+            <a:prstTxWarp prst="textNoShape">
+              <a:avLst/>
+            </a:prstTxWarp>
+          </a:bodyPr>
+          <a:lstStyle/>
+          <a:p>
+            <a:pPr marL="0" marR="0" indent="0" algn="l" defTabSz="914400" rtl="0" eaLnBrk="0" fontAlgn="base" latinLnBrk="0" hangingPunct="0">
+              <a:lnSpc>
+                <a:spcPct val="100000"/>
+              </a:lnSpc>
+              <a:spcBef>
+                <a:spcPct val="0"/>
+              </a:spcBef>
+              <a:spcAft>
+                <a:spcPct val="0"/>
+              </a:spcAft>
+              <a:buClrTx/>
+              <a:buSzTx/>
+              <a:buFontTx/>
+              <a:buNone/>
+              <a:tabLst/>
+            </a:pPr>
+            <a:endParaRPr kumimoji="0" lang="en-CA" sz="2400" b="0" i="0" u="none" strike="noStrike" cap="none" normalizeH="0" baseline="0" smtClean="0">
+              <a:ln>
+                <a:noFill/>
+              </a:ln>
+              <a:solidFill>
+                <a:schemeClr val="tx1"/>
+              </a:solidFill>
+              <a:effectLst/>
+              <a:latin typeface="Times" pitchFamily="18" charset="0"/>
+            </a:endParaRPr>
+          </a:p>
+        </p:txBody>
+      </p:sp>
     </p:spTree>
   </p:cSld>
   <p:clrMapOvr>
